--- a/Programming_200222/intro.python.workshop.pptx
+++ b/Programming_200222/intro.python.workshop.pptx
@@ -4,6 +4,9 @@
   <p:sldMasterIdLst>
     <p:sldMasterId id="2147483648" r:id="rId1"/>
   </p:sldMasterIdLst>
+  <p:notesMasterIdLst>
+    <p:notesMasterId r:id="rId27"/>
+  </p:notesMasterIdLst>
   <p:sldIdLst>
     <p:sldId id="256" r:id="rId2"/>
     <p:sldId id="257" r:id="rId3"/>
@@ -27,9 +30,9 @@
     <p:sldId id="275" r:id="rId21"/>
     <p:sldId id="276" r:id="rId22"/>
     <p:sldId id="277" r:id="rId23"/>
-    <p:sldId id="280" r:id="rId24"/>
-    <p:sldId id="278" r:id="rId25"/>
-    <p:sldId id="279" r:id="rId26"/>
+    <p:sldId id="278" r:id="rId24"/>
+    <p:sldId id="279" r:id="rId25"/>
+    <p:sldId id="280" r:id="rId26"/>
   </p:sldIdLst>
   <p:sldSz cx="18288000" cy="10287000"/>
   <p:notesSz cx="7772400" cy="10058400"/>
@@ -128,7 +131,445 @@
       </a:defRPr>
     </a:lvl9pPr>
   </p:defaultTextStyle>
+  <p:extLst>
+    <p:ext uri="{EFAFB233-063F-42B5-8137-9DF3F51BA10A}">
+      <p15:sldGuideLst xmlns:p15="http://schemas.microsoft.com/office/powerpoint/2012/main"/>
+    </p:ext>
+  </p:extLst>
 </p:presentation>
+</file>
+
+<file path=ppt/notesMasters/notesMaster1.xml><?xml version="1.0" encoding="utf-8"?>
+<p:notesMaster xmlns:a="http://schemas.openxmlformats.org/drawingml/2006/main" xmlns:r="http://schemas.openxmlformats.org/officeDocument/2006/relationships" xmlns:p="http://schemas.openxmlformats.org/presentationml/2006/main">
+  <p:cSld>
+    <p:bg>
+      <p:bgRef idx="1001">
+        <a:schemeClr val="bg1"/>
+      </p:bgRef>
+    </p:bg>
+    <p:spTree>
+      <p:nvGrpSpPr>
+        <p:cNvPr id="1" name=""/>
+        <p:cNvGrpSpPr/>
+        <p:nvPr/>
+      </p:nvGrpSpPr>
+      <p:grpSpPr>
+        <a:xfrm>
+          <a:off x="0" y="0"/>
+          <a:ext cx="0" cy="0"/>
+          <a:chOff x="0" y="0"/>
+          <a:chExt cx="0" cy="0"/>
+        </a:xfrm>
+      </p:grpSpPr>
+      <p:sp>
+        <p:nvSpPr>
+          <p:cNvPr id="2" name="Header Placeholder 1"/>
+          <p:cNvSpPr>
+            <a:spLocks noGrp="1"/>
+          </p:cNvSpPr>
+          <p:nvPr>
+            <p:ph type="hdr" sz="quarter"/>
+          </p:nvPr>
+        </p:nvSpPr>
+        <p:spPr>
+          <a:xfrm>
+            <a:off x="0" y="0"/>
+            <a:ext cx="3368675" cy="504825"/>
+          </a:xfrm>
+          <a:prstGeom prst="rect">
+            <a:avLst/>
+          </a:prstGeom>
+        </p:spPr>
+        <p:txBody>
+          <a:bodyPr vert="horz" lIns="91440" tIns="45720" rIns="91440" bIns="45720" rtlCol="0"/>
+          <a:lstStyle>
+            <a:lvl1pPr algn="l">
+              <a:defRPr sz="1200"/>
+            </a:lvl1pPr>
+          </a:lstStyle>
+          <a:p>
+            <a:endParaRPr lang="en-US"/>
+          </a:p>
+        </p:txBody>
+      </p:sp>
+      <p:sp>
+        <p:nvSpPr>
+          <p:cNvPr id="3" name="Date Placeholder 2"/>
+          <p:cNvSpPr>
+            <a:spLocks noGrp="1"/>
+          </p:cNvSpPr>
+          <p:nvPr>
+            <p:ph type="dt" idx="1"/>
+          </p:nvPr>
+        </p:nvSpPr>
+        <p:spPr>
+          <a:xfrm>
+            <a:off x="4402138" y="0"/>
+            <a:ext cx="3368675" cy="504825"/>
+          </a:xfrm>
+          <a:prstGeom prst="rect">
+            <a:avLst/>
+          </a:prstGeom>
+        </p:spPr>
+        <p:txBody>
+          <a:bodyPr vert="horz" lIns="91440" tIns="45720" rIns="91440" bIns="45720" rtlCol="0"/>
+          <a:lstStyle>
+            <a:lvl1pPr algn="r">
+              <a:defRPr sz="1200"/>
+            </a:lvl1pPr>
+          </a:lstStyle>
+          <a:p>
+            <a:fld id="{585DD9FD-3BB3-4F5A-AEF9-EA62AC6C37C5}" type="datetimeFigureOut">
+              <a:rPr lang="en-US" smtClean="0"/>
+              <a:t>2022-02-21</a:t>
+            </a:fld>
+            <a:endParaRPr lang="en-US"/>
+          </a:p>
+        </p:txBody>
+      </p:sp>
+      <p:sp>
+        <p:nvSpPr>
+          <p:cNvPr id="4" name="Slide Image Placeholder 3"/>
+          <p:cNvSpPr>
+            <a:spLocks noGrp="1" noRot="1" noChangeAspect="1"/>
+          </p:cNvSpPr>
+          <p:nvPr>
+            <p:ph type="sldImg" idx="2"/>
+          </p:nvPr>
+        </p:nvSpPr>
+        <p:spPr>
+          <a:xfrm>
+            <a:off x="869950" y="1257300"/>
+            <a:ext cx="6032500" cy="3394075"/>
+          </a:xfrm>
+          <a:prstGeom prst="rect">
+            <a:avLst/>
+          </a:prstGeom>
+          <a:noFill/>
+          <a:ln w="12700">
+            <a:solidFill>
+              <a:prstClr val="black"/>
+            </a:solidFill>
+          </a:ln>
+        </p:spPr>
+        <p:txBody>
+          <a:bodyPr vert="horz" lIns="91440" tIns="45720" rIns="91440" bIns="45720" rtlCol="0" anchor="ctr"/>
+          <a:lstStyle/>
+          <a:p>
+            <a:endParaRPr lang="en-US"/>
+          </a:p>
+        </p:txBody>
+      </p:sp>
+      <p:sp>
+        <p:nvSpPr>
+          <p:cNvPr id="5" name="Notes Placeholder 4"/>
+          <p:cNvSpPr>
+            <a:spLocks noGrp="1"/>
+          </p:cNvSpPr>
+          <p:nvPr>
+            <p:ph type="body" sz="quarter" idx="3"/>
+          </p:nvPr>
+        </p:nvSpPr>
+        <p:spPr>
+          <a:xfrm>
+            <a:off x="777875" y="4840288"/>
+            <a:ext cx="6216650" cy="3960812"/>
+          </a:xfrm>
+          <a:prstGeom prst="rect">
+            <a:avLst/>
+          </a:prstGeom>
+        </p:spPr>
+        <p:txBody>
+          <a:bodyPr vert="horz" lIns="91440" tIns="45720" rIns="91440" bIns="45720" rtlCol="0"/>
+          <a:lstStyle/>
+          <a:p>
+            <a:pPr lvl="0"/>
+            <a:r>
+              <a:rPr lang="en-US"/>
+              <a:t>Click to edit Master text styles</a:t>
+            </a:r>
+          </a:p>
+          <a:p>
+            <a:pPr lvl="1"/>
+            <a:r>
+              <a:rPr lang="en-US"/>
+              <a:t>Second level</a:t>
+            </a:r>
+          </a:p>
+          <a:p>
+            <a:pPr lvl="2"/>
+            <a:r>
+              <a:rPr lang="en-US"/>
+              <a:t>Third level</a:t>
+            </a:r>
+          </a:p>
+          <a:p>
+            <a:pPr lvl="3"/>
+            <a:r>
+              <a:rPr lang="en-US"/>
+              <a:t>Fourth level</a:t>
+            </a:r>
+          </a:p>
+          <a:p>
+            <a:pPr lvl="4"/>
+            <a:r>
+              <a:rPr lang="en-US"/>
+              <a:t>Fifth level</a:t>
+            </a:r>
+          </a:p>
+        </p:txBody>
+      </p:sp>
+      <p:sp>
+        <p:nvSpPr>
+          <p:cNvPr id="6" name="Footer Placeholder 5"/>
+          <p:cNvSpPr>
+            <a:spLocks noGrp="1"/>
+          </p:cNvSpPr>
+          <p:nvPr>
+            <p:ph type="ftr" sz="quarter" idx="4"/>
+          </p:nvPr>
+        </p:nvSpPr>
+        <p:spPr>
+          <a:xfrm>
+            <a:off x="0" y="9553575"/>
+            <a:ext cx="3368675" cy="504825"/>
+          </a:xfrm>
+          <a:prstGeom prst="rect">
+            <a:avLst/>
+          </a:prstGeom>
+        </p:spPr>
+        <p:txBody>
+          <a:bodyPr vert="horz" lIns="91440" tIns="45720" rIns="91440" bIns="45720" rtlCol="0" anchor="b"/>
+          <a:lstStyle>
+            <a:lvl1pPr algn="l">
+              <a:defRPr sz="1200"/>
+            </a:lvl1pPr>
+          </a:lstStyle>
+          <a:p>
+            <a:endParaRPr lang="en-US"/>
+          </a:p>
+        </p:txBody>
+      </p:sp>
+      <p:sp>
+        <p:nvSpPr>
+          <p:cNvPr id="7" name="Slide Number Placeholder 6"/>
+          <p:cNvSpPr>
+            <a:spLocks noGrp="1"/>
+          </p:cNvSpPr>
+          <p:nvPr>
+            <p:ph type="sldNum" sz="quarter" idx="5"/>
+          </p:nvPr>
+        </p:nvSpPr>
+        <p:spPr>
+          <a:xfrm>
+            <a:off x="4402138" y="9553575"/>
+            <a:ext cx="3368675" cy="504825"/>
+          </a:xfrm>
+          <a:prstGeom prst="rect">
+            <a:avLst/>
+          </a:prstGeom>
+        </p:spPr>
+        <p:txBody>
+          <a:bodyPr vert="horz" lIns="91440" tIns="45720" rIns="91440" bIns="45720" rtlCol="0" anchor="b"/>
+          <a:lstStyle>
+            <a:lvl1pPr algn="r">
+              <a:defRPr sz="1200"/>
+            </a:lvl1pPr>
+          </a:lstStyle>
+          <a:p>
+            <a:fld id="{7F5D6186-ACC9-4E7F-93A5-104B6C5B3133}" type="slidenum">
+              <a:rPr lang="en-US" smtClean="0"/>
+              <a:t>‹#›</a:t>
+            </a:fld>
+            <a:endParaRPr lang="en-US"/>
+          </a:p>
+        </p:txBody>
+      </p:sp>
+    </p:spTree>
+    <p:extLst>
+      <p:ext uri="{BB962C8B-B14F-4D97-AF65-F5344CB8AC3E}">
+        <p14:creationId xmlns:p14="http://schemas.microsoft.com/office/powerpoint/2010/main" val="446782577"/>
+      </p:ext>
+    </p:extLst>
+  </p:cSld>
+  <p:clrMap bg1="lt1" tx1="dk1" bg2="lt2" tx2="dk2" accent1="accent1" accent2="accent2" accent3="accent3" accent4="accent4" accent5="accent5" accent6="accent6" hlink="hlink" folHlink="folHlink"/>
+  <p:notesStyle>
+    <a:lvl1pPr marL="0" algn="l" defTabSz="914400" rtl="0" eaLnBrk="1" latinLnBrk="0" hangingPunct="1">
+      <a:defRPr sz="1200" kern="1200">
+        <a:solidFill>
+          <a:schemeClr val="tx1"/>
+        </a:solidFill>
+        <a:latin typeface="+mn-lt"/>
+        <a:ea typeface="+mn-ea"/>
+        <a:cs typeface="+mn-cs"/>
+      </a:defRPr>
+    </a:lvl1pPr>
+    <a:lvl2pPr marL="457200" algn="l" defTabSz="914400" rtl="0" eaLnBrk="1" latinLnBrk="0" hangingPunct="1">
+      <a:defRPr sz="1200" kern="1200">
+        <a:solidFill>
+          <a:schemeClr val="tx1"/>
+        </a:solidFill>
+        <a:latin typeface="+mn-lt"/>
+        <a:ea typeface="+mn-ea"/>
+        <a:cs typeface="+mn-cs"/>
+      </a:defRPr>
+    </a:lvl2pPr>
+    <a:lvl3pPr marL="914400" algn="l" defTabSz="914400" rtl="0" eaLnBrk="1" latinLnBrk="0" hangingPunct="1">
+      <a:defRPr sz="1200" kern="1200">
+        <a:solidFill>
+          <a:schemeClr val="tx1"/>
+        </a:solidFill>
+        <a:latin typeface="+mn-lt"/>
+        <a:ea typeface="+mn-ea"/>
+        <a:cs typeface="+mn-cs"/>
+      </a:defRPr>
+    </a:lvl3pPr>
+    <a:lvl4pPr marL="1371600" algn="l" defTabSz="914400" rtl="0" eaLnBrk="1" latinLnBrk="0" hangingPunct="1">
+      <a:defRPr sz="1200" kern="1200">
+        <a:solidFill>
+          <a:schemeClr val="tx1"/>
+        </a:solidFill>
+        <a:latin typeface="+mn-lt"/>
+        <a:ea typeface="+mn-ea"/>
+        <a:cs typeface="+mn-cs"/>
+      </a:defRPr>
+    </a:lvl4pPr>
+    <a:lvl5pPr marL="1828800" algn="l" defTabSz="914400" rtl="0" eaLnBrk="1" latinLnBrk="0" hangingPunct="1">
+      <a:defRPr sz="1200" kern="1200">
+        <a:solidFill>
+          <a:schemeClr val="tx1"/>
+        </a:solidFill>
+        <a:latin typeface="+mn-lt"/>
+        <a:ea typeface="+mn-ea"/>
+        <a:cs typeface="+mn-cs"/>
+      </a:defRPr>
+    </a:lvl5pPr>
+    <a:lvl6pPr marL="2286000" algn="l" defTabSz="914400" rtl="0" eaLnBrk="1" latinLnBrk="0" hangingPunct="1">
+      <a:defRPr sz="1200" kern="1200">
+        <a:solidFill>
+          <a:schemeClr val="tx1"/>
+        </a:solidFill>
+        <a:latin typeface="+mn-lt"/>
+        <a:ea typeface="+mn-ea"/>
+        <a:cs typeface="+mn-cs"/>
+      </a:defRPr>
+    </a:lvl6pPr>
+    <a:lvl7pPr marL="2743200" algn="l" defTabSz="914400" rtl="0" eaLnBrk="1" latinLnBrk="0" hangingPunct="1">
+      <a:defRPr sz="1200" kern="1200">
+        <a:solidFill>
+          <a:schemeClr val="tx1"/>
+        </a:solidFill>
+        <a:latin typeface="+mn-lt"/>
+        <a:ea typeface="+mn-ea"/>
+        <a:cs typeface="+mn-cs"/>
+      </a:defRPr>
+    </a:lvl7pPr>
+    <a:lvl8pPr marL="3200400" algn="l" defTabSz="914400" rtl="0" eaLnBrk="1" latinLnBrk="0" hangingPunct="1">
+      <a:defRPr sz="1200" kern="1200">
+        <a:solidFill>
+          <a:schemeClr val="tx1"/>
+        </a:solidFill>
+        <a:latin typeface="+mn-lt"/>
+        <a:ea typeface="+mn-ea"/>
+        <a:cs typeface="+mn-cs"/>
+      </a:defRPr>
+    </a:lvl8pPr>
+    <a:lvl9pPr marL="3657600" algn="l" defTabSz="914400" rtl="0" eaLnBrk="1" latinLnBrk="0" hangingPunct="1">
+      <a:defRPr sz="1200" kern="1200">
+        <a:solidFill>
+          <a:schemeClr val="tx1"/>
+        </a:solidFill>
+        <a:latin typeface="+mn-lt"/>
+        <a:ea typeface="+mn-ea"/>
+        <a:cs typeface="+mn-cs"/>
+      </a:defRPr>
+    </a:lvl9pPr>
+  </p:notesStyle>
+</p:notesMaster>
+</file>
+
+<file path=ppt/notesSlides/notesSlide1.xml><?xml version="1.0" encoding="utf-8"?>
+<p:notes xmlns:a="http://schemas.openxmlformats.org/drawingml/2006/main" xmlns:r="http://schemas.openxmlformats.org/officeDocument/2006/relationships" xmlns:p="http://schemas.openxmlformats.org/presentationml/2006/main">
+  <p:cSld>
+    <p:spTree>
+      <p:nvGrpSpPr>
+        <p:cNvPr id="1" name=""/>
+        <p:cNvGrpSpPr/>
+        <p:nvPr/>
+      </p:nvGrpSpPr>
+      <p:grpSpPr>
+        <a:xfrm>
+          <a:off x="0" y="0"/>
+          <a:ext cx="0" cy="0"/>
+          <a:chOff x="0" y="0"/>
+          <a:chExt cx="0" cy="0"/>
+        </a:xfrm>
+      </p:grpSpPr>
+      <p:sp>
+        <p:nvSpPr>
+          <p:cNvPr id="2" name="Slide Image Placeholder 1"/>
+          <p:cNvSpPr>
+            <a:spLocks noGrp="1" noRot="1" noChangeAspect="1"/>
+          </p:cNvSpPr>
+          <p:nvPr>
+            <p:ph type="sldImg"/>
+          </p:nvPr>
+        </p:nvSpPr>
+        <p:spPr/>
+      </p:sp>
+      <p:sp>
+        <p:nvSpPr>
+          <p:cNvPr id="3" name="Notes Placeholder 2"/>
+          <p:cNvSpPr>
+            <a:spLocks noGrp="1"/>
+          </p:cNvSpPr>
+          <p:nvPr>
+            <p:ph type="body" idx="1"/>
+          </p:nvPr>
+        </p:nvSpPr>
+        <p:spPr/>
+        <p:txBody>
+          <a:bodyPr/>
+          <a:lstStyle/>
+          <a:p>
+            <a:endParaRPr lang="en-US" dirty="0"/>
+          </a:p>
+        </p:txBody>
+      </p:sp>
+      <p:sp>
+        <p:nvSpPr>
+          <p:cNvPr id="4" name="Slide Number Placeholder 3"/>
+          <p:cNvSpPr>
+            <a:spLocks noGrp="1"/>
+          </p:cNvSpPr>
+          <p:nvPr>
+            <p:ph type="sldNum" sz="quarter" idx="5"/>
+          </p:nvPr>
+        </p:nvSpPr>
+        <p:spPr/>
+        <p:txBody>
+          <a:bodyPr/>
+          <a:lstStyle/>
+          <a:p>
+            <a:fld id="{7F5D6186-ACC9-4E7F-93A5-104B6C5B3133}" type="slidenum">
+              <a:rPr lang="en-US" smtClean="0"/>
+              <a:t>3</a:t>
+            </a:fld>
+            <a:endParaRPr lang="en-US"/>
+          </a:p>
+        </p:txBody>
+      </p:sp>
+    </p:spTree>
+    <p:extLst>
+      <p:ext uri="{BB962C8B-B14F-4D97-AF65-F5344CB8AC3E}">
+        <p14:creationId xmlns:p14="http://schemas.microsoft.com/office/powerpoint/2010/main" val="1459849442"/>
+      </p:ext>
+    </p:extLst>
+  </p:cSld>
+  <p:clrMapOvr>
+    <a:masterClrMapping/>
+  </p:clrMapOvr>
+</p:notes>
 </file>
 
 <file path=ppt/slideLayouts/slideLayout1.xml><?xml version="1.0" encoding="utf-8"?>
@@ -1687,7 +2128,7 @@
                 </a:solidFill>
                 <a:latin typeface="Calibri"/>
               </a:rPr>
-              <a:t>2/20/2022</a:t>
+              <a:t>2022-02-21</a:t>
             </a:fld>
             <a:endParaRPr lang="en-US" sz="1200" b="0" strike="noStrike" spc="-1">
               <a:latin typeface="Times New Roman"/>
@@ -2965,12 +3406,14 @@
                 <a:solidFill>
                   <a:srgbClr val="000000"/>
                 </a:solidFill>
-                <a:latin typeface="Cascadia Code"/>
+                <a:latin typeface="Liberation Mono" panose="02070409020205020404" pitchFamily="49" charset="0"/>
+                <a:cs typeface="Liberation Mono" panose="02070409020205020404" pitchFamily="49" charset="0"/>
               </a:rPr>
               <a:t>+</a:t>
             </a:r>
             <a:endParaRPr lang="en-US" sz="2400" b="0" strike="noStrike" spc="-1" dirty="0">
-              <a:latin typeface="Cascadia Code"/>
+              <a:latin typeface="Liberation Mono" panose="02070409020205020404" pitchFamily="49" charset="0"/>
+              <a:cs typeface="Liberation Mono" panose="02070409020205020404" pitchFamily="49" charset="0"/>
             </a:endParaRPr>
           </a:p>
           <a:p>
@@ -2984,12 +3427,14 @@
                 <a:solidFill>
                   <a:srgbClr val="000000"/>
                 </a:solidFill>
-                <a:latin typeface="Cascadia Code"/>
+                <a:latin typeface="Liberation Mono" panose="02070409020205020404" pitchFamily="49" charset="0"/>
+                <a:cs typeface="Liberation Mono" panose="02070409020205020404" pitchFamily="49" charset="0"/>
               </a:rPr>
               <a:t>-</a:t>
             </a:r>
             <a:endParaRPr lang="en-US" sz="2400" b="0" strike="noStrike" spc="-1" dirty="0">
-              <a:latin typeface="Cascadia Code"/>
+              <a:latin typeface="Liberation Mono" panose="02070409020205020404" pitchFamily="49" charset="0"/>
+              <a:cs typeface="Liberation Mono" panose="02070409020205020404" pitchFamily="49" charset="0"/>
             </a:endParaRPr>
           </a:p>
           <a:p>
@@ -3003,12 +3448,14 @@
                 <a:solidFill>
                   <a:srgbClr val="000000"/>
                 </a:solidFill>
-                <a:latin typeface="Cascadia Code"/>
+                <a:latin typeface="Liberation Mono" panose="02070409020205020404" pitchFamily="49" charset="0"/>
+                <a:cs typeface="Liberation Mono" panose="02070409020205020404" pitchFamily="49" charset="0"/>
               </a:rPr>
               <a:t>/</a:t>
             </a:r>
             <a:endParaRPr lang="en-US" sz="2400" b="0" strike="noStrike" spc="-1" dirty="0">
-              <a:latin typeface="Cascadia Code"/>
+              <a:latin typeface="Liberation Mono" panose="02070409020205020404" pitchFamily="49" charset="0"/>
+              <a:cs typeface="Liberation Mono" panose="02070409020205020404" pitchFamily="49" charset="0"/>
             </a:endParaRPr>
           </a:p>
           <a:p>
@@ -3022,12 +3469,14 @@
                 <a:solidFill>
                   <a:srgbClr val="000000"/>
                 </a:solidFill>
-                <a:latin typeface="Cascadia Code"/>
+                <a:latin typeface="Liberation Mono" panose="02070409020205020404" pitchFamily="49" charset="0"/>
+                <a:cs typeface="Liberation Mono" panose="02070409020205020404" pitchFamily="49" charset="0"/>
               </a:rPr>
               <a:t>//</a:t>
             </a:r>
             <a:endParaRPr lang="en-US" sz="2400" b="0" strike="noStrike" spc="-1" dirty="0">
-              <a:latin typeface="Cascadia Code"/>
+              <a:latin typeface="Liberation Mono" panose="02070409020205020404" pitchFamily="49" charset="0"/>
+              <a:cs typeface="Liberation Mono" panose="02070409020205020404" pitchFamily="49" charset="0"/>
             </a:endParaRPr>
           </a:p>
           <a:p>
@@ -3041,12 +3490,14 @@
                 <a:solidFill>
                   <a:srgbClr val="000000"/>
                 </a:solidFill>
-                <a:latin typeface="Cascadia Code"/>
+                <a:latin typeface="Liberation Mono" panose="02070409020205020404" pitchFamily="49" charset="0"/>
+                <a:cs typeface="Liberation Mono" panose="02070409020205020404" pitchFamily="49" charset="0"/>
               </a:rPr>
               <a:t>*</a:t>
             </a:r>
             <a:endParaRPr lang="en-US" sz="2400" b="0" strike="noStrike" spc="-1" dirty="0">
-              <a:latin typeface="Cascadia Code"/>
+              <a:latin typeface="Liberation Mono" panose="02070409020205020404" pitchFamily="49" charset="0"/>
+              <a:cs typeface="Liberation Mono" panose="02070409020205020404" pitchFamily="49" charset="0"/>
             </a:endParaRPr>
           </a:p>
           <a:p>
@@ -3060,7 +3511,8 @@
                 <a:solidFill>
                   <a:srgbClr val="000000"/>
                 </a:solidFill>
-                <a:latin typeface="Cascadia Code"/>
+                <a:latin typeface="Liberation Mono" panose="02070409020205020404" pitchFamily="49" charset="0"/>
+                <a:cs typeface="Liberation Mono" panose="02070409020205020404" pitchFamily="49" charset="0"/>
               </a:rPr>
               <a:t>% </a:t>
             </a:r>
@@ -3097,7 +3549,8 @@
                 <a:solidFill>
                   <a:srgbClr val="000000"/>
                 </a:solidFill>
-                <a:latin typeface="Cascadia Code"/>
+                <a:latin typeface="Liberation Mono" panose="02070409020205020404" pitchFamily="49" charset="0"/>
+                <a:cs typeface="Liberation Mono" panose="02070409020205020404" pitchFamily="49" charset="0"/>
               </a:rPr>
               <a:t>7 % 3 = 1</a:t>
             </a:r>
@@ -3127,19 +3580,31 @@
                 </a:solidFill>
                 <a:latin typeface="Cascadia Code"/>
               </a:rPr>
-              <a:t> 7 = 2 * 3 + </a:t>
+              <a:t> </a:t>
+            </a:r>
+            <a:r>
+              <a:rPr lang="en-US" sz="2400" b="0" strike="noStrike" spc="-1" dirty="0">
+                <a:solidFill>
+                  <a:srgbClr val="000000"/>
+                </a:solidFill>
+                <a:latin typeface="Liberation Mono" panose="02070409020205020404" pitchFamily="49" charset="0"/>
+                <a:cs typeface="Liberation Mono" panose="02070409020205020404" pitchFamily="49" charset="0"/>
+              </a:rPr>
+              <a:t>7 = 2 * 3 + </a:t>
             </a:r>
             <a:r>
               <a:rPr lang="en-US" sz="2400" b="1" strike="noStrike" spc="-1" dirty="0">
                 <a:solidFill>
                   <a:srgbClr val="000000"/>
                 </a:solidFill>
-                <a:latin typeface="Cascadia Code"/>
+                <a:latin typeface="Liberation Mono" panose="02070409020205020404" pitchFamily="49" charset="0"/>
+                <a:cs typeface="Liberation Mono" panose="02070409020205020404" pitchFamily="49" charset="0"/>
               </a:rPr>
               <a:t>1</a:t>
             </a:r>
             <a:endParaRPr lang="en-US" sz="2400" b="0" strike="noStrike" spc="-1" dirty="0">
-              <a:latin typeface="Cascadia Code"/>
+              <a:latin typeface="Liberation Mono" panose="02070409020205020404" pitchFamily="49" charset="0"/>
+              <a:cs typeface="Liberation Mono" panose="02070409020205020404" pitchFamily="49" charset="0"/>
             </a:endParaRPr>
           </a:p>
           <a:p>
@@ -3176,7 +3641,7 @@
         </p:blipFill>
         <p:spPr>
           <a:xfrm>
-            <a:off x="1850400" y="2601720"/>
+            <a:off x="1850400" y="2572536"/>
             <a:ext cx="291600" cy="308160"/>
           </a:xfrm>
           <a:prstGeom prst="rect">
@@ -3200,7 +3665,7 @@
         </p:blipFill>
         <p:spPr>
           <a:xfrm>
-            <a:off x="1850400" y="3458520"/>
+            <a:off x="1850400" y="3429336"/>
             <a:ext cx="291600" cy="308160"/>
           </a:xfrm>
           <a:prstGeom prst="rect">
@@ -3224,7 +3689,7 @@
         </p:blipFill>
         <p:spPr>
           <a:xfrm>
-            <a:off x="2449440" y="4153680"/>
+            <a:off x="2449440" y="4114768"/>
             <a:ext cx="149760" cy="158400"/>
           </a:xfrm>
           <a:prstGeom prst="rect">
@@ -3276,7 +3741,7 @@
               </a:lnSpc>
             </a:pPr>
             <a:r>
-              <a:rPr lang="en-US" sz="3000" b="0" strike="noStrike" spc="-1">
+              <a:rPr lang="en-US" sz="3000" b="0" strike="noStrike" spc="-1" dirty="0">
                 <a:solidFill>
                   <a:srgbClr val="000000"/>
                 </a:solidFill>
@@ -3284,7 +3749,7 @@
               </a:rPr>
               <a:t>And more, which we will not cover today :)​</a:t>
             </a:r>
-            <a:endParaRPr lang="en-US" sz="3000" b="0" strike="noStrike" spc="-1">
+            <a:endParaRPr lang="en-US" sz="3000" b="0" strike="noStrike" spc="-1" dirty="0">
               <a:latin typeface="Arial"/>
             </a:endParaRPr>
           </a:p>
@@ -3303,7 +3768,7 @@
         </p:blipFill>
         <p:spPr>
           <a:xfrm>
-            <a:off x="1834560" y="7680960"/>
+            <a:off x="1834560" y="7651776"/>
             <a:ext cx="291600" cy="308160"/>
           </a:xfrm>
           <a:prstGeom prst="rect">
@@ -3327,7 +3792,7 @@
         </p:blipFill>
         <p:spPr>
           <a:xfrm>
-            <a:off x="2449440" y="4641840"/>
+            <a:off x="2449440" y="4602928"/>
             <a:ext cx="149760" cy="158400"/>
           </a:xfrm>
           <a:prstGeom prst="rect">
@@ -3351,7 +3816,7 @@
         </p:blipFill>
         <p:spPr>
           <a:xfrm>
-            <a:off x="2449440" y="5123520"/>
+            <a:off x="2449440" y="5084608"/>
             <a:ext cx="149760" cy="158400"/>
           </a:xfrm>
           <a:prstGeom prst="rect">
@@ -3375,7 +3840,7 @@
         </p:blipFill>
         <p:spPr>
           <a:xfrm>
-            <a:off x="2449440" y="5580720"/>
+            <a:off x="2449440" y="5541808"/>
             <a:ext cx="149760" cy="158400"/>
           </a:xfrm>
           <a:prstGeom prst="rect">
@@ -3399,7 +3864,7 @@
         </p:blipFill>
         <p:spPr>
           <a:xfrm>
-            <a:off x="2449440" y="6129360"/>
+            <a:off x="2449440" y="6090448"/>
             <a:ext cx="149760" cy="158400"/>
           </a:xfrm>
           <a:prstGeom prst="rect">
@@ -3423,7 +3888,7 @@
         </p:blipFill>
         <p:spPr>
           <a:xfrm>
-            <a:off x="2449440" y="6653520"/>
+            <a:off x="2449440" y="6614608"/>
             <a:ext cx="149760" cy="158400"/>
           </a:xfrm>
           <a:prstGeom prst="rect">
@@ -3438,7 +3903,13 @@
         <p:nvGraphicFramePr>
           <p:cNvPr id="171" name="Table 6"/>
           <p:cNvGraphicFramePr/>
-          <p:nvPr/>
+          <p:nvPr>
+            <p:extLst>
+              <p:ext uri="{D42A27DB-BD31-4B8C-83A1-F6EECF244321}">
+                <p14:modId xmlns:p14="http://schemas.microsoft.com/office/powerpoint/2010/main" val="3075554315"/>
+              </p:ext>
+            </p:extLst>
+          </p:nvPr>
         </p:nvGraphicFramePr>
         <p:xfrm>
           <a:off x="9334080" y="4133160"/>
@@ -3661,12 +4132,13 @@
                     <a:p>
                       <a:pPr>
                         <a:lnSpc>
-                          <a:spcPct val="115000"/>
+                          <a:spcPct val="150000"/>
                         </a:lnSpc>
                       </a:pPr>
                       <a:r>
-                        <a:rPr lang="en-US" sz="2000" b="0" strike="noStrike" spc="-1">
-                          <a:latin typeface="Cascadia Code"/>
+                        <a:rPr lang="en-US" sz="2000" b="0" strike="noStrike" spc="-1" dirty="0">
+                          <a:latin typeface="Liberation Mono" panose="02070409020205020404" pitchFamily="49" charset="0"/>
+                          <a:cs typeface="Liberation Mono" panose="02070409020205020404" pitchFamily="49" charset="0"/>
                         </a:rPr>
                         <a:t>int​</a:t>
                       </a:r>
@@ -3705,12 +4177,13 @@
                     <a:p>
                       <a:pPr>
                         <a:lnSpc>
-                          <a:spcPct val="115000"/>
+                          <a:spcPct val="150000"/>
                         </a:lnSpc>
                       </a:pPr>
                       <a:r>
                         <a:rPr lang="en-US" sz="2000" b="0" strike="noStrike" spc="-1">
-                          <a:latin typeface="Cascadia Code"/>
+                          <a:latin typeface="Liberation Mono" panose="02070409020205020404" pitchFamily="49" charset="0"/>
+                          <a:cs typeface="Liberation Mono" panose="02070409020205020404" pitchFamily="49" charset="0"/>
                         </a:rPr>
                         <a:t>+, -</a:t>
                       </a:r>
@@ -3749,12 +4222,13 @@
                     <a:p>
                       <a:pPr>
                         <a:lnSpc>
-                          <a:spcPct val="115000"/>
+                          <a:spcPct val="150000"/>
                         </a:lnSpc>
                       </a:pPr>
                       <a:r>
                         <a:rPr lang="en-US" sz="2000" b="0" strike="noStrike" spc="-1">
-                          <a:latin typeface="Cascadia Code"/>
+                          <a:latin typeface="Liberation Mono" panose="02070409020205020404" pitchFamily="49" charset="0"/>
+                          <a:cs typeface="Liberation Mono" panose="02070409020205020404" pitchFamily="49" charset="0"/>
                         </a:rPr>
                         <a:t>int</a:t>
                       </a:r>
@@ -3834,12 +4308,13 @@
                     <a:p>
                       <a:pPr>
                         <a:lnSpc>
-                          <a:spcPct val="115000"/>
+                          <a:spcPct val="150000"/>
                         </a:lnSpc>
                       </a:pPr>
                       <a:r>
                         <a:rPr lang="en-US" sz="2000" b="0" strike="noStrike" spc="-1">
-                          <a:latin typeface="Cascadia Code"/>
+                          <a:latin typeface="Liberation Mono" panose="02070409020205020404" pitchFamily="49" charset="0"/>
+                          <a:cs typeface="Liberation Mono" panose="02070409020205020404" pitchFamily="49" charset="0"/>
                         </a:rPr>
                         <a:t>float</a:t>
                       </a:r>
@@ -3878,12 +4353,13 @@
                     <a:p>
                       <a:pPr>
                         <a:lnSpc>
-                          <a:spcPct val="115000"/>
+                          <a:spcPct val="150000"/>
                         </a:lnSpc>
                       </a:pPr>
                       <a:r>
                         <a:rPr lang="en-US" sz="2000" b="0" strike="noStrike" spc="-1">
-                          <a:latin typeface="Cascadia Code"/>
+                          <a:latin typeface="Liberation Mono" panose="02070409020205020404" pitchFamily="49" charset="0"/>
+                          <a:cs typeface="Liberation Mono" panose="02070409020205020404" pitchFamily="49" charset="0"/>
                         </a:rPr>
                         <a:t>+, -</a:t>
                       </a:r>
@@ -3922,12 +4398,13 @@
                     <a:p>
                       <a:pPr>
                         <a:lnSpc>
-                          <a:spcPct val="115000"/>
+                          <a:spcPct val="150000"/>
                         </a:lnSpc>
                       </a:pPr>
                       <a:r>
                         <a:rPr lang="en-US" sz="2000" b="0" strike="noStrike" spc="-1">
-                          <a:latin typeface="Cascadia Code"/>
+                          <a:latin typeface="Liberation Mono" panose="02070409020205020404" pitchFamily="49" charset="0"/>
+                          <a:cs typeface="Liberation Mono" panose="02070409020205020404" pitchFamily="49" charset="0"/>
                         </a:rPr>
                         <a:t>int</a:t>
                       </a:r>
@@ -4007,12 +4484,13 @@
                     <a:p>
                       <a:pPr>
                         <a:lnSpc>
-                          <a:spcPct val="115000"/>
+                          <a:spcPct val="150000"/>
                         </a:lnSpc>
                       </a:pPr>
                       <a:r>
                         <a:rPr lang="en-US" sz="2000" b="0" strike="noStrike" spc="-1">
-                          <a:latin typeface="Cascadia Code"/>
+                          <a:latin typeface="Liberation Mono" panose="02070409020205020404" pitchFamily="49" charset="0"/>
+                          <a:cs typeface="Liberation Mono" panose="02070409020205020404" pitchFamily="49" charset="0"/>
                         </a:rPr>
                         <a:t>int</a:t>
                       </a:r>
@@ -4051,12 +4529,13 @@
                     <a:p>
                       <a:pPr>
                         <a:lnSpc>
-                          <a:spcPct val="115000"/>
+                          <a:spcPct val="150000"/>
                         </a:lnSpc>
                       </a:pPr>
                       <a:r>
-                        <a:rPr lang="en-US" sz="2000" b="0" strike="noStrike" spc="-1">
-                          <a:latin typeface="Cascadia Code"/>
+                        <a:rPr lang="en-US" sz="2000" b="0" strike="noStrike" spc="-1" dirty="0">
+                          <a:latin typeface="Liberation Mono" panose="02070409020205020404" pitchFamily="49" charset="0"/>
+                          <a:cs typeface="Liberation Mono" panose="02070409020205020404" pitchFamily="49" charset="0"/>
                         </a:rPr>
                         <a:t>/</a:t>
                       </a:r>
@@ -4095,12 +4574,13 @@
                     <a:p>
                       <a:pPr>
                         <a:lnSpc>
-                          <a:spcPct val="115000"/>
+                          <a:spcPct val="150000"/>
                         </a:lnSpc>
                       </a:pPr>
                       <a:r>
-                        <a:rPr lang="en-US" sz="2000" b="0" strike="noStrike" spc="-1">
-                          <a:latin typeface="Cascadia Code"/>
+                        <a:rPr lang="en-US" sz="2000" b="0" strike="noStrike" spc="-1" dirty="0">
+                          <a:latin typeface="Liberation Mono" panose="02070409020205020404" pitchFamily="49" charset="0"/>
+                          <a:cs typeface="Liberation Mono" panose="02070409020205020404" pitchFamily="49" charset="0"/>
                         </a:rPr>
                         <a:t>int</a:t>
                       </a:r>
@@ -4137,7 +4617,7 @@
                     <a:bodyPr/>
                     <a:lstStyle/>
                     <a:p>
-                      <a:endParaRPr lang="en-US"/>
+                      <a:endParaRPr lang="en-US" dirty="0"/>
                     </a:p>
                   </a:txBody>
                   <a:tcPr marL="90000" marR="90000">
@@ -4425,16 +4905,18 @@
               </a:lnSpc>
             </a:pPr>
             <a:r>
-              <a:rPr lang="en-US" sz="3000" b="0" strike="noStrike" spc="-1">
+              <a:rPr lang="en-US" sz="3000" b="0" strike="noStrike" spc="-1" dirty="0">
                 <a:solidFill>
                   <a:srgbClr val="000000"/>
                 </a:solidFill>
-                <a:latin typeface="Cascadia Code"/>
+                <a:latin typeface="Liberation Mono" panose="02070409020205020404" pitchFamily="49" charset="0"/>
+                <a:cs typeface="Liberation Mono" panose="02070409020205020404" pitchFamily="49" charset="0"/>
               </a:rPr>
               <a:t>s1 + s2​</a:t>
             </a:r>
-            <a:endParaRPr lang="en-US" sz="3000" b="0" strike="noStrike" spc="-1">
-              <a:latin typeface="Cascadia Code"/>
+            <a:endParaRPr lang="en-US" sz="3000" b="0" strike="noStrike" spc="-1" dirty="0">
+              <a:latin typeface="Liberation Mono" panose="02070409020205020404" pitchFamily="49" charset="0"/>
+              <a:cs typeface="Liberation Mono" panose="02070409020205020404" pitchFamily="49" charset="0"/>
             </a:endParaRPr>
           </a:p>
         </p:txBody>
@@ -4480,16 +4962,18 @@
               </a:lnSpc>
             </a:pPr>
             <a:r>
-              <a:rPr lang="en-US" sz="3000" b="0" strike="noStrike" spc="-1">
+              <a:rPr lang="en-US" sz="3000" b="0" strike="noStrike" spc="-1" dirty="0">
                 <a:solidFill>
                   <a:srgbClr val="000000"/>
                 </a:solidFill>
-                <a:latin typeface="Cascadia Code"/>
+                <a:latin typeface="Liberation Mono" panose="02070409020205020404" pitchFamily="49" charset="0"/>
+                <a:cs typeface="Liberation Mono" panose="02070409020205020404" pitchFamily="49" charset="0"/>
               </a:rPr>
               <a:t>s1 in s2</a:t>
             </a:r>
-            <a:endParaRPr lang="en-US" sz="3000" b="0" strike="noStrike" spc="-1">
-              <a:latin typeface="Cascadia Code"/>
+            <a:endParaRPr lang="en-US" sz="3000" b="0" strike="noStrike" spc="-1" dirty="0">
+              <a:latin typeface="Liberation Mono" panose="02070409020205020404" pitchFamily="49" charset="0"/>
+              <a:cs typeface="Liberation Mono" panose="02070409020205020404" pitchFamily="49" charset="0"/>
             </a:endParaRPr>
           </a:p>
         </p:txBody>
@@ -4507,7 +4991,7 @@
         </p:blipFill>
         <p:spPr>
           <a:xfrm>
-            <a:off x="3200400" y="3181680"/>
+            <a:off x="3200400" y="3142768"/>
             <a:ext cx="291600" cy="308160"/>
           </a:xfrm>
           <a:prstGeom prst="rect">
@@ -4531,7 +5015,7 @@
         </p:blipFill>
         <p:spPr>
           <a:xfrm>
-            <a:off x="3200400" y="4038480"/>
+            <a:off x="3200400" y="3999568"/>
             <a:ext cx="291600" cy="308160"/>
           </a:xfrm>
           <a:prstGeom prst="rect">
@@ -4555,7 +5039,7 @@
         </p:blipFill>
         <p:spPr>
           <a:xfrm>
-            <a:off x="3200400" y="5016240"/>
+            <a:off x="3200400" y="4987056"/>
             <a:ext cx="291600" cy="308160"/>
           </a:xfrm>
           <a:prstGeom prst="rect">
@@ -4607,34 +5091,56 @@
               </a:lnSpc>
             </a:pPr>
             <a:r>
-              <a:rPr lang="en-US" sz="3000" b="0" strike="noStrike" spc="-1">
+              <a:rPr lang="en-US" sz="3000" b="0" strike="noStrike" spc="-1" dirty="0">
                 <a:solidFill>
                   <a:srgbClr val="000000"/>
                 </a:solidFill>
-                <a:latin typeface="Cascadia Code"/>
-              </a:rPr>
-              <a:t>s1[i]</a:t>
-            </a:r>
-            <a:r>
-              <a:rPr lang="en-US" sz="3000" b="0" strike="noStrike" spc="-1">
+                <a:latin typeface="Liberation Mono" panose="02070409020205020404" pitchFamily="49" charset="0"/>
+                <a:cs typeface="Liberation Mono" panose="02070409020205020404" pitchFamily="49" charset="0"/>
+              </a:rPr>
+              <a:t>s1[</a:t>
+            </a:r>
+            <a:r>
+              <a:rPr lang="en-US" sz="3000" b="0" strike="noStrike" spc="-1" dirty="0" err="1">
+                <a:solidFill>
+                  <a:srgbClr val="000000"/>
+                </a:solidFill>
+                <a:latin typeface="Liberation Mono" panose="02070409020205020404" pitchFamily="49" charset="0"/>
+                <a:cs typeface="Liberation Mono" panose="02070409020205020404" pitchFamily="49" charset="0"/>
+              </a:rPr>
+              <a:t>i</a:t>
+            </a:r>
+            <a:r>
+              <a:rPr lang="en-US" sz="3000" b="0" strike="noStrike" spc="-1" dirty="0">
+                <a:solidFill>
+                  <a:srgbClr val="000000"/>
+                </a:solidFill>
+                <a:latin typeface="Liberation Mono" panose="02070409020205020404" pitchFamily="49" charset="0"/>
+                <a:cs typeface="Liberation Mono" panose="02070409020205020404" pitchFamily="49" charset="0"/>
+              </a:rPr>
+              <a:t>], </a:t>
+            </a:r>
+            <a:r>
+              <a:rPr lang="en-US" sz="3000" b="0" strike="noStrike" spc="-1" dirty="0">
                 <a:solidFill>
                   <a:srgbClr val="000000"/>
                 </a:solidFill>
                 <a:latin typeface="PantonW01-Regular"/>
               </a:rPr>
-              <a:t>, where </a:t>
-            </a:r>
-            <a:r>
-              <a:rPr lang="en-US" sz="3000" b="0" strike="noStrike" spc="-1">
+              <a:t>where </a:t>
+            </a:r>
+            <a:r>
+              <a:rPr lang="en-US" sz="3000" b="0" strike="noStrike" spc="-1" dirty="0" err="1">
                 <a:solidFill>
                   <a:srgbClr val="000000"/>
                 </a:solidFill>
-                <a:latin typeface="Cascadia Code"/>
+                <a:latin typeface="Liberation Mono" panose="02070409020205020404" pitchFamily="49" charset="0"/>
+                <a:cs typeface="Liberation Mono" panose="02070409020205020404" pitchFamily="49" charset="0"/>
               </a:rPr>
               <a:t>i</a:t>
             </a:r>
             <a:r>
-              <a:rPr lang="en-US" sz="3000" b="0" strike="noStrike" spc="-1">
+              <a:rPr lang="en-US" sz="3000" b="0" strike="noStrike" spc="-1" dirty="0">
                 <a:solidFill>
                   <a:srgbClr val="000000"/>
                 </a:solidFill>
@@ -4642,7 +5148,7 @@
               </a:rPr>
               <a:t> is an integer</a:t>
             </a:r>
-            <a:endParaRPr lang="en-US" sz="3000" b="0" strike="noStrike" spc="-1">
+            <a:endParaRPr lang="en-US" sz="3000" b="0" strike="noStrike" spc="-1" dirty="0">
               <a:latin typeface="Arial"/>
             </a:endParaRPr>
           </a:p>
@@ -4689,16 +5195,27 @@
               </a:lnSpc>
             </a:pPr>
             <a:r>
-              <a:rPr lang="en-US" sz="3000" b="0" strike="noStrike" spc="-1">
+              <a:rPr lang="en-US" sz="3000" b="0" strike="noStrike" spc="-1" dirty="0">
                 <a:solidFill>
                   <a:srgbClr val="000000"/>
                 </a:solidFill>
                 <a:latin typeface="PantonW01-Regular"/>
               </a:rPr>
-              <a:t>Python numbers indices starting at 0</a:t>
-            </a:r>
-            <a:endParaRPr lang="en-US" sz="3000" b="0" strike="noStrike" spc="-1">
-              <a:latin typeface="Arial"/>
+              <a:t>Python numbers indices starting at </a:t>
+            </a:r>
+            <a:r>
+              <a:rPr lang="en-US" sz="3000" b="0" strike="noStrike" spc="-1" dirty="0">
+                <a:solidFill>
+                  <a:srgbClr val="000000"/>
+                </a:solidFill>
+                <a:latin typeface="Liberation Mono" panose="02070409020205020404" pitchFamily="49" charset="0"/>
+                <a:cs typeface="Liberation Mono" panose="02070409020205020404" pitchFamily="49" charset="0"/>
+              </a:rPr>
+              <a:t>0</a:t>
+            </a:r>
+            <a:endParaRPr lang="en-US" sz="3000" b="0" strike="noStrike" spc="-1" dirty="0">
+              <a:latin typeface="Liberation Mono" panose="02070409020205020404" pitchFamily="49" charset="0"/>
+              <a:cs typeface="Liberation Mono" panose="02070409020205020404" pitchFamily="49" charset="0"/>
             </a:endParaRPr>
           </a:p>
         </p:txBody>
@@ -4716,7 +5233,7 @@
         </p:blipFill>
         <p:spPr>
           <a:xfrm>
-            <a:off x="3184560" y="5866560"/>
+            <a:off x="3184560" y="5856832"/>
             <a:ext cx="291600" cy="308160"/>
           </a:xfrm>
           <a:prstGeom prst="rect">
@@ -4936,7 +5453,7 @@
         <p:spPr>
           <a:xfrm>
             <a:off x="8429760" y="4383000"/>
-            <a:ext cx="8917920" cy="952920"/>
+            <a:ext cx="9177304" cy="952920"/>
           </a:xfrm>
           <a:prstGeom prst="rect">
             <a:avLst/>
@@ -4951,7 +5468,7 @@
           <a:lstStyle/>
           <a:p>
             <a:r>
-              <a:rPr lang="en-US" sz="2800" b="0" strike="noStrike" spc="-1">
+              <a:rPr lang="en-US" sz="2800" b="0" strike="noStrike" spc="-1" dirty="0">
                 <a:solidFill>
                   <a:srgbClr val="FFFFFF"/>
                 </a:solidFill>
@@ -4959,13 +5476,13 @@
               </a:rPr>
               <a:t>Like in the previous slide, we have operators that produce</a:t>
             </a:r>
-            <a:endParaRPr lang="en-US" sz="2800" b="0" strike="noStrike" spc="-1">
+            <a:endParaRPr lang="en-US" sz="2800" b="0" strike="noStrike" spc="-1" dirty="0">
               <a:latin typeface="Arial"/>
             </a:endParaRPr>
           </a:p>
           <a:p>
             <a:r>
-              <a:rPr lang="en-US" sz="2800" b="0" strike="noStrike" spc="-1">
+              <a:rPr lang="en-US" sz="2800" b="0" strike="noStrike" spc="-1" dirty="0">
                 <a:solidFill>
                   <a:srgbClr val="FFFFFF"/>
                 </a:solidFill>
@@ -4973,7 +5490,7 @@
               </a:rPr>
               <a:t>Boolean values for number types​</a:t>
             </a:r>
-            <a:endParaRPr lang="en-US" sz="2800" b="0" strike="noStrike" spc="-1">
+            <a:endParaRPr lang="en-US" sz="2800" b="0" strike="noStrike" spc="-1" dirty="0">
               <a:latin typeface="Arial"/>
             </a:endParaRPr>
           </a:p>
@@ -4987,8 +5504,8 @@
         </p:nvSpPr>
         <p:spPr>
           <a:xfrm>
-            <a:off x="8429760" y="5739120"/>
-            <a:ext cx="6573960" cy="538200"/>
+            <a:off x="8429759" y="5739120"/>
+            <a:ext cx="7834887" cy="538200"/>
           </a:xfrm>
           <a:prstGeom prst="rect">
             <a:avLst/>
@@ -5003,16 +5520,36 @@
           <a:lstStyle/>
           <a:p>
             <a:r>
-              <a:rPr lang="en-US" sz="2800" b="0" strike="noStrike" spc="-1">
+              <a:rPr lang="en-US" sz="2800" b="0" strike="noStrike" spc="-1" dirty="0">
+                <a:solidFill>
+                  <a:srgbClr val="FFFFFF"/>
+                </a:solidFill>
+                <a:latin typeface="Liberation Mono" panose="02070409020205020404" pitchFamily="49" charset="0"/>
+                <a:cs typeface="Liberation Mono" panose="02070409020205020404" pitchFamily="49" charset="0"/>
+              </a:rPr>
+              <a:t>==</a:t>
+            </a:r>
+            <a:r>
+              <a:rPr lang="en-US" sz="2800" b="0" strike="noStrike" spc="-1" dirty="0">
                 <a:solidFill>
                   <a:srgbClr val="FFFFFF"/>
                 </a:solidFill>
                 <a:latin typeface="Courier New"/>
               </a:rPr>
-              <a:t>==, !=</a:t>
-            </a:r>
-            <a:r>
-              <a:rPr lang="en-US" sz="2800" b="0" strike="noStrike" spc="-1">
+              <a:t>, </a:t>
+            </a:r>
+            <a:r>
+              <a:rPr lang="en-US" sz="2800" b="0" strike="noStrike" spc="-1" dirty="0">
+                <a:solidFill>
+                  <a:srgbClr val="FFFFFF"/>
+                </a:solidFill>
+                <a:latin typeface="Liberation Mono" panose="02070409020205020404" pitchFamily="49" charset="0"/>
+                <a:cs typeface="Liberation Mono" panose="02070409020205020404" pitchFamily="49" charset="0"/>
+              </a:rPr>
+              <a:t>!=</a:t>
+            </a:r>
+            <a:r>
+              <a:rPr lang="en-US" sz="2800" b="0" strike="noStrike" spc="-1" dirty="0">
                 <a:solidFill>
                   <a:srgbClr val="FFFFFF"/>
                 </a:solidFill>
@@ -5020,7 +5557,7 @@
               </a:rPr>
               <a:t>     (between all types of variables)​</a:t>
             </a:r>
-            <a:endParaRPr lang="en-US" sz="2800" b="0" strike="noStrike" spc="-1">
+            <a:endParaRPr lang="en-US" sz="2800" b="0" strike="noStrike" spc="-1" dirty="0">
               <a:latin typeface="Arial"/>
             </a:endParaRPr>
           </a:p>
@@ -5050,16 +5587,74 @@
           <a:lstStyle/>
           <a:p>
             <a:r>
-              <a:rPr lang="en-US" sz="2800" b="0" strike="noStrike" spc="-1">
+              <a:rPr lang="en-US" sz="2800" b="0" strike="noStrike" spc="-1" dirty="0">
+                <a:solidFill>
+                  <a:srgbClr val="FFFFFF"/>
+                </a:solidFill>
+                <a:latin typeface="Liberation Mono" panose="02070409020205020404" pitchFamily="49" charset="0"/>
+                <a:cs typeface="Liberation Mono" panose="02070409020205020404" pitchFamily="49" charset="0"/>
+              </a:rPr>
+              <a:t>&lt;</a:t>
+            </a:r>
+            <a:r>
+              <a:rPr lang="en-US" sz="2800" b="0" strike="noStrike" spc="-1" dirty="0">
                 <a:solidFill>
                   <a:srgbClr val="FFFFFF"/>
                 </a:solidFill>
                 <a:latin typeface="Courier New"/>
               </a:rPr>
-              <a:t>&lt;, &lt;=, &gt;, &gt;=</a:t>
-            </a:r>
-            <a:r>
-              <a:rPr lang="en-US" sz="2800" b="0" strike="noStrike" spc="-1">
+              <a:t>, </a:t>
+            </a:r>
+            <a:r>
+              <a:rPr lang="en-US" sz="2800" b="0" strike="noStrike" spc="-1" dirty="0">
+                <a:solidFill>
+                  <a:srgbClr val="FFFFFF"/>
+                </a:solidFill>
+                <a:latin typeface="Liberation Mono" panose="02070409020205020404" pitchFamily="49" charset="0"/>
+                <a:cs typeface="Liberation Mono" panose="02070409020205020404" pitchFamily="49" charset="0"/>
+              </a:rPr>
+              <a:t>&lt;=</a:t>
+            </a:r>
+            <a:r>
+              <a:rPr lang="en-US" sz="2800" b="0" strike="noStrike" spc="-1" dirty="0">
+                <a:solidFill>
+                  <a:srgbClr val="FFFFFF"/>
+                </a:solidFill>
+                <a:latin typeface="Courier New"/>
+              </a:rPr>
+              <a:t>, </a:t>
+            </a:r>
+            <a:r>
+              <a:rPr lang="en-US" sz="2800" b="0" strike="noStrike" spc="-1" dirty="0">
+                <a:solidFill>
+                  <a:srgbClr val="FFFFFF"/>
+                </a:solidFill>
+                <a:latin typeface="Liberation Mono" panose="02070409020205020404" pitchFamily="49" charset="0"/>
+                <a:cs typeface="Liberation Mono" panose="02070409020205020404" pitchFamily="49" charset="0"/>
+              </a:rPr>
+              <a:t>&gt;</a:t>
+            </a:r>
+            <a:r>
+              <a:rPr lang="en-US" sz="2800" b="0" strike="noStrike" spc="-1" dirty="0">
+                <a:solidFill>
+                  <a:srgbClr val="FFFFFF"/>
+                </a:solidFill>
+                <a:latin typeface="Courier New"/>
+              </a:rPr>
+              <a:t>, </a:t>
+            </a:r>
+            <a:r>
+              <a:rPr lang="en-US" sz="2800" b="0" strike="noStrike" spc="-1" dirty="0">
+                <a:solidFill>
+                  <a:srgbClr val="FFFFFF"/>
+                </a:solidFill>
+                <a:latin typeface="Liberation Mono" panose="02070409020205020404" pitchFamily="49" charset="0"/>
+                <a:cs typeface="Liberation Mono" panose="02070409020205020404" pitchFamily="49" charset="0"/>
+              </a:rPr>
+              <a:t>&gt;=</a:t>
+            </a:r>
+            <a:r>
+              <a:rPr lang="en-US" sz="2800" b="0" strike="noStrike" spc="-1" dirty="0">
                 <a:solidFill>
                   <a:srgbClr val="FFFFFF"/>
                 </a:solidFill>
@@ -5067,7 +5662,7 @@
               </a:rPr>
               <a:t>    (numbers only)​</a:t>
             </a:r>
-            <a:endParaRPr lang="en-US" sz="2800" b="0" strike="noStrike" spc="-1">
+            <a:endParaRPr lang="en-US" sz="2800" b="0" strike="noStrike" spc="-1" dirty="0">
               <a:latin typeface="Arial"/>
             </a:endParaRPr>
           </a:p>
@@ -5080,13 +5675,15 @@
           <p:nvPr/>
         </p:nvPicPr>
         <p:blipFill>
-          <a:blip r:embed="rId4"/>
+          <a:blip r:embed="rId4">
+            <a:biLevel thresh="25000"/>
+          </a:blip>
           <a:srcRect l="17321" t="8728" r="2549" b="13503"/>
           <a:stretch/>
         </p:blipFill>
         <p:spPr>
           <a:xfrm>
-            <a:off x="8046720" y="4441680"/>
+            <a:off x="8046720" y="4470864"/>
             <a:ext cx="291600" cy="308160"/>
           </a:xfrm>
           <a:prstGeom prst="rect">
@@ -5104,7 +5701,9 @@
           <p:nvPr/>
         </p:nvPicPr>
         <p:blipFill>
-          <a:blip r:embed="rId4"/>
+          <a:blip r:embed="rId4">
+            <a:biLevel thresh="25000"/>
+          </a:blip>
           <a:srcRect l="17321" t="8728" r="2549" b="13503"/>
           <a:stretch/>
         </p:blipFill>
@@ -5128,7 +5727,9 @@
           <p:nvPr/>
         </p:nvPicPr>
         <p:blipFill>
-          <a:blip r:embed="rId4"/>
+          <a:blip r:embed="rId4">
+            <a:biLevel thresh="25000"/>
+          </a:blip>
           <a:srcRect l="17321" t="8728" r="2549" b="13503"/>
           <a:stretch/>
         </p:blipFill>
@@ -7730,7 +8331,7 @@
         </p:blipFill>
         <p:spPr>
           <a:xfrm>
-            <a:off x="6693840" y="2892240"/>
+            <a:off x="6693840" y="2863056"/>
             <a:ext cx="291600" cy="308160"/>
           </a:xfrm>
           <a:prstGeom prst="rect">
@@ -10326,7 +10927,7 @@
         </p:blipFill>
         <p:spPr>
           <a:xfrm>
-            <a:off x="4023360" y="3166560"/>
+            <a:off x="4023360" y="3147104"/>
             <a:ext cx="291600" cy="308160"/>
           </a:xfrm>
           <a:prstGeom prst="rect">
@@ -10378,7 +10979,7 @@
               </a:lnSpc>
             </a:pPr>
             <a:r>
-              <a:rPr lang="en-US" sz="3000" b="0" strike="noStrike" spc="-1">
+              <a:rPr lang="en-US" sz="3000" b="0" strike="noStrike" spc="-1" dirty="0">
                 <a:solidFill>
                   <a:srgbClr val="000000"/>
                 </a:solidFill>
@@ -10386,7 +10987,7 @@
               </a:rPr>
               <a:t>They can be combined with comparison operators to create “conditions”</a:t>
             </a:r>
-            <a:endParaRPr lang="en-US" sz="3000" b="0" strike="noStrike" spc="-1">
+            <a:endParaRPr lang="en-US" sz="3000" b="0" strike="noStrike" spc="-1" dirty="0">
               <a:latin typeface="PantonW01-Regular"/>
             </a:endParaRPr>
           </a:p>
@@ -10433,16 +11034,18 @@
               </a:lnSpc>
             </a:pPr>
             <a:r>
-              <a:rPr lang="en-US" sz="3000" b="0" strike="noStrike" spc="-1">
+              <a:rPr lang="en-US" sz="3000" b="0" strike="noStrike" spc="-1" dirty="0">
                 <a:solidFill>
                   <a:srgbClr val="000000"/>
                 </a:solidFill>
-                <a:latin typeface="Arial"/>
+                <a:latin typeface="Liberation Mono" panose="02070409020205020404" pitchFamily="49" charset="0"/>
+                <a:cs typeface="Liberation Mono" panose="02070409020205020404" pitchFamily="49" charset="0"/>
               </a:rPr>
               <a:t>sex == “male” and age &gt; 20 and not age &gt; 40</a:t>
             </a:r>
-            <a:endParaRPr lang="en-US" sz="3000" b="0" strike="noStrike" spc="-1">
-              <a:latin typeface="Arial"/>
+            <a:endParaRPr lang="en-US" sz="3000" b="0" strike="noStrike" spc="-1" dirty="0">
+              <a:latin typeface="Liberation Mono" panose="02070409020205020404" pitchFamily="49" charset="0"/>
+              <a:cs typeface="Liberation Mono" panose="02070409020205020404" pitchFamily="49" charset="0"/>
             </a:endParaRPr>
           </a:p>
         </p:txBody>
@@ -10460,7 +11063,7 @@
         </p:blipFill>
         <p:spPr>
           <a:xfrm>
-            <a:off x="1463040" y="7318440"/>
+            <a:off x="1463040" y="7279528"/>
             <a:ext cx="291600" cy="308160"/>
           </a:xfrm>
           <a:prstGeom prst="rect">
@@ -10484,7 +11087,7 @@
         </p:blipFill>
         <p:spPr>
           <a:xfrm>
-            <a:off x="1463040" y="8396280"/>
+            <a:off x="1463040" y="8357368"/>
             <a:ext cx="291600" cy="308160"/>
           </a:xfrm>
           <a:prstGeom prst="rect">
@@ -10849,7 +11452,7 @@
         </p:blipFill>
         <p:spPr>
           <a:xfrm>
-            <a:off x="1753200" y="3070440"/>
+            <a:off x="1753200" y="3041256"/>
             <a:ext cx="291600" cy="308160"/>
           </a:xfrm>
           <a:prstGeom prst="rect">
@@ -10873,7 +11476,7 @@
         </p:blipFill>
         <p:spPr>
           <a:xfrm>
-            <a:off x="2468880" y="3740400"/>
+            <a:off x="2468880" y="3711216"/>
             <a:ext cx="291600" cy="308160"/>
           </a:xfrm>
           <a:prstGeom prst="rect">
@@ -10897,7 +11500,7 @@
         </p:blipFill>
         <p:spPr>
           <a:xfrm>
-            <a:off x="2468880" y="4366800"/>
+            <a:off x="2468880" y="4337616"/>
             <a:ext cx="291600" cy="308160"/>
           </a:xfrm>
           <a:prstGeom prst="rect">
@@ -10949,7 +11552,7 @@
               </a:lnSpc>
             </a:pPr>
             <a:r>
-              <a:rPr lang="en-US" sz="3000" b="0" strike="noStrike" spc="-1">
+              <a:rPr lang="en-US" sz="3000" b="0" strike="noStrike" spc="-1" dirty="0">
                 <a:solidFill>
                   <a:srgbClr val="000000"/>
                 </a:solidFill>
@@ -10958,16 +11561,18 @@
               <a:t>A string contains the letter </a:t>
             </a:r>
             <a:r>
-              <a:rPr lang="en-US" sz="3000" b="0" strike="noStrike" spc="-1">
+              <a:rPr lang="en-US" sz="3000" b="0" strike="noStrike" spc="-1" dirty="0">
                 <a:solidFill>
                   <a:srgbClr val="000000"/>
                 </a:solidFill>
-                <a:latin typeface="Courier New"/>
+                <a:latin typeface="Liberation Mono" panose="02070409020205020404" pitchFamily="49" charset="0"/>
+                <a:cs typeface="Liberation Mono" panose="02070409020205020404" pitchFamily="49" charset="0"/>
               </a:rPr>
               <a:t>“A”</a:t>
             </a:r>
-            <a:endParaRPr lang="en-US" sz="3000" b="0" strike="noStrike" spc="-1">
-              <a:latin typeface="Arial"/>
+            <a:endParaRPr lang="en-US" sz="3000" b="0" strike="noStrike" spc="-1" dirty="0">
+              <a:latin typeface="Liberation Mono" panose="02070409020205020404" pitchFamily="49" charset="0"/>
+              <a:cs typeface="Liberation Mono" panose="02070409020205020404" pitchFamily="49" charset="0"/>
             </a:endParaRPr>
           </a:p>
         </p:txBody>
@@ -11013,16 +11618,46 @@
               </a:lnSpc>
             </a:pPr>
             <a:r>
-              <a:rPr lang="en-US" sz="3000" b="0" strike="noStrike" spc="-1">
+              <a:rPr lang="en-US" sz="3000" b="0" strike="noStrike" spc="-1" dirty="0">
                 <a:solidFill>
                   <a:srgbClr val="000000"/>
                 </a:solidFill>
                 <a:latin typeface="PantonW01-Regular"/>
               </a:rPr>
-              <a:t>A number is between 0 and 1</a:t>
-            </a:r>
-            <a:endParaRPr lang="en-US" sz="3000" b="0" strike="noStrike" spc="-1">
-              <a:latin typeface="Arial"/>
+              <a:t>A number is between </a:t>
+            </a:r>
+            <a:r>
+              <a:rPr lang="en-US" sz="3000" b="0" strike="noStrike" spc="-1" dirty="0">
+                <a:solidFill>
+                  <a:srgbClr val="000000"/>
+                </a:solidFill>
+                <a:latin typeface="Liberation Mono" panose="02070409020205020404" pitchFamily="49" charset="0"/>
+                <a:cs typeface="Liberation Mono" panose="02070409020205020404" pitchFamily="49" charset="0"/>
+              </a:rPr>
+              <a:t>0</a:t>
+            </a:r>
+            <a:r>
+              <a:rPr lang="en-US" sz="3000" b="0" strike="noStrike" spc="-1" dirty="0">
+                <a:solidFill>
+                  <a:srgbClr val="000000"/>
+                </a:solidFill>
+                <a:latin typeface="PantonW01-Regular"/>
+              </a:rPr>
+              <a:t> and </a:t>
+            </a:r>
+            <a:r>
+              <a:rPr lang="en-US" sz="3000" b="0" strike="noStrike" spc="-1" dirty="0">
+                <a:solidFill>
+                  <a:srgbClr val="000000"/>
+                </a:solidFill>
+                <a:latin typeface="Liberation Mono" panose="02070409020205020404" pitchFamily="49" charset="0"/>
+                <a:cs typeface="Liberation Mono" panose="02070409020205020404" pitchFamily="49" charset="0"/>
+              </a:rPr>
+              <a:t>1</a:t>
+            </a:r>
+            <a:endParaRPr lang="en-US" sz="3000" b="0" strike="noStrike" spc="-1" dirty="0">
+              <a:latin typeface="Liberation Mono" panose="02070409020205020404" pitchFamily="49" charset="0"/>
+              <a:cs typeface="Liberation Mono" panose="02070409020205020404" pitchFamily="49" charset="0"/>
             </a:endParaRPr>
           </a:p>
         </p:txBody>
@@ -11040,7 +11675,7 @@
         </p:blipFill>
         <p:spPr>
           <a:xfrm>
-            <a:off x="2487600" y="4915440"/>
+            <a:off x="2487600" y="4886256"/>
             <a:ext cx="291600" cy="308160"/>
           </a:xfrm>
           <a:prstGeom prst="rect">
@@ -11064,7 +11699,7 @@
         </p:blipFill>
         <p:spPr>
           <a:xfrm>
-            <a:off x="2468880" y="5464080"/>
+            <a:off x="2468880" y="5434896"/>
             <a:ext cx="291600" cy="308160"/>
           </a:xfrm>
           <a:prstGeom prst="rect">
@@ -11143,7 +11778,7 @@
         </p:blipFill>
         <p:spPr>
           <a:xfrm>
-            <a:off x="2468880" y="6012720"/>
+            <a:off x="2468880" y="5983536"/>
             <a:ext cx="291600" cy="308160"/>
           </a:xfrm>
           <a:prstGeom prst="rect">
@@ -11222,7 +11857,7 @@
         </p:blipFill>
         <p:spPr>
           <a:xfrm>
-            <a:off x="1753200" y="6797160"/>
+            <a:off x="1753200" y="6767976"/>
             <a:ext cx="291600" cy="308160"/>
           </a:xfrm>
           <a:prstGeom prst="rect">
@@ -11274,16 +11909,28 @@
               </a:lnSpc>
             </a:pPr>
             <a:r>
-              <a:rPr lang="en-US" sz="3000" b="0" strike="noStrike" spc="-1">
+              <a:rPr lang="en-US" sz="3000" b="0" strike="noStrike" spc="-1" dirty="0" err="1">
                 <a:solidFill>
                   <a:srgbClr val="000000"/>
                 </a:solidFill>
-                <a:latin typeface="Courier New"/>
-              </a:rPr>
-              <a:t>i &lt;= 5</a:t>
-            </a:r>
-            <a:endParaRPr lang="en-US" sz="3000" b="0" strike="noStrike" spc="-1">
-              <a:latin typeface="Courier New"/>
+                <a:latin typeface="Liberation Mono" panose="02070409020205020404" pitchFamily="49" charset="0"/>
+                <a:cs typeface="Liberation Mono" panose="02070409020205020404" pitchFamily="49" charset="0"/>
+              </a:rPr>
+              <a:t>i</a:t>
+            </a:r>
+            <a:r>
+              <a:rPr lang="en-US" sz="3000" b="0" strike="noStrike" spc="-1" dirty="0">
+                <a:solidFill>
+                  <a:srgbClr val="000000"/>
+                </a:solidFill>
+                <a:latin typeface="Liberation Mono" panose="02070409020205020404" pitchFamily="49" charset="0"/>
+                <a:cs typeface="Liberation Mono" panose="02070409020205020404" pitchFamily="49" charset="0"/>
+              </a:rPr>
+              <a:t> &lt;= 5</a:t>
+            </a:r>
+            <a:endParaRPr lang="en-US" sz="3000" b="0" strike="noStrike" spc="-1" dirty="0">
+              <a:latin typeface="Liberation Mono" panose="02070409020205020404" pitchFamily="49" charset="0"/>
+              <a:cs typeface="Liberation Mono" panose="02070409020205020404" pitchFamily="49" charset="0"/>
             </a:endParaRPr>
           </a:p>
         </p:txBody>
@@ -11329,16 +11976,48 @@
               </a:lnSpc>
             </a:pPr>
             <a:r>
-              <a:rPr lang="en-US" sz="3000" b="0" strike="noStrike" spc="-1">
+              <a:rPr lang="en-US" sz="3000" b="0" strike="noStrike" spc="-1" dirty="0" err="1">
                 <a:solidFill>
                   <a:srgbClr val="000000"/>
                 </a:solidFill>
-                <a:latin typeface="Courier New"/>
-              </a:rPr>
-              <a:t>i &lt; 5 and i &gt; 5</a:t>
-            </a:r>
-            <a:endParaRPr lang="en-US" sz="3000" b="0" strike="noStrike" spc="-1">
-              <a:latin typeface="Courier New"/>
+                <a:latin typeface="Liberation Mono" panose="02070409020205020404" pitchFamily="49" charset="0"/>
+                <a:cs typeface="Liberation Mono" panose="02070409020205020404" pitchFamily="49" charset="0"/>
+              </a:rPr>
+              <a:t>i</a:t>
+            </a:r>
+            <a:r>
+              <a:rPr lang="en-US" sz="3000" b="0" strike="noStrike" spc="-1" dirty="0">
+                <a:solidFill>
+                  <a:srgbClr val="000000"/>
+                </a:solidFill>
+                <a:latin typeface="Liberation Mono" panose="02070409020205020404" pitchFamily="49" charset="0"/>
+                <a:cs typeface="Liberation Mono" panose="02070409020205020404" pitchFamily="49" charset="0"/>
+              </a:rPr>
+              <a:t> &lt; 5 and </a:t>
+            </a:r>
+            <a:r>
+              <a:rPr lang="en-US" sz="3000" b="0" strike="noStrike" spc="-1" dirty="0" err="1">
+                <a:solidFill>
+                  <a:srgbClr val="000000"/>
+                </a:solidFill>
+                <a:latin typeface="Liberation Mono" panose="02070409020205020404" pitchFamily="49" charset="0"/>
+                <a:cs typeface="Liberation Mono" panose="02070409020205020404" pitchFamily="49" charset="0"/>
+              </a:rPr>
+              <a:t>i</a:t>
+            </a:r>
+            <a:r>
+              <a:rPr lang="en-US" sz="3000" b="0" strike="noStrike" spc="-1" dirty="0">
+                <a:solidFill>
+                  <a:srgbClr val="000000"/>
+                </a:solidFill>
+                <a:latin typeface="Liberation Mono" panose="02070409020205020404" pitchFamily="49" charset="0"/>
+                <a:cs typeface="Liberation Mono" panose="02070409020205020404" pitchFamily="49" charset="0"/>
+              </a:rPr>
+              <a:t> &gt; 5</a:t>
+            </a:r>
+            <a:endParaRPr lang="en-US" sz="3000" b="0" strike="noStrike" spc="-1" dirty="0">
+              <a:latin typeface="Liberation Mono" panose="02070409020205020404" pitchFamily="49" charset="0"/>
+              <a:cs typeface="Liberation Mono" panose="02070409020205020404" pitchFamily="49" charset="0"/>
             </a:endParaRPr>
           </a:p>
         </p:txBody>
@@ -11356,7 +12035,7 @@
         </p:blipFill>
         <p:spPr>
           <a:xfrm>
-            <a:off x="2468880" y="7471080"/>
+            <a:off x="2468880" y="7432168"/>
             <a:ext cx="291600" cy="308160"/>
           </a:xfrm>
           <a:prstGeom prst="rect">
@@ -11380,7 +12059,7 @@
         </p:blipFill>
         <p:spPr>
           <a:xfrm>
-            <a:off x="2468880" y="8059320"/>
+            <a:off x="2468880" y="8020408"/>
             <a:ext cx="291600" cy="308160"/>
           </a:xfrm>
           <a:prstGeom prst="rect">
@@ -11432,16 +12111,48 @@
               </a:lnSpc>
             </a:pPr>
             <a:r>
-              <a:rPr lang="en-US" sz="3000" b="0" strike="noStrike" spc="-1">
+              <a:rPr lang="en-US" sz="3000" b="0" strike="noStrike" spc="-1" dirty="0" err="1">
                 <a:solidFill>
                   <a:srgbClr val="000000"/>
                 </a:solidFill>
-                <a:latin typeface="Courier New"/>
-              </a:rPr>
-              <a:t>i &lt; 5 or i &gt; 5</a:t>
-            </a:r>
-            <a:endParaRPr lang="en-US" sz="3000" b="0" strike="noStrike" spc="-1">
-              <a:latin typeface="Courier New"/>
+                <a:latin typeface="Liberation Mono" panose="02070409020205020404" pitchFamily="49" charset="0"/>
+                <a:cs typeface="Liberation Mono" panose="02070409020205020404" pitchFamily="49" charset="0"/>
+              </a:rPr>
+              <a:t>i</a:t>
+            </a:r>
+            <a:r>
+              <a:rPr lang="en-US" sz="3000" b="0" strike="noStrike" spc="-1" dirty="0">
+                <a:solidFill>
+                  <a:srgbClr val="000000"/>
+                </a:solidFill>
+                <a:latin typeface="Liberation Mono" panose="02070409020205020404" pitchFamily="49" charset="0"/>
+                <a:cs typeface="Liberation Mono" panose="02070409020205020404" pitchFamily="49" charset="0"/>
+              </a:rPr>
+              <a:t> &lt; 5 or </a:t>
+            </a:r>
+            <a:r>
+              <a:rPr lang="en-US" sz="3000" b="0" strike="noStrike" spc="-1" dirty="0" err="1">
+                <a:solidFill>
+                  <a:srgbClr val="000000"/>
+                </a:solidFill>
+                <a:latin typeface="Liberation Mono" panose="02070409020205020404" pitchFamily="49" charset="0"/>
+                <a:cs typeface="Liberation Mono" panose="02070409020205020404" pitchFamily="49" charset="0"/>
+              </a:rPr>
+              <a:t>i</a:t>
+            </a:r>
+            <a:r>
+              <a:rPr lang="en-US" sz="3000" b="0" strike="noStrike" spc="-1" dirty="0">
+                <a:solidFill>
+                  <a:srgbClr val="000000"/>
+                </a:solidFill>
+                <a:latin typeface="Liberation Mono" panose="02070409020205020404" pitchFamily="49" charset="0"/>
+                <a:cs typeface="Liberation Mono" panose="02070409020205020404" pitchFamily="49" charset="0"/>
+              </a:rPr>
+              <a:t> &gt; 5</a:t>
+            </a:r>
+            <a:endParaRPr lang="en-US" sz="3000" b="0" strike="noStrike" spc="-1" dirty="0">
+              <a:latin typeface="Liberation Mono" panose="02070409020205020404" pitchFamily="49" charset="0"/>
+              <a:cs typeface="Liberation Mono" panose="02070409020205020404" pitchFamily="49" charset="0"/>
             </a:endParaRPr>
           </a:p>
         </p:txBody>
@@ -11459,7 +12170,7 @@
         </p:blipFill>
         <p:spPr>
           <a:xfrm>
-            <a:off x="2487600" y="8646120"/>
+            <a:off x="2487600" y="8607208"/>
             <a:ext cx="291600" cy="308160"/>
           </a:xfrm>
           <a:prstGeom prst="rect">
@@ -11532,6 +12243,48 @@
       </p:grpSpPr>
       <p:sp>
         <p:nvSpPr>
+          <p:cNvPr id="5" name="CustomShape 2">
+            <a:extLst>
+              <a:ext uri="{FF2B5EF4-FFF2-40B4-BE49-F238E27FC236}">
+                <a16:creationId xmlns:a16="http://schemas.microsoft.com/office/drawing/2014/main" id="{78BD0F56-EE5D-4B4C-8BEC-FE95FD79BB2B}"/>
+              </a:ext>
+            </a:extLst>
+          </p:cNvPr>
+          <p:cNvSpPr/>
+          <p:nvPr/>
+        </p:nvSpPr>
+        <p:spPr>
+          <a:xfrm>
+            <a:off x="1645920" y="2555280"/>
+            <a:ext cx="12710160" cy="6040080"/>
+          </a:xfrm>
+          <a:prstGeom prst="rect">
+            <a:avLst/>
+          </a:prstGeom>
+          <a:solidFill>
+            <a:srgbClr val="FFFFFF"/>
+          </a:solidFill>
+          <a:ln>
+            <a:solidFill>
+              <a:srgbClr val="3465A4"/>
+            </a:solidFill>
+          </a:ln>
+        </p:spPr>
+        <p:style>
+          <a:lnRef idx="0">
+            <a:scrgbClr r="0" g="0" b="0"/>
+          </a:lnRef>
+          <a:fillRef idx="0">
+            <a:scrgbClr r="0" g="0" b="0"/>
+          </a:fillRef>
+          <a:effectRef idx="0">
+            <a:scrgbClr r="0" g="0" b="0"/>
+          </a:effectRef>
+          <a:fontRef idx="minor"/>
+        </p:style>
+      </p:sp>
+      <p:sp>
+        <p:nvSpPr>
           <p:cNvPr id="245" name="CustomShape 1"/>
           <p:cNvSpPr/>
           <p:nvPr/>
@@ -11590,49 +12343,13 @@
       </p:sp>
       <p:sp>
         <p:nvSpPr>
-          <p:cNvPr id="246" name="CustomShape 2"/>
-          <p:cNvSpPr/>
-          <p:nvPr/>
-        </p:nvSpPr>
-        <p:spPr>
-          <a:xfrm>
-            <a:off x="1645920" y="2926080"/>
-            <a:ext cx="12710160" cy="6040080"/>
-          </a:xfrm>
-          <a:prstGeom prst="rect">
-            <a:avLst/>
-          </a:prstGeom>
-          <a:solidFill>
-            <a:srgbClr val="FFFFFF"/>
-          </a:solidFill>
-          <a:ln>
-            <a:solidFill>
-              <a:srgbClr val="3465A4"/>
-            </a:solidFill>
-          </a:ln>
-        </p:spPr>
-        <p:style>
-          <a:lnRef idx="0">
-            <a:scrgbClr r="0" g="0" b="0"/>
-          </a:lnRef>
-          <a:fillRef idx="0">
-            <a:scrgbClr r="0" g="0" b="0"/>
-          </a:fillRef>
-          <a:effectRef idx="0">
-            <a:scrgbClr r="0" g="0" b="0"/>
-          </a:effectRef>
-          <a:fontRef idx="minor"/>
-        </p:style>
-      </p:sp>
-      <p:sp>
-        <p:nvSpPr>
           <p:cNvPr id="247" name="TextShape 3"/>
           <p:cNvSpPr txBox="1"/>
           <p:nvPr/>
         </p:nvSpPr>
         <p:spPr>
           <a:xfrm>
-            <a:off x="1994040" y="3266280"/>
+            <a:off x="1945915" y="2775390"/>
             <a:ext cx="11230200" cy="5877720"/>
           </a:xfrm>
           <a:prstGeom prst="rect">
@@ -11648,99 +12365,121 @@
           <a:lstStyle/>
           <a:p>
             <a:r>
-              <a:rPr lang="en-US" sz="2400" b="0" strike="noStrike" spc="-1">
-                <a:latin typeface="Courier New"/>
+              <a:rPr lang="en-US" sz="2400" b="0" strike="noStrike" spc="-1" dirty="0">
+                <a:latin typeface="Liberation Mono" panose="02070409020205020404" pitchFamily="49" charset="0"/>
+                <a:cs typeface="Liberation Mono" panose="02070409020205020404" pitchFamily="49" charset="0"/>
               </a:rPr>
               <a:t>if CONDITION :​</a:t>
             </a:r>
           </a:p>
           <a:p>
-            <a:endParaRPr lang="en-US" sz="2400" b="0" strike="noStrike" spc="-1">
-              <a:latin typeface="Courier New"/>
+            <a:endParaRPr lang="en-US" sz="2400" b="0" strike="noStrike" spc="-1" dirty="0">
+              <a:latin typeface="Liberation Mono" panose="02070409020205020404" pitchFamily="49" charset="0"/>
+              <a:cs typeface="Liberation Mono" panose="02070409020205020404" pitchFamily="49" charset="0"/>
             </a:endParaRPr>
           </a:p>
           <a:p>
             <a:r>
-              <a:rPr lang="en-US" sz="2400" b="0" strike="noStrike" spc="-1">
-                <a:latin typeface="Courier New"/>
+              <a:rPr lang="en-US" sz="2400" b="0" strike="noStrike" spc="-1" dirty="0">
+                <a:latin typeface="Liberation Mono" panose="02070409020205020404" pitchFamily="49" charset="0"/>
+                <a:cs typeface="Liberation Mono" panose="02070409020205020404" pitchFamily="49" charset="0"/>
               </a:rPr>
               <a:t> # what to do when CONDITION is True​</a:t>
             </a:r>
           </a:p>
           <a:p>
-            <a:endParaRPr lang="en-US" sz="2400" b="0" strike="noStrike" spc="-1">
-              <a:latin typeface="Courier New"/>
+            <a:endParaRPr lang="en-US" sz="2400" b="0" strike="noStrike" spc="-1" dirty="0">
+              <a:latin typeface="Liberation Mono" panose="02070409020205020404" pitchFamily="49" charset="0"/>
+              <a:cs typeface="Liberation Mono" panose="02070409020205020404" pitchFamily="49" charset="0"/>
             </a:endParaRPr>
           </a:p>
           <a:p>
             <a:r>
-              <a:rPr lang="en-US" sz="2400" b="0" strike="noStrike" spc="-1">
-                <a:latin typeface="Courier New"/>
-              </a:rPr>
-              <a:t>elif ALTERNATIVE :​</a:t>
-            </a:r>
-          </a:p>
-          <a:p>
-            <a:endParaRPr lang="en-US" sz="2400" b="0" strike="noStrike" spc="-1">
-              <a:latin typeface="Courier New"/>
+              <a:rPr lang="en-US" sz="2400" b="0" strike="noStrike" spc="-1" dirty="0" err="1">
+                <a:latin typeface="Liberation Mono" panose="02070409020205020404" pitchFamily="49" charset="0"/>
+                <a:cs typeface="Liberation Mono" panose="02070409020205020404" pitchFamily="49" charset="0"/>
+              </a:rPr>
+              <a:t>elif</a:t>
+            </a:r>
+            <a:r>
+              <a:rPr lang="en-US" sz="2400" b="0" strike="noStrike" spc="-1" dirty="0">
+                <a:latin typeface="Liberation Mono" panose="02070409020205020404" pitchFamily="49" charset="0"/>
+                <a:cs typeface="Liberation Mono" panose="02070409020205020404" pitchFamily="49" charset="0"/>
+              </a:rPr>
+              <a:t> ALTERNATIVE :​</a:t>
+            </a:r>
+          </a:p>
+          <a:p>
+            <a:endParaRPr lang="en-US" sz="2400" b="0" strike="noStrike" spc="-1" dirty="0">
+              <a:latin typeface="Liberation Mono" panose="02070409020205020404" pitchFamily="49" charset="0"/>
+              <a:cs typeface="Liberation Mono" panose="02070409020205020404" pitchFamily="49" charset="0"/>
             </a:endParaRPr>
           </a:p>
           <a:p>
             <a:r>
-              <a:rPr lang="en-US" sz="2400" b="0" strike="noStrike" spc="-1">
-                <a:latin typeface="Courier New"/>
+              <a:rPr lang="en-US" sz="2400" b="0" strike="noStrike" spc="-1" dirty="0">
+                <a:latin typeface="Liberation Mono" panose="02070409020205020404" pitchFamily="49" charset="0"/>
+                <a:cs typeface="Liberation Mono" panose="02070409020205020404" pitchFamily="49" charset="0"/>
               </a:rPr>
               <a:t> # what to do if CONDITION is False but ALTERNATIVE is True​</a:t>
             </a:r>
           </a:p>
           <a:p>
-            <a:endParaRPr lang="en-US" sz="2400" b="0" strike="noStrike" spc="-1">
-              <a:latin typeface="Courier New"/>
+            <a:endParaRPr lang="en-US" sz="2400" b="0" strike="noStrike" spc="-1" dirty="0">
+              <a:latin typeface="Liberation Mono" panose="02070409020205020404" pitchFamily="49" charset="0"/>
+              <a:cs typeface="Liberation Mono" panose="02070409020205020404" pitchFamily="49" charset="0"/>
             </a:endParaRPr>
           </a:p>
           <a:p>
             <a:r>
-              <a:rPr lang="en-US" sz="2400" b="0" strike="noStrike" spc="-1">
-                <a:latin typeface="Courier New"/>
+              <a:rPr lang="en-US" sz="2400" b="0" strike="noStrike" spc="-1" dirty="0">
+                <a:latin typeface="Liberation Mono" panose="02070409020205020404" pitchFamily="49" charset="0"/>
+                <a:cs typeface="Liberation Mono" panose="02070409020205020404" pitchFamily="49" charset="0"/>
               </a:rPr>
               <a:t> # (optional)​</a:t>
             </a:r>
           </a:p>
           <a:p>
-            <a:endParaRPr lang="en-US" sz="2400" b="0" strike="noStrike" spc="-1">
-              <a:latin typeface="Courier New"/>
+            <a:endParaRPr lang="en-US" sz="2400" b="0" strike="noStrike" spc="-1" dirty="0">
+              <a:latin typeface="Liberation Mono" panose="02070409020205020404" pitchFamily="49" charset="0"/>
+              <a:cs typeface="Liberation Mono" panose="02070409020205020404" pitchFamily="49" charset="0"/>
             </a:endParaRPr>
           </a:p>
           <a:p>
             <a:r>
-              <a:rPr lang="en-US" sz="2400" b="0" strike="noStrike" spc="-1">
-                <a:latin typeface="Courier New"/>
+              <a:rPr lang="en-US" sz="2400" b="0" strike="noStrike" spc="-1" dirty="0">
+                <a:latin typeface="Liberation Mono" panose="02070409020205020404" pitchFamily="49" charset="0"/>
+                <a:cs typeface="Liberation Mono" panose="02070409020205020404" pitchFamily="49" charset="0"/>
               </a:rPr>
               <a:t>else :​</a:t>
             </a:r>
           </a:p>
           <a:p>
-            <a:endParaRPr lang="en-US" sz="2400" b="0" strike="noStrike" spc="-1">
-              <a:latin typeface="Courier New"/>
+            <a:endParaRPr lang="en-US" sz="2400" b="0" strike="noStrike" spc="-1" dirty="0">
+              <a:latin typeface="Liberation Mono" panose="02070409020205020404" pitchFamily="49" charset="0"/>
+              <a:cs typeface="Liberation Mono" panose="02070409020205020404" pitchFamily="49" charset="0"/>
             </a:endParaRPr>
           </a:p>
           <a:p>
             <a:r>
-              <a:rPr lang="en-US" sz="2400" b="0" strike="noStrike" spc="-1">
-                <a:latin typeface="Courier New"/>
+              <a:rPr lang="en-US" sz="2400" b="0" strike="noStrike" spc="-1" dirty="0">
+                <a:latin typeface="Liberation Mono" panose="02070409020205020404" pitchFamily="49" charset="0"/>
+                <a:cs typeface="Liberation Mono" panose="02070409020205020404" pitchFamily="49" charset="0"/>
               </a:rPr>
               <a:t> # what to do when all the conditions above are False​</a:t>
             </a:r>
           </a:p>
           <a:p>
-            <a:endParaRPr lang="en-US" sz="2400" b="0" strike="noStrike" spc="-1">
-              <a:latin typeface="Courier New"/>
+            <a:endParaRPr lang="en-US" sz="2400" b="0" strike="noStrike" spc="-1" dirty="0">
+              <a:latin typeface="Liberation Mono" panose="02070409020205020404" pitchFamily="49" charset="0"/>
+              <a:cs typeface="Liberation Mono" panose="02070409020205020404" pitchFamily="49" charset="0"/>
             </a:endParaRPr>
           </a:p>
           <a:p>
             <a:r>
-              <a:rPr lang="en-US" sz="2400" b="0" strike="noStrike" spc="-1">
-                <a:latin typeface="Courier New"/>
+              <a:rPr lang="en-US" sz="2400" b="0" strike="noStrike" spc="-1" dirty="0">
+                <a:latin typeface="Liberation Mono" panose="02070409020205020404" pitchFamily="49" charset="0"/>
+                <a:cs typeface="Liberation Mono" panose="02070409020205020404" pitchFamily="49" charset="0"/>
               </a:rPr>
               <a:t> # (optional)​</a:t>
             </a:r>
@@ -11909,7 +12648,7 @@
         </p:nvSpPr>
         <p:spPr>
           <a:xfrm>
-            <a:off x="1937160" y="2926080"/>
+            <a:off x="1937160" y="2809080"/>
             <a:ext cx="11230200" cy="5877720"/>
           </a:xfrm>
           <a:prstGeom prst="rect">
@@ -11925,99 +12664,128 @@
           <a:lstStyle/>
           <a:p>
             <a:r>
-              <a:rPr lang="en-US" sz="2400" b="0" strike="noStrike" spc="-1">
-                <a:latin typeface="Courier New"/>
+              <a:rPr lang="en-US" sz="2400" b="0" strike="noStrike" spc="-1" dirty="0">
+                <a:latin typeface="Liberation Mono" panose="02070409020205020404" pitchFamily="49" charset="0"/>
+                <a:cs typeface="Liberation Mono" panose="02070409020205020404" pitchFamily="49" charset="0"/>
               </a:rPr>
               <a:t>if age &lt; 12 :​</a:t>
             </a:r>
           </a:p>
           <a:p>
-            <a:endParaRPr lang="en-US" sz="2400" b="0" strike="noStrike" spc="-1">
-              <a:latin typeface="Courier New"/>
+            <a:endParaRPr lang="en-US" sz="2400" b="0" strike="noStrike" spc="-1" dirty="0">
+              <a:latin typeface="Liberation Mono" panose="02070409020205020404" pitchFamily="49" charset="0"/>
+              <a:cs typeface="Liberation Mono" panose="02070409020205020404" pitchFamily="49" charset="0"/>
             </a:endParaRPr>
           </a:p>
           <a:p>
             <a:r>
-              <a:rPr lang="en-US" sz="2400" b="0" strike="noStrike" spc="-1">
-                <a:latin typeface="Courier New"/>
+              <a:rPr lang="en-US" sz="2400" b="0" strike="noStrike" spc="-1" dirty="0">
+                <a:latin typeface="Liberation Mono" panose="02070409020205020404" pitchFamily="49" charset="0"/>
+                <a:cs typeface="Liberation Mono" panose="02070409020205020404" pitchFamily="49" charset="0"/>
               </a:rPr>
               <a:t> print(“you are a child”)​</a:t>
             </a:r>
           </a:p>
           <a:p>
-            <a:endParaRPr lang="en-US" sz="2400" b="0" strike="noStrike" spc="-1">
-              <a:latin typeface="Courier New"/>
+            <a:endParaRPr lang="en-US" sz="2400" b="0" strike="noStrike" spc="-1" dirty="0">
+              <a:latin typeface="Liberation Mono" panose="02070409020205020404" pitchFamily="49" charset="0"/>
+              <a:cs typeface="Liberation Mono" panose="02070409020205020404" pitchFamily="49" charset="0"/>
             </a:endParaRPr>
           </a:p>
           <a:p>
             <a:r>
-              <a:rPr lang="en-US" sz="2400" b="0" strike="noStrike" spc="-1">
-                <a:latin typeface="Courier New"/>
-              </a:rPr>
-              <a:t>elif age &lt; 18 :​</a:t>
-            </a:r>
-          </a:p>
-          <a:p>
-            <a:endParaRPr lang="en-US" sz="2400" b="0" strike="noStrike" spc="-1">
-              <a:latin typeface="Courier New"/>
+              <a:rPr lang="en-US" sz="2400" b="0" strike="noStrike" spc="-1" dirty="0" err="1">
+                <a:latin typeface="Liberation Mono" panose="02070409020205020404" pitchFamily="49" charset="0"/>
+                <a:cs typeface="Liberation Mono" panose="02070409020205020404" pitchFamily="49" charset="0"/>
+              </a:rPr>
+              <a:t>elif</a:t>
+            </a:r>
+            <a:r>
+              <a:rPr lang="en-US" sz="2400" b="0" strike="noStrike" spc="-1" dirty="0">
+                <a:latin typeface="Liberation Mono" panose="02070409020205020404" pitchFamily="49" charset="0"/>
+                <a:cs typeface="Liberation Mono" panose="02070409020205020404" pitchFamily="49" charset="0"/>
+              </a:rPr>
+              <a:t> age &lt; 18 :​</a:t>
+            </a:r>
+          </a:p>
+          <a:p>
+            <a:endParaRPr lang="en-US" sz="2400" b="0" strike="noStrike" spc="-1" dirty="0">
+              <a:latin typeface="Liberation Mono" panose="02070409020205020404" pitchFamily="49" charset="0"/>
+              <a:cs typeface="Liberation Mono" panose="02070409020205020404" pitchFamily="49" charset="0"/>
             </a:endParaRPr>
           </a:p>
           <a:p>
             <a:r>
-              <a:rPr lang="en-US" sz="2400" b="0" strike="noStrike" spc="-1">
-                <a:latin typeface="Courier New"/>
+              <a:rPr lang="en-US" sz="2400" b="0" strike="noStrike" spc="-1" dirty="0">
+                <a:latin typeface="Liberation Mono" panose="02070409020205020404" pitchFamily="49" charset="0"/>
+                <a:cs typeface="Liberation Mono" panose="02070409020205020404" pitchFamily="49" charset="0"/>
               </a:rPr>
               <a:t> print(“you are a teenager”)​</a:t>
             </a:r>
           </a:p>
           <a:p>
-            <a:endParaRPr lang="en-US" sz="2400" b="0" strike="noStrike" spc="-1">
-              <a:latin typeface="Courier New"/>
+            <a:endParaRPr lang="en-US" sz="2400" b="0" strike="noStrike" spc="-1" dirty="0">
+              <a:latin typeface="Liberation Mono" panose="02070409020205020404" pitchFamily="49" charset="0"/>
+              <a:cs typeface="Liberation Mono" panose="02070409020205020404" pitchFamily="49" charset="0"/>
             </a:endParaRPr>
           </a:p>
           <a:p>
             <a:r>
-              <a:rPr lang="en-US" sz="2400" b="0" strike="noStrike" spc="-1">
-                <a:latin typeface="Courier New"/>
-              </a:rPr>
-              <a:t>elif age &lt; 60:​</a:t>
-            </a:r>
-          </a:p>
-          <a:p>
-            <a:endParaRPr lang="en-US" sz="2400" b="0" strike="noStrike" spc="-1">
-              <a:latin typeface="Courier New"/>
+              <a:rPr lang="en-US" sz="2400" b="0" strike="noStrike" spc="-1" dirty="0" err="1">
+                <a:latin typeface="Liberation Mono" panose="02070409020205020404" pitchFamily="49" charset="0"/>
+                <a:cs typeface="Liberation Mono" panose="02070409020205020404" pitchFamily="49" charset="0"/>
+              </a:rPr>
+              <a:t>elif</a:t>
+            </a:r>
+            <a:r>
+              <a:rPr lang="en-US" sz="2400" b="0" strike="noStrike" spc="-1" dirty="0">
+                <a:latin typeface="Liberation Mono" panose="02070409020205020404" pitchFamily="49" charset="0"/>
+                <a:cs typeface="Liberation Mono" panose="02070409020205020404" pitchFamily="49" charset="0"/>
+              </a:rPr>
+              <a:t> age &lt; 60:​</a:t>
+            </a:r>
+          </a:p>
+          <a:p>
+            <a:endParaRPr lang="en-US" sz="2400" b="0" strike="noStrike" spc="-1" dirty="0">
+              <a:latin typeface="Liberation Mono" panose="02070409020205020404" pitchFamily="49" charset="0"/>
+              <a:cs typeface="Liberation Mono" panose="02070409020205020404" pitchFamily="49" charset="0"/>
             </a:endParaRPr>
           </a:p>
           <a:p>
             <a:r>
-              <a:rPr lang="en-US" sz="2400" b="0" strike="noStrike" spc="-1">
-                <a:latin typeface="Courier New"/>
+              <a:rPr lang="en-US" sz="2400" b="0" strike="noStrike" spc="-1" dirty="0">
+                <a:latin typeface="Liberation Mono" panose="02070409020205020404" pitchFamily="49" charset="0"/>
+                <a:cs typeface="Liberation Mono" panose="02070409020205020404" pitchFamily="49" charset="0"/>
               </a:rPr>
               <a:t> print(“you are an adult”)​</a:t>
             </a:r>
           </a:p>
           <a:p>
-            <a:endParaRPr lang="en-US" sz="2400" b="0" strike="noStrike" spc="-1">
-              <a:latin typeface="Courier New"/>
+            <a:endParaRPr lang="en-US" sz="2400" b="0" strike="noStrike" spc="-1" dirty="0">
+              <a:latin typeface="Liberation Mono" panose="02070409020205020404" pitchFamily="49" charset="0"/>
+              <a:cs typeface="Liberation Mono" panose="02070409020205020404" pitchFamily="49" charset="0"/>
             </a:endParaRPr>
           </a:p>
           <a:p>
             <a:r>
-              <a:rPr lang="en-US" sz="2400" b="0" strike="noStrike" spc="-1">
-                <a:latin typeface="Courier New"/>
+              <a:rPr lang="en-US" sz="2400" b="0" strike="noStrike" spc="-1" dirty="0">
+                <a:latin typeface="Liberation Mono" panose="02070409020205020404" pitchFamily="49" charset="0"/>
+                <a:cs typeface="Liberation Mono" panose="02070409020205020404" pitchFamily="49" charset="0"/>
               </a:rPr>
               <a:t>else :​</a:t>
             </a:r>
           </a:p>
           <a:p>
-            <a:endParaRPr lang="en-US" sz="2400" b="0" strike="noStrike" spc="-1">
-              <a:latin typeface="Courier New"/>
+            <a:endParaRPr lang="en-US" sz="2400" b="0" strike="noStrike" spc="-1" dirty="0">
+              <a:latin typeface="Liberation Mono" panose="02070409020205020404" pitchFamily="49" charset="0"/>
+              <a:cs typeface="Liberation Mono" panose="02070409020205020404" pitchFamily="49" charset="0"/>
             </a:endParaRPr>
           </a:p>
           <a:p>
             <a:r>
-              <a:rPr lang="en-US" sz="2400" b="0" strike="noStrike" spc="-1">
-                <a:latin typeface="Courier New"/>
+              <a:rPr lang="en-US" sz="2400" b="0" strike="noStrike" spc="-1" dirty="0">
+                <a:latin typeface="Liberation Mono" panose="02070409020205020404" pitchFamily="49" charset="0"/>
+                <a:cs typeface="Liberation Mono" panose="02070409020205020404" pitchFamily="49" charset="0"/>
               </a:rPr>
               <a:t> print(“you are a senior”)​</a:t>
             </a:r>
@@ -12221,7 +12989,7 @@
         </p:nvSpPr>
         <p:spPr>
           <a:xfrm>
-            <a:off x="1937160" y="2926080"/>
+            <a:off x="1937160" y="2717640"/>
             <a:ext cx="11230200" cy="5877720"/>
           </a:xfrm>
           <a:prstGeom prst="rect">
@@ -12237,99 +13005,121 @@
           <a:lstStyle/>
           <a:p>
             <a:r>
-              <a:rPr lang="en-US" sz="2400" b="0" strike="noStrike" spc="-1">
-                <a:latin typeface="Courier New"/>
+              <a:rPr lang="en-US" sz="2400" b="0" strike="noStrike" spc="-1" dirty="0">
+                <a:latin typeface="Liberation Mono" panose="02070409020205020404" pitchFamily="49" charset="0"/>
+                <a:cs typeface="Liberation Mono" panose="02070409020205020404" pitchFamily="49" charset="0"/>
               </a:rPr>
               <a:t>if age &lt; 12 :​</a:t>
             </a:r>
           </a:p>
           <a:p>
-            <a:endParaRPr lang="en-US" sz="2400" b="0" strike="noStrike" spc="-1">
-              <a:latin typeface="Courier New"/>
+            <a:endParaRPr lang="en-US" sz="2400" b="0" strike="noStrike" spc="-1" dirty="0">
+              <a:latin typeface="Liberation Mono" panose="02070409020205020404" pitchFamily="49" charset="0"/>
+              <a:cs typeface="Liberation Mono" panose="02070409020205020404" pitchFamily="49" charset="0"/>
             </a:endParaRPr>
           </a:p>
           <a:p>
             <a:r>
-              <a:rPr lang="en-US" sz="2400" b="0" strike="noStrike" spc="-1">
-                <a:latin typeface="Courier New"/>
+              <a:rPr lang="en-US" sz="2400" b="0" strike="noStrike" spc="-1" dirty="0">
+                <a:latin typeface="Liberation Mono" panose="02070409020205020404" pitchFamily="49" charset="0"/>
+                <a:cs typeface="Liberation Mono" panose="02070409020205020404" pitchFamily="49" charset="0"/>
               </a:rPr>
               <a:t> print(“you are a child”)​</a:t>
             </a:r>
           </a:p>
           <a:p>
-            <a:endParaRPr lang="en-US" sz="2400" b="0" strike="noStrike" spc="-1">
-              <a:latin typeface="Courier New"/>
+            <a:endParaRPr lang="en-US" sz="2400" b="0" strike="noStrike" spc="-1" dirty="0">
+              <a:latin typeface="Liberation Mono" panose="02070409020205020404" pitchFamily="49" charset="0"/>
+              <a:cs typeface="Liberation Mono" panose="02070409020205020404" pitchFamily="49" charset="0"/>
             </a:endParaRPr>
           </a:p>
           <a:p>
             <a:r>
-              <a:rPr lang="en-US" sz="2400" b="0" strike="noStrike" spc="-1">
-                <a:latin typeface="Courier New"/>
-              </a:rPr>
-              <a:t>elif age &lt; 18 :​</a:t>
-            </a:r>
-          </a:p>
-          <a:p>
-            <a:endParaRPr lang="en-US" sz="2400" b="0" strike="noStrike" spc="-1">
-              <a:latin typeface="Courier New"/>
+              <a:rPr lang="en-US" sz="2400" b="0" strike="noStrike" spc="-1" dirty="0" err="1">
+                <a:latin typeface="Liberation Mono" panose="02070409020205020404" pitchFamily="49" charset="0"/>
+                <a:cs typeface="Liberation Mono" panose="02070409020205020404" pitchFamily="49" charset="0"/>
+              </a:rPr>
+              <a:t>elif</a:t>
+            </a:r>
+            <a:r>
+              <a:rPr lang="en-US" sz="2400" b="0" strike="noStrike" spc="-1" dirty="0">
+                <a:latin typeface="Liberation Mono" panose="02070409020205020404" pitchFamily="49" charset="0"/>
+                <a:cs typeface="Liberation Mono" panose="02070409020205020404" pitchFamily="49" charset="0"/>
+              </a:rPr>
+              <a:t> age &lt; 18 :​</a:t>
+            </a:r>
+          </a:p>
+          <a:p>
+            <a:endParaRPr lang="en-US" sz="2400" b="0" strike="noStrike" spc="-1" dirty="0">
+              <a:latin typeface="Liberation Mono" panose="02070409020205020404" pitchFamily="49" charset="0"/>
+              <a:cs typeface="Liberation Mono" panose="02070409020205020404" pitchFamily="49" charset="0"/>
             </a:endParaRPr>
           </a:p>
           <a:p>
             <a:r>
-              <a:rPr lang="en-US" sz="2400" b="0" strike="noStrike" spc="-1">
-                <a:latin typeface="Courier New"/>
+              <a:rPr lang="en-US" sz="2400" b="0" strike="noStrike" spc="-1" dirty="0">
+                <a:latin typeface="Liberation Mono" panose="02070409020205020404" pitchFamily="49" charset="0"/>
+                <a:cs typeface="Liberation Mono" panose="02070409020205020404" pitchFamily="49" charset="0"/>
               </a:rPr>
               <a:t> print(“you are a teenager”)​</a:t>
             </a:r>
           </a:p>
           <a:p>
-            <a:endParaRPr lang="en-US" sz="2400" b="0" strike="noStrike" spc="-1">
-              <a:latin typeface="Courier New"/>
+            <a:endParaRPr lang="en-US" sz="2400" b="0" strike="noStrike" spc="-1" dirty="0">
+              <a:latin typeface="Liberation Mono" panose="02070409020205020404" pitchFamily="49" charset="0"/>
+              <a:cs typeface="Liberation Mono" panose="02070409020205020404" pitchFamily="49" charset="0"/>
             </a:endParaRPr>
           </a:p>
           <a:p>
             <a:r>
-              <a:rPr lang="en-US" sz="2400" b="0" strike="noStrike" spc="-1">
-                <a:latin typeface="Courier New"/>
+              <a:rPr lang="en-US" sz="2400" b="0" strike="noStrike" spc="-1" dirty="0">
+                <a:latin typeface="Liberation Mono" panose="02070409020205020404" pitchFamily="49" charset="0"/>
+                <a:cs typeface="Liberation Mono" panose="02070409020205020404" pitchFamily="49" charset="0"/>
               </a:rPr>
               <a:t>else :​</a:t>
             </a:r>
           </a:p>
           <a:p>
-            <a:endParaRPr lang="en-US" sz="2400" b="0" strike="noStrike" spc="-1">
-              <a:latin typeface="Courier New"/>
+            <a:endParaRPr lang="en-US" sz="2400" b="0" strike="noStrike" spc="-1" dirty="0">
+              <a:latin typeface="Liberation Mono" panose="02070409020205020404" pitchFamily="49" charset="0"/>
+              <a:cs typeface="Liberation Mono" panose="02070409020205020404" pitchFamily="49" charset="0"/>
             </a:endParaRPr>
           </a:p>
           <a:p>
             <a:r>
-              <a:rPr lang="en-US" sz="2400" b="0" strike="noStrike" spc="-1">
-                <a:latin typeface="Courier New"/>
+              <a:rPr lang="en-US" sz="2400" b="0" strike="noStrike" spc="-1" dirty="0">
+                <a:latin typeface="Liberation Mono" panose="02070409020205020404" pitchFamily="49" charset="0"/>
+                <a:cs typeface="Liberation Mono" panose="02070409020205020404" pitchFamily="49" charset="0"/>
               </a:rPr>
               <a:t> print(“you are an adult”)​</a:t>
             </a:r>
           </a:p>
           <a:p>
-            <a:endParaRPr lang="en-US" sz="2400" b="0" strike="noStrike" spc="-1">
-              <a:latin typeface="Courier New"/>
+            <a:endParaRPr lang="en-US" sz="2400" b="0" strike="noStrike" spc="-1" dirty="0">
+              <a:latin typeface="Liberation Mono" panose="02070409020205020404" pitchFamily="49" charset="0"/>
+              <a:cs typeface="Liberation Mono" panose="02070409020205020404" pitchFamily="49" charset="0"/>
             </a:endParaRPr>
           </a:p>
           <a:p>
             <a:r>
-              <a:rPr lang="en-US" sz="2400" b="0" strike="noStrike" spc="-1">
-                <a:latin typeface="Courier New"/>
+              <a:rPr lang="en-US" sz="2400" b="0" strike="noStrike" spc="-1" dirty="0">
+                <a:latin typeface="Liberation Mono" panose="02070409020205020404" pitchFamily="49" charset="0"/>
+                <a:cs typeface="Liberation Mono" panose="02070409020205020404" pitchFamily="49" charset="0"/>
               </a:rPr>
               <a:t>if age &gt;= 60 :​</a:t>
             </a:r>
           </a:p>
           <a:p>
-            <a:endParaRPr lang="en-US" sz="2400" b="0" strike="noStrike" spc="-1">
-              <a:latin typeface="Courier New"/>
+            <a:endParaRPr lang="en-US" sz="2400" b="0" strike="noStrike" spc="-1" dirty="0">
+              <a:latin typeface="Liberation Mono" panose="02070409020205020404" pitchFamily="49" charset="0"/>
+              <a:cs typeface="Liberation Mono" panose="02070409020205020404" pitchFamily="49" charset="0"/>
             </a:endParaRPr>
           </a:p>
           <a:p>
             <a:r>
-              <a:rPr lang="en-US" sz="2400" b="0" strike="noStrike" spc="-1">
-                <a:latin typeface="Courier New"/>
+              <a:rPr lang="en-US" sz="2400" b="0" strike="noStrike" spc="-1" dirty="0">
+                <a:latin typeface="Liberation Mono" panose="02070409020205020404" pitchFamily="49" charset="0"/>
+                <a:cs typeface="Liberation Mono" panose="02070409020205020404" pitchFamily="49" charset="0"/>
               </a:rPr>
               <a:t> print(“you are a senior”)</a:t>
             </a:r>
@@ -12514,60 +13304,69 @@
           <a:lstStyle/>
           <a:p>
             <a:r>
-              <a:rPr lang="en-US" sz="2400" b="0" strike="noStrike" spc="-1">
-                <a:latin typeface="Courier New"/>
+              <a:rPr lang="en-US" sz="2400" b="0" strike="noStrike" spc="-1" dirty="0">
+                <a:latin typeface="Liberation Mono" panose="02070409020205020404" pitchFamily="49" charset="0"/>
+                <a:cs typeface="Liberation Mono" panose="02070409020205020404" pitchFamily="49" charset="0"/>
               </a:rPr>
               <a:t>while CONDITION:​</a:t>
             </a:r>
           </a:p>
           <a:p>
-            <a:endParaRPr lang="en-US" sz="2400" b="0" strike="noStrike" spc="-1">
-              <a:latin typeface="Courier New"/>
+            <a:endParaRPr lang="en-US" sz="2400" b="0" strike="noStrike" spc="-1" dirty="0">
+              <a:latin typeface="Liberation Mono" panose="02070409020205020404" pitchFamily="49" charset="0"/>
+              <a:cs typeface="Liberation Mono" panose="02070409020205020404" pitchFamily="49" charset="0"/>
             </a:endParaRPr>
           </a:p>
           <a:p>
             <a:r>
-              <a:rPr lang="en-US" sz="2400" b="0" strike="noStrike" spc="-1">
-                <a:latin typeface="Courier New"/>
+              <a:rPr lang="en-US" sz="2400" b="0" strike="noStrike" spc="-1" dirty="0">
+                <a:latin typeface="Liberation Mono" panose="02070409020205020404" pitchFamily="49" charset="0"/>
+                <a:cs typeface="Liberation Mono" panose="02070409020205020404" pitchFamily="49" charset="0"/>
               </a:rPr>
               <a:t> # will be repeated as long as CONDITION is True​</a:t>
             </a:r>
           </a:p>
           <a:p>
-            <a:endParaRPr lang="en-US" sz="2400" b="0" strike="noStrike" spc="-1">
-              <a:latin typeface="Courier New"/>
+            <a:endParaRPr lang="en-US" sz="2400" b="0" strike="noStrike" spc="-1" dirty="0">
+              <a:latin typeface="Liberation Mono" panose="02070409020205020404" pitchFamily="49" charset="0"/>
+              <a:cs typeface="Liberation Mono" panose="02070409020205020404" pitchFamily="49" charset="0"/>
             </a:endParaRPr>
           </a:p>
           <a:p>
             <a:r>
-              <a:rPr lang="en-US" sz="2400" b="0" strike="noStrike" spc="-1">
-                <a:latin typeface="Courier New"/>
+              <a:rPr lang="en-US" sz="2400" b="0" strike="noStrike" spc="-1" dirty="0">
+                <a:latin typeface="Liberation Mono" panose="02070409020205020404" pitchFamily="49" charset="0"/>
+                <a:cs typeface="Liberation Mono" panose="02070409020205020404" pitchFamily="49" charset="0"/>
               </a:rPr>
               <a:t> # if CONDITION is not True the first time while is read, ​</a:t>
             </a:r>
           </a:p>
           <a:p>
-            <a:endParaRPr lang="en-US" sz="2400" b="0" strike="noStrike" spc="-1">
-              <a:latin typeface="Courier New"/>
+            <a:endParaRPr lang="en-US" sz="2400" b="0" strike="noStrike" spc="-1" dirty="0">
+              <a:latin typeface="Liberation Mono" panose="02070409020205020404" pitchFamily="49" charset="0"/>
+              <a:cs typeface="Liberation Mono" panose="02070409020205020404" pitchFamily="49" charset="0"/>
             </a:endParaRPr>
           </a:p>
           <a:p>
             <a:r>
-              <a:rPr lang="en-US" sz="2400" b="0" strike="noStrike" spc="-1">
-                <a:latin typeface="Courier New"/>
+              <a:rPr lang="en-US" sz="2400" b="0" strike="noStrike" spc="-1" dirty="0">
+                <a:latin typeface="Liberation Mono" panose="02070409020205020404" pitchFamily="49" charset="0"/>
+                <a:cs typeface="Liberation Mono" panose="02070409020205020404" pitchFamily="49" charset="0"/>
               </a:rPr>
               <a:t> # then this will never be run​</a:t>
             </a:r>
           </a:p>
           <a:p>
-            <a:endParaRPr lang="en-US" sz="2400" b="0" strike="noStrike" spc="-1">
-              <a:latin typeface="Courier New"/>
+            <a:endParaRPr lang="en-US" sz="2400" b="0" strike="noStrike" spc="-1" dirty="0">
+              <a:latin typeface="Liberation Mono" panose="02070409020205020404" pitchFamily="49" charset="0"/>
+              <a:cs typeface="Liberation Mono" panose="02070409020205020404" pitchFamily="49" charset="0"/>
             </a:endParaRPr>
           </a:p>
           <a:p>
             <a:r>
-              <a:rPr lang="en-US" sz="2400" b="0" strike="noStrike" spc="-1">
-                <a:latin typeface="Courier New"/>
+              <a:rPr lang="en-US" sz="2400" b="0" strike="noStrike" spc="-1" dirty="0">
+                <a:latin typeface="Liberation Mono" panose="02070409020205020404" pitchFamily="49" charset="0"/>
+                <a:cs typeface="Liberation Mono" panose="02070409020205020404" pitchFamily="49" charset="0"/>
               </a:rPr>
               <a:t> # the code inside can (and should) change CONDITION​</a:t>
             </a:r>
@@ -12638,7 +13437,7 @@
         </p:blipFill>
         <p:spPr>
           <a:xfrm rot="4106400">
-            <a:off x="-4341240" y="-8930160"/>
+            <a:off x="-3026790" y="-10103141"/>
             <a:ext cx="14744520" cy="17579160"/>
           </a:xfrm>
           <a:prstGeom prst="rect">
@@ -12661,7 +13460,7 @@
         </p:blipFill>
         <p:spPr>
           <a:xfrm>
-            <a:off x="15739920" y="-2073960"/>
+            <a:off x="15229196" y="-1928880"/>
             <a:ext cx="7798320" cy="8419320"/>
           </a:xfrm>
           <a:prstGeom prst="rect">
@@ -12907,7 +13706,7 @@
                 </a:lnSpc>
               </a:pPr>
               <a:r>
-                <a:rPr lang="en-US" sz="2400" b="0" strike="noStrike" spc="-1">
+                <a:rPr lang="en-US" sz="2400" b="0" strike="noStrike" spc="-1" dirty="0">
                   <a:solidFill>
                     <a:srgbClr val="000000"/>
                   </a:solidFill>
@@ -12915,7 +13714,7 @@
                 </a:rPr>
                 <a:t>How to use variables</a:t>
               </a:r>
-              <a:endParaRPr lang="en-US" sz="2400" b="0" strike="noStrike" spc="-1">
+              <a:endParaRPr lang="en-US" sz="2400" b="0" strike="noStrike" spc="-1" dirty="0">
                 <a:latin typeface="Arial"/>
               </a:endParaRPr>
             </a:p>
@@ -13239,7 +14038,7 @@
         </p:nvSpPr>
         <p:spPr>
           <a:xfrm>
-            <a:off x="9418320" y="9190440"/>
+            <a:off x="9389136" y="9170984"/>
             <a:ext cx="5274000" cy="462600"/>
           </a:xfrm>
           <a:prstGeom prst="rect">
@@ -13255,7 +14054,7 @@
           <a:lstStyle/>
           <a:p>
             <a:r>
-              <a:rPr lang="en-US" sz="2400" b="0" strike="noStrike" spc="-1">
+              <a:rPr lang="en-US" sz="2400" b="0" strike="noStrike" spc="-1" dirty="0">
                 <a:solidFill>
                   <a:srgbClr val="000000"/>
                 </a:solidFill>
@@ -13263,7 +14062,7 @@
               </a:rPr>
               <a:t>Use loops​</a:t>
             </a:r>
-            <a:endParaRPr lang="en-US" sz="2400" b="0" strike="noStrike" spc="-1">
+            <a:endParaRPr lang="en-US" sz="2400" b="0" strike="noStrike" spc="-1" dirty="0">
               <a:latin typeface="Arial"/>
             </a:endParaRPr>
           </a:p>
@@ -13447,49 +14246,119 @@
           <a:lstStyle/>
           <a:p>
             <a:r>
-              <a:rPr lang="en-US" sz="2400" b="0" strike="noStrike" spc="-1">
-                <a:latin typeface="Courier New"/>
-              </a:rPr>
-              <a:t>i=0​</a:t>
-            </a:r>
-          </a:p>
-          <a:p>
-            <a:endParaRPr lang="en-US" sz="2400" b="0" strike="noStrike" spc="-1">
-              <a:latin typeface="Courier New"/>
+              <a:rPr lang="en-US" sz="2400" b="0" strike="noStrike" spc="-1" dirty="0" err="1">
+                <a:latin typeface="Liberation Mono" panose="02070409020205020404" pitchFamily="49" charset="0"/>
+                <a:cs typeface="Liberation Mono" panose="02070409020205020404" pitchFamily="49" charset="0"/>
+              </a:rPr>
+              <a:t>i</a:t>
+            </a:r>
+            <a:r>
+              <a:rPr lang="en-US" sz="2400" b="0" strike="noStrike" spc="-1" dirty="0">
+                <a:latin typeface="Liberation Mono" panose="02070409020205020404" pitchFamily="49" charset="0"/>
+                <a:cs typeface="Liberation Mono" panose="02070409020205020404" pitchFamily="49" charset="0"/>
+              </a:rPr>
+              <a:t>=0​</a:t>
+            </a:r>
+          </a:p>
+          <a:p>
+            <a:endParaRPr lang="en-US" sz="2400" b="0" strike="noStrike" spc="-1" dirty="0">
+              <a:latin typeface="Liberation Mono" panose="02070409020205020404" pitchFamily="49" charset="0"/>
+              <a:cs typeface="Liberation Mono" panose="02070409020205020404" pitchFamily="49" charset="0"/>
             </a:endParaRPr>
           </a:p>
           <a:p>
             <a:r>
-              <a:rPr lang="en-US" sz="2400" b="0" strike="noStrike" spc="-1">
-                <a:latin typeface="Courier New"/>
-              </a:rPr>
-              <a:t>while i&lt;=10 :​</a:t>
-            </a:r>
-          </a:p>
-          <a:p>
-            <a:endParaRPr lang="en-US" sz="2400" b="0" strike="noStrike" spc="-1">
-              <a:latin typeface="Courier New"/>
+              <a:rPr lang="en-US" sz="2400" b="0" strike="noStrike" spc="-1" dirty="0">
+                <a:latin typeface="Liberation Mono" panose="02070409020205020404" pitchFamily="49" charset="0"/>
+                <a:cs typeface="Liberation Mono" panose="02070409020205020404" pitchFamily="49" charset="0"/>
+              </a:rPr>
+              <a:t>while </a:t>
+            </a:r>
+            <a:r>
+              <a:rPr lang="en-US" sz="2400" b="0" strike="noStrike" spc="-1" dirty="0" err="1">
+                <a:latin typeface="Liberation Mono" panose="02070409020205020404" pitchFamily="49" charset="0"/>
+                <a:cs typeface="Liberation Mono" panose="02070409020205020404" pitchFamily="49" charset="0"/>
+              </a:rPr>
+              <a:t>i</a:t>
+            </a:r>
+            <a:r>
+              <a:rPr lang="en-US" sz="2400" b="0" strike="noStrike" spc="-1" dirty="0">
+                <a:latin typeface="Liberation Mono" panose="02070409020205020404" pitchFamily="49" charset="0"/>
+                <a:cs typeface="Liberation Mono" panose="02070409020205020404" pitchFamily="49" charset="0"/>
+              </a:rPr>
+              <a:t>&lt;=10 :​</a:t>
+            </a:r>
+          </a:p>
+          <a:p>
+            <a:endParaRPr lang="en-US" sz="2400" b="0" strike="noStrike" spc="-1" dirty="0">
+              <a:latin typeface="Liberation Mono" panose="02070409020205020404" pitchFamily="49" charset="0"/>
+              <a:cs typeface="Liberation Mono" panose="02070409020205020404" pitchFamily="49" charset="0"/>
             </a:endParaRPr>
           </a:p>
           <a:p>
             <a:r>
-              <a:rPr lang="en-US" sz="2400" b="0" strike="noStrike" spc="-1">
-                <a:latin typeface="Courier New"/>
-              </a:rPr>
-              <a:t> print(“i is” + str(i))​</a:t>
-            </a:r>
-          </a:p>
-          <a:p>
-            <a:endParaRPr lang="en-US" sz="2400" b="0" strike="noStrike" spc="-1">
-              <a:latin typeface="Courier New"/>
+              <a:rPr lang="en-US" sz="2400" b="0" strike="noStrike" spc="-1" dirty="0">
+                <a:latin typeface="Liberation Mono" panose="02070409020205020404" pitchFamily="49" charset="0"/>
+                <a:cs typeface="Liberation Mono" panose="02070409020205020404" pitchFamily="49" charset="0"/>
+              </a:rPr>
+              <a:t> print(“</a:t>
+            </a:r>
+            <a:r>
+              <a:rPr lang="en-US" sz="2400" b="0" strike="noStrike" spc="-1" dirty="0" err="1">
+                <a:latin typeface="Liberation Mono" panose="02070409020205020404" pitchFamily="49" charset="0"/>
+                <a:cs typeface="Liberation Mono" panose="02070409020205020404" pitchFamily="49" charset="0"/>
+              </a:rPr>
+              <a:t>i</a:t>
+            </a:r>
+            <a:r>
+              <a:rPr lang="en-US" sz="2400" b="0" strike="noStrike" spc="-1" dirty="0">
+                <a:latin typeface="Liberation Mono" panose="02070409020205020404" pitchFamily="49" charset="0"/>
+                <a:cs typeface="Liberation Mono" panose="02070409020205020404" pitchFamily="49" charset="0"/>
+              </a:rPr>
+              <a:t> is” + str(</a:t>
+            </a:r>
+            <a:r>
+              <a:rPr lang="en-US" sz="2400" b="0" strike="noStrike" spc="-1" dirty="0" err="1">
+                <a:latin typeface="Liberation Mono" panose="02070409020205020404" pitchFamily="49" charset="0"/>
+                <a:cs typeface="Liberation Mono" panose="02070409020205020404" pitchFamily="49" charset="0"/>
+              </a:rPr>
+              <a:t>i</a:t>
+            </a:r>
+            <a:r>
+              <a:rPr lang="en-US" sz="2400" b="0" strike="noStrike" spc="-1" dirty="0">
+                <a:latin typeface="Liberation Mono" panose="02070409020205020404" pitchFamily="49" charset="0"/>
+                <a:cs typeface="Liberation Mono" panose="02070409020205020404" pitchFamily="49" charset="0"/>
+              </a:rPr>
+              <a:t>))​</a:t>
+            </a:r>
+          </a:p>
+          <a:p>
+            <a:endParaRPr lang="en-US" sz="2400" b="0" strike="noStrike" spc="-1" dirty="0">
+              <a:latin typeface="Liberation Mono" panose="02070409020205020404" pitchFamily="49" charset="0"/>
+              <a:cs typeface="Liberation Mono" panose="02070409020205020404" pitchFamily="49" charset="0"/>
             </a:endParaRPr>
           </a:p>
           <a:p>
             <a:r>
-              <a:rPr lang="en-US" sz="2400" b="0" strike="noStrike" spc="-1">
-                <a:latin typeface="Courier New"/>
-              </a:rPr>
-              <a:t> i+=1​</a:t>
+              <a:rPr lang="en-US" sz="2400" b="0" strike="noStrike" spc="-1" dirty="0">
+                <a:latin typeface="Liberation Mono" panose="02070409020205020404" pitchFamily="49" charset="0"/>
+                <a:cs typeface="Liberation Mono" panose="02070409020205020404" pitchFamily="49" charset="0"/>
+              </a:rPr>
+              <a:t> </a:t>
+            </a:r>
+            <a:r>
+              <a:rPr lang="en-US" sz="2400" b="0" strike="noStrike" spc="-1" dirty="0" err="1">
+                <a:latin typeface="Liberation Mono" panose="02070409020205020404" pitchFamily="49" charset="0"/>
+                <a:cs typeface="Liberation Mono" panose="02070409020205020404" pitchFamily="49" charset="0"/>
+              </a:rPr>
+              <a:t>i</a:t>
+            </a:r>
+            <a:r>
+              <a:rPr lang="en-US" sz="2400" b="0" strike="noStrike" spc="-1" dirty="0">
+                <a:latin typeface="Liberation Mono" panose="02070409020205020404" pitchFamily="49" charset="0"/>
+                <a:cs typeface="Liberation Mono" panose="02070409020205020404" pitchFamily="49" charset="0"/>
+              </a:rPr>
+              <a:t>+=1​</a:t>
             </a:r>
           </a:p>
         </p:txBody>
@@ -13656,7 +14525,7 @@
         </p:nvSpPr>
         <p:spPr>
           <a:xfrm>
-            <a:off x="1937160" y="2926080"/>
+            <a:off x="1937160" y="2717640"/>
             <a:ext cx="12236040" cy="5877720"/>
           </a:xfrm>
           <a:prstGeom prst="rect">
@@ -13672,99 +14541,149 @@
           <a:lstStyle/>
           <a:p>
             <a:r>
-              <a:rPr lang="en-US" sz="2400" b="0" strike="noStrike" spc="-1">
-                <a:latin typeface="Courier New"/>
-              </a:rPr>
-              <a:t>i=0​</a:t>
-            </a:r>
-          </a:p>
-          <a:p>
-            <a:endParaRPr lang="en-US" sz="2400" b="0" strike="noStrike" spc="-1">
-              <a:latin typeface="Courier New"/>
+              <a:rPr lang="en-US" sz="2400" b="0" strike="noStrike" spc="-1" dirty="0" err="1">
+                <a:latin typeface="Liberation Mono" panose="02070409020205020404" pitchFamily="49" charset="0"/>
+                <a:cs typeface="Liberation Mono" panose="02070409020205020404" pitchFamily="49" charset="0"/>
+              </a:rPr>
+              <a:t>i</a:t>
+            </a:r>
+            <a:r>
+              <a:rPr lang="en-US" sz="2400" b="0" strike="noStrike" spc="-1" dirty="0">
+                <a:latin typeface="Liberation Mono" panose="02070409020205020404" pitchFamily="49" charset="0"/>
+                <a:cs typeface="Liberation Mono" panose="02070409020205020404" pitchFamily="49" charset="0"/>
+              </a:rPr>
+              <a:t>=0​</a:t>
+            </a:r>
+          </a:p>
+          <a:p>
+            <a:endParaRPr lang="en-US" sz="2400" b="0" strike="noStrike" spc="-1" dirty="0">
+              <a:latin typeface="Liberation Mono" panose="02070409020205020404" pitchFamily="49" charset="0"/>
+              <a:cs typeface="Liberation Mono" panose="02070409020205020404" pitchFamily="49" charset="0"/>
             </a:endParaRPr>
           </a:p>
           <a:p>
             <a:r>
-              <a:rPr lang="en-US" sz="2400" b="0" strike="noStrike" spc="-1">
-                <a:latin typeface="Courier New"/>
+              <a:rPr lang="en-US" sz="2400" b="0" strike="noStrike" spc="-1" dirty="0">
+                <a:latin typeface="Liberation Mono" panose="02070409020205020404" pitchFamily="49" charset="0"/>
+                <a:cs typeface="Liberation Mono" panose="02070409020205020404" pitchFamily="49" charset="0"/>
               </a:rPr>
               <a:t>sum=0​</a:t>
             </a:r>
           </a:p>
           <a:p>
-            <a:endParaRPr lang="en-US" sz="2400" b="0" strike="noStrike" spc="-1">
-              <a:latin typeface="Courier New"/>
+            <a:endParaRPr lang="en-US" sz="2400" b="0" strike="noStrike" spc="-1" dirty="0">
+              <a:latin typeface="Liberation Mono" panose="02070409020205020404" pitchFamily="49" charset="0"/>
+              <a:cs typeface="Liberation Mono" panose="02070409020205020404" pitchFamily="49" charset="0"/>
             </a:endParaRPr>
           </a:p>
           <a:p>
             <a:r>
-              <a:rPr lang="en-US" sz="2400" b="0" strike="noStrike" spc="-1">
-                <a:latin typeface="Courier New"/>
-              </a:rPr>
-              <a:t>while i&lt;=2 :​</a:t>
-            </a:r>
-          </a:p>
-          <a:p>
-            <a:endParaRPr lang="en-US" sz="2400" b="0" strike="noStrike" spc="-1">
-              <a:latin typeface="Courier New"/>
+              <a:rPr lang="en-US" sz="2400" b="0" strike="noStrike" spc="-1" dirty="0">
+                <a:latin typeface="Liberation Mono" panose="02070409020205020404" pitchFamily="49" charset="0"/>
+                <a:cs typeface="Liberation Mono" panose="02070409020205020404" pitchFamily="49" charset="0"/>
+              </a:rPr>
+              <a:t>while </a:t>
+            </a:r>
+            <a:r>
+              <a:rPr lang="en-US" sz="2400" b="0" strike="noStrike" spc="-1" dirty="0" err="1">
+                <a:latin typeface="Liberation Mono" panose="02070409020205020404" pitchFamily="49" charset="0"/>
+                <a:cs typeface="Liberation Mono" panose="02070409020205020404" pitchFamily="49" charset="0"/>
+              </a:rPr>
+              <a:t>i</a:t>
+            </a:r>
+            <a:r>
+              <a:rPr lang="en-US" sz="2400" b="0" strike="noStrike" spc="-1" dirty="0">
+                <a:latin typeface="Liberation Mono" panose="02070409020205020404" pitchFamily="49" charset="0"/>
+                <a:cs typeface="Liberation Mono" panose="02070409020205020404" pitchFamily="49" charset="0"/>
+              </a:rPr>
+              <a:t>&lt;=2 :​</a:t>
+            </a:r>
+          </a:p>
+          <a:p>
+            <a:endParaRPr lang="en-US" sz="2400" b="0" strike="noStrike" spc="-1" dirty="0">
+              <a:latin typeface="Liberation Mono" panose="02070409020205020404" pitchFamily="49" charset="0"/>
+              <a:cs typeface="Liberation Mono" panose="02070409020205020404" pitchFamily="49" charset="0"/>
             </a:endParaRPr>
           </a:p>
           <a:p>
             <a:r>
-              <a:rPr lang="en-US" sz="2400" b="0" strike="noStrike" spc="-1">
-                <a:latin typeface="Courier New"/>
+              <a:rPr lang="en-US" sz="2400" b="0" strike="noStrike" spc="-1" dirty="0">
+                <a:latin typeface="Liberation Mono" panose="02070409020205020404" pitchFamily="49" charset="0"/>
+                <a:cs typeface="Liberation Mono" panose="02070409020205020404" pitchFamily="49" charset="0"/>
               </a:rPr>
               <a:t> j=input(“Please input an integer (“+str(3-i)+” remaining) : ”)​</a:t>
             </a:r>
           </a:p>
           <a:p>
-            <a:endParaRPr lang="en-US" sz="2400" b="0" strike="noStrike" spc="-1">
-              <a:latin typeface="Courier New"/>
+            <a:endParaRPr lang="en-US" sz="2400" b="0" strike="noStrike" spc="-1" dirty="0">
+              <a:latin typeface="Liberation Mono" panose="02070409020205020404" pitchFamily="49" charset="0"/>
+              <a:cs typeface="Liberation Mono" panose="02070409020205020404" pitchFamily="49" charset="0"/>
             </a:endParaRPr>
           </a:p>
           <a:p>
             <a:r>
-              <a:rPr lang="en-US" sz="2400" b="0" strike="noStrike" spc="-1">
-                <a:latin typeface="Courier New"/>
+              <a:rPr lang="en-US" sz="2400" b="0" strike="noStrike" spc="-1" dirty="0">
+                <a:latin typeface="Liberation Mono" panose="02070409020205020404" pitchFamily="49" charset="0"/>
+                <a:cs typeface="Liberation Mono" panose="02070409020205020404" pitchFamily="49" charset="0"/>
               </a:rPr>
               <a:t> j=int(j)​</a:t>
             </a:r>
           </a:p>
           <a:p>
-            <a:endParaRPr lang="en-US" sz="2400" b="0" strike="noStrike" spc="-1">
-              <a:latin typeface="Courier New"/>
+            <a:endParaRPr lang="en-US" sz="2400" b="0" strike="noStrike" spc="-1" dirty="0">
+              <a:latin typeface="Liberation Mono" panose="02070409020205020404" pitchFamily="49" charset="0"/>
+              <a:cs typeface="Liberation Mono" panose="02070409020205020404" pitchFamily="49" charset="0"/>
             </a:endParaRPr>
           </a:p>
           <a:p>
             <a:r>
-              <a:rPr lang="en-US" sz="2400" b="0" strike="noStrike" spc="-1">
-                <a:latin typeface="Courier New"/>
+              <a:rPr lang="en-US" sz="2400" b="0" strike="noStrike" spc="-1" dirty="0">
+                <a:latin typeface="Liberation Mono" panose="02070409020205020404" pitchFamily="49" charset="0"/>
+                <a:cs typeface="Liberation Mono" panose="02070409020205020404" pitchFamily="49" charset="0"/>
               </a:rPr>
               <a:t> sum+=j​</a:t>
             </a:r>
           </a:p>
           <a:p>
-            <a:endParaRPr lang="en-US" sz="2400" b="0" strike="noStrike" spc="-1">
-              <a:latin typeface="Courier New"/>
+            <a:endParaRPr lang="en-US" sz="2400" b="0" strike="noStrike" spc="-1" dirty="0">
+              <a:latin typeface="Liberation Mono" panose="02070409020205020404" pitchFamily="49" charset="0"/>
+              <a:cs typeface="Liberation Mono" panose="02070409020205020404" pitchFamily="49" charset="0"/>
             </a:endParaRPr>
           </a:p>
           <a:p>
             <a:r>
-              <a:rPr lang="en-US" sz="2400" b="0" strike="noStrike" spc="-1">
-                <a:latin typeface="Courier New"/>
-              </a:rPr>
-              <a:t> i+=1​</a:t>
-            </a:r>
-          </a:p>
-          <a:p>
-            <a:endParaRPr lang="en-US" sz="2400" b="0" strike="noStrike" spc="-1">
-              <a:latin typeface="Courier New"/>
+              <a:rPr lang="en-US" sz="2400" b="0" strike="noStrike" spc="-1" dirty="0">
+                <a:latin typeface="Liberation Mono" panose="02070409020205020404" pitchFamily="49" charset="0"/>
+                <a:cs typeface="Liberation Mono" panose="02070409020205020404" pitchFamily="49" charset="0"/>
+              </a:rPr>
+              <a:t> </a:t>
+            </a:r>
+            <a:r>
+              <a:rPr lang="en-US" sz="2400" b="0" strike="noStrike" spc="-1" dirty="0" err="1">
+                <a:latin typeface="Liberation Mono" panose="02070409020205020404" pitchFamily="49" charset="0"/>
+                <a:cs typeface="Liberation Mono" panose="02070409020205020404" pitchFamily="49" charset="0"/>
+              </a:rPr>
+              <a:t>i</a:t>
+            </a:r>
+            <a:r>
+              <a:rPr lang="en-US" sz="2400" b="0" strike="noStrike" spc="-1" dirty="0">
+                <a:latin typeface="Liberation Mono" panose="02070409020205020404" pitchFamily="49" charset="0"/>
+                <a:cs typeface="Liberation Mono" panose="02070409020205020404" pitchFamily="49" charset="0"/>
+              </a:rPr>
+              <a:t>+=1​</a:t>
+            </a:r>
+          </a:p>
+          <a:p>
+            <a:endParaRPr lang="en-US" sz="2400" b="0" strike="noStrike" spc="-1" dirty="0">
+              <a:latin typeface="Liberation Mono" panose="02070409020205020404" pitchFamily="49" charset="0"/>
+              <a:cs typeface="Liberation Mono" panose="02070409020205020404" pitchFamily="49" charset="0"/>
             </a:endParaRPr>
           </a:p>
           <a:p>
             <a:r>
-              <a:rPr lang="en-US" sz="2400" b="0" strike="noStrike" spc="-1">
-                <a:latin typeface="Courier New"/>
+              <a:rPr lang="en-US" sz="2400" b="0" strike="noStrike" spc="-1" dirty="0">
+                <a:latin typeface="Liberation Mono" panose="02070409020205020404" pitchFamily="49" charset="0"/>
+                <a:cs typeface="Liberation Mono" panose="02070409020205020404" pitchFamily="49" charset="0"/>
               </a:rPr>
               <a:t>Print(“thank you, the sum is “+str(sum)+”\n”)​</a:t>
             </a:r>
@@ -13984,34 +14903,39 @@
           <a:lstStyle/>
           <a:p>
             <a:r>
-              <a:rPr lang="en-US" sz="2400" b="0" strike="noStrike" spc="-1">
-                <a:latin typeface="Courier New"/>
+              <a:rPr lang="en-US" sz="2400" b="0" strike="noStrike" spc="-1" dirty="0">
+                <a:latin typeface="Liberation Mono" panose="02070409020205020404" pitchFamily="49" charset="0"/>
+                <a:cs typeface="Liberation Mono" panose="02070409020205020404" pitchFamily="49" charset="0"/>
               </a:rPr>
               <a:t>for var in VALUES:​</a:t>
             </a:r>
           </a:p>
           <a:p>
-            <a:endParaRPr lang="en-US" sz="2400" b="0" strike="noStrike" spc="-1">
-              <a:latin typeface="Courier New"/>
+            <a:endParaRPr lang="en-US" sz="2400" b="0" strike="noStrike" spc="-1" dirty="0">
+              <a:latin typeface="Liberation Mono" panose="02070409020205020404" pitchFamily="49" charset="0"/>
+              <a:cs typeface="Liberation Mono" panose="02070409020205020404" pitchFamily="49" charset="0"/>
             </a:endParaRPr>
           </a:p>
           <a:p>
             <a:r>
-              <a:rPr lang="en-US" sz="2400" b="0" strike="noStrike" spc="-1">
-                <a:latin typeface="Courier New"/>
+              <a:rPr lang="en-US" sz="2400" b="0" strike="noStrike" spc="-1" dirty="0">
+                <a:latin typeface="Liberation Mono" panose="02070409020205020404" pitchFamily="49" charset="0"/>
+                <a:cs typeface="Liberation Mono" panose="02070409020205020404" pitchFamily="49" charset="0"/>
               </a:rPr>
               <a:t> # this will be executed once for each item in VALUES​</a:t>
             </a:r>
           </a:p>
           <a:p>
-            <a:endParaRPr lang="en-US" sz="2400" b="0" strike="noStrike" spc="-1">
-              <a:latin typeface="Courier New"/>
+            <a:endParaRPr lang="en-US" sz="2400" b="0" strike="noStrike" spc="-1" dirty="0">
+              <a:latin typeface="Liberation Mono" panose="02070409020205020404" pitchFamily="49" charset="0"/>
+              <a:cs typeface="Liberation Mono" panose="02070409020205020404" pitchFamily="49" charset="0"/>
             </a:endParaRPr>
           </a:p>
           <a:p>
             <a:r>
-              <a:rPr lang="en-US" sz="2400" b="0" strike="noStrike" spc="-1">
-                <a:latin typeface="Courier New"/>
+              <a:rPr lang="en-US" sz="2400" b="0" strike="noStrike" spc="-1" dirty="0">
+                <a:latin typeface="Liberation Mono" panose="02070409020205020404" pitchFamily="49" charset="0"/>
+                <a:cs typeface="Liberation Mono" panose="02070409020205020404" pitchFamily="49" charset="0"/>
               </a:rPr>
               <a:t> # at every iteration, var contains the corresponding item​</a:t>
             </a:r>
@@ -14056,6 +14980,14 @@
 <file path=ppt/slides/slide23.xml><?xml version="1.0" encoding="utf-8"?>
 <p:sld xmlns:a="http://schemas.openxmlformats.org/drawingml/2006/main" xmlns:r="http://schemas.openxmlformats.org/officeDocument/2006/relationships" xmlns:p="http://schemas.openxmlformats.org/presentationml/2006/main">
   <p:cSld>
+    <p:bg>
+      <p:bgPr>
+        <a:solidFill>
+          <a:srgbClr val="0CBBA2"/>
+        </a:solidFill>
+        <a:effectLst/>
+      </p:bgPr>
+    </p:bg>
     <p:spTree>
       <p:nvGrpSpPr>
         <p:cNvPr id="1" name=""/>
@@ -14072,94 +15004,251 @@
       </p:grpSpPr>
       <p:sp>
         <p:nvSpPr>
-          <p:cNvPr id="2" name="Title 1">
-            <a:extLst>
-              <a:ext uri="{FF2B5EF4-FFF2-40B4-BE49-F238E27FC236}">
-                <a16:creationId xmlns:a16="http://schemas.microsoft.com/office/drawing/2014/main" id="{3DEC1FF9-7259-49B9-B85B-B7E94599D72D}"/>
-              </a:ext>
-            </a:extLst>
-          </p:cNvPr>
-          <p:cNvSpPr>
-            <a:spLocks noGrp="1"/>
-          </p:cNvSpPr>
-          <p:nvPr>
-            <p:ph type="title"/>
-          </p:nvPr>
+          <p:cNvPr id="268" name="CustomShape 1"/>
+          <p:cNvSpPr/>
+          <p:nvPr/>
         </p:nvSpPr>
-        <p:spPr/>
+        <p:spPr>
+          <a:xfrm>
+            <a:off x="1137600" y="1112040"/>
+            <a:ext cx="10749600" cy="991080"/>
+          </a:xfrm>
+          <a:prstGeom prst="rect">
+            <a:avLst/>
+          </a:prstGeom>
+          <a:noFill/>
+          <a:ln>
+            <a:noFill/>
+          </a:ln>
+        </p:spPr>
+        <p:style>
+          <a:lnRef idx="0">
+            <a:scrgbClr r="0" g="0" b="0"/>
+          </a:lnRef>
+          <a:fillRef idx="0">
+            <a:scrgbClr r="0" g="0" b="0"/>
+          </a:fillRef>
+          <a:effectRef idx="0">
+            <a:scrgbClr r="0" g="0" b="0"/>
+          </a:effectRef>
+          <a:fontRef idx="minor"/>
+        </p:style>
         <p:txBody>
-          <a:bodyPr/>
+          <a:bodyPr lIns="0" tIns="0" rIns="0" bIns="0"/>
           <a:lstStyle/>
           <a:p>
-            <a:endParaRPr lang="en-GB"/>
+            <a:pPr>
+              <a:lnSpc>
+                <a:spcPts val="7801"/>
+              </a:lnSpc>
+            </a:pPr>
+            <a:r>
+              <a:rPr lang="en-US" sz="6500" b="0" strike="noStrike" spc="-1">
+                <a:solidFill>
+                  <a:srgbClr val="FFFFFF"/>
+                </a:solidFill>
+                <a:latin typeface="PantonW01-Bold"/>
+              </a:rPr>
+              <a:t>The for loop​</a:t>
+            </a:r>
+            <a:endParaRPr lang="en-US" sz="6500" b="0" strike="noStrike" spc="-1">
+              <a:solidFill>
+                <a:srgbClr val="FFFFFF"/>
+              </a:solidFill>
+              <a:latin typeface="Arial"/>
+            </a:endParaRPr>
           </a:p>
         </p:txBody>
       </p:sp>
       <p:sp>
         <p:nvSpPr>
-          <p:cNvPr id="3" name="Subtitle 2">
-            <a:extLst>
-              <a:ext uri="{FF2B5EF4-FFF2-40B4-BE49-F238E27FC236}">
-                <a16:creationId xmlns:a16="http://schemas.microsoft.com/office/drawing/2014/main" id="{AE1ECADE-4776-4D03-9A4F-51CB63F5AF4E}"/>
-              </a:ext>
-            </a:extLst>
-          </p:cNvPr>
-          <p:cNvSpPr>
-            <a:spLocks noGrp="1"/>
-          </p:cNvSpPr>
-          <p:nvPr>
-            <p:ph type="subTitle"/>
-          </p:nvPr>
+          <p:cNvPr id="269" name="CustomShape 2"/>
+          <p:cNvSpPr/>
+          <p:nvPr/>
         </p:nvSpPr>
-        <p:spPr/>
+        <p:spPr>
+          <a:xfrm>
+            <a:off x="1645920" y="2555280"/>
+            <a:ext cx="12710160" cy="6040080"/>
+          </a:xfrm>
+          <a:prstGeom prst="rect">
+            <a:avLst/>
+          </a:prstGeom>
+          <a:solidFill>
+            <a:srgbClr val="FFFFFF"/>
+          </a:solidFill>
+          <a:ln>
+            <a:solidFill>
+              <a:srgbClr val="3465A4"/>
+            </a:solidFill>
+          </a:ln>
+        </p:spPr>
+        <p:style>
+          <a:lnRef idx="0">
+            <a:scrgbClr r="0" g="0" b="0"/>
+          </a:lnRef>
+          <a:fillRef idx="0">
+            <a:scrgbClr r="0" g="0" b="0"/>
+          </a:fillRef>
+          <a:effectRef idx="0">
+            <a:scrgbClr r="0" g="0" b="0"/>
+          </a:effectRef>
+          <a:fontRef idx="minor"/>
+        </p:style>
+      </p:sp>
+      <p:sp>
+        <p:nvSpPr>
+          <p:cNvPr id="270" name="TextShape 3"/>
+          <p:cNvSpPr txBox="1"/>
+          <p:nvPr/>
+        </p:nvSpPr>
+        <p:spPr>
+          <a:xfrm>
+            <a:off x="1937160" y="2926080"/>
+            <a:ext cx="12236040" cy="5877720"/>
+          </a:xfrm>
+          <a:prstGeom prst="rect">
+            <a:avLst/>
+          </a:prstGeom>
+          <a:noFill/>
+          <a:ln>
+            <a:noFill/>
+          </a:ln>
+        </p:spPr>
         <p:txBody>
-          <a:bodyPr/>
+          <a:bodyPr lIns="90000" tIns="45000" rIns="90000" bIns="45000"/>
           <a:lstStyle/>
           <a:p>
-            <a:endParaRPr lang="en-GB"/>
+            <a:r>
+              <a:rPr lang="en-US" sz="2400" b="0" strike="noStrike" spc="-1" dirty="0">
+                <a:latin typeface="Liberation Mono" panose="02070409020205020404" pitchFamily="49" charset="0"/>
+                <a:cs typeface="Liberation Mono" panose="02070409020205020404" pitchFamily="49" charset="0"/>
+              </a:rPr>
+              <a:t>for </a:t>
+            </a:r>
+            <a:r>
+              <a:rPr lang="en-US" sz="2400" b="0" strike="noStrike" spc="-1" dirty="0" err="1">
+                <a:latin typeface="Liberation Mono" panose="02070409020205020404" pitchFamily="49" charset="0"/>
+                <a:cs typeface="Liberation Mono" panose="02070409020205020404" pitchFamily="49" charset="0"/>
+              </a:rPr>
+              <a:t>i</a:t>
+            </a:r>
+            <a:r>
+              <a:rPr lang="en-US" sz="2400" b="0" strike="noStrike" spc="-1" dirty="0">
+                <a:latin typeface="Liberation Mono" panose="02070409020205020404" pitchFamily="49" charset="0"/>
+                <a:cs typeface="Liberation Mono" panose="02070409020205020404" pitchFamily="49" charset="0"/>
+              </a:rPr>
+              <a:t> in range(0,10):​</a:t>
+            </a:r>
+          </a:p>
+          <a:p>
+            <a:endParaRPr lang="en-US" sz="2400" b="0" strike="noStrike" spc="-1" dirty="0">
+              <a:latin typeface="Liberation Mono" panose="02070409020205020404" pitchFamily="49" charset="0"/>
+              <a:cs typeface="Liberation Mono" panose="02070409020205020404" pitchFamily="49" charset="0"/>
+            </a:endParaRPr>
+          </a:p>
+          <a:p>
+            <a:r>
+              <a:rPr lang="en-US" sz="2400" b="0" strike="noStrike" spc="-1" dirty="0">
+                <a:latin typeface="Liberation Mono" panose="02070409020205020404" pitchFamily="49" charset="0"/>
+                <a:cs typeface="Liberation Mono" panose="02070409020205020404" pitchFamily="49" charset="0"/>
+              </a:rPr>
+              <a:t> print(</a:t>
+            </a:r>
+            <a:r>
+              <a:rPr lang="en-US" sz="2400" b="0" strike="noStrike" spc="-1" dirty="0" err="1">
+                <a:latin typeface="Liberation Mono" panose="02070409020205020404" pitchFamily="49" charset="0"/>
+                <a:cs typeface="Liberation Mono" panose="02070409020205020404" pitchFamily="49" charset="0"/>
+              </a:rPr>
+              <a:t>i</a:t>
+            </a:r>
+            <a:r>
+              <a:rPr lang="en-US" sz="2400" b="0" strike="noStrike" spc="-1" dirty="0">
+                <a:latin typeface="Liberation Mono" panose="02070409020205020404" pitchFamily="49" charset="0"/>
+                <a:cs typeface="Liberation Mono" panose="02070409020205020404" pitchFamily="49" charset="0"/>
+              </a:rPr>
+              <a:t>)​</a:t>
+            </a:r>
+          </a:p>
+          <a:p>
+            <a:endParaRPr lang="en-US" sz="2400" b="0" strike="noStrike" spc="-1" dirty="0">
+              <a:latin typeface="Liberation Mono" panose="02070409020205020404" pitchFamily="49" charset="0"/>
+              <a:cs typeface="Liberation Mono" panose="02070409020205020404" pitchFamily="49" charset="0"/>
+            </a:endParaRPr>
+          </a:p>
+          <a:p>
+            <a:r>
+              <a:rPr lang="en-US" sz="2400" b="0" strike="noStrike" spc="-1" dirty="0">
+                <a:latin typeface="Liberation Mono" panose="02070409020205020404" pitchFamily="49" charset="0"/>
+                <a:cs typeface="Liberation Mono" panose="02070409020205020404" pitchFamily="49" charset="0"/>
+              </a:rPr>
+              <a:t>​</a:t>
+            </a:r>
+          </a:p>
+          <a:p>
+            <a:endParaRPr lang="en-US" sz="2400" b="0" strike="noStrike" spc="-1" dirty="0">
+              <a:latin typeface="Liberation Mono" panose="02070409020205020404" pitchFamily="49" charset="0"/>
+              <a:cs typeface="Liberation Mono" panose="02070409020205020404" pitchFamily="49" charset="0"/>
+            </a:endParaRPr>
+          </a:p>
+          <a:p>
+            <a:r>
+              <a:rPr lang="en-US" sz="2400" b="0" strike="noStrike" spc="-1" dirty="0">
+                <a:latin typeface="Liberation Mono" panose="02070409020205020404" pitchFamily="49" charset="0"/>
+                <a:cs typeface="Liberation Mono" panose="02070409020205020404" pitchFamily="49" charset="0"/>
+              </a:rPr>
+              <a:t>for a in [“world”, “Laos”, “Vientiane”]:​</a:t>
+            </a:r>
+          </a:p>
+          <a:p>
+            <a:endParaRPr lang="en-US" sz="2400" b="0" strike="noStrike" spc="-1" dirty="0">
+              <a:latin typeface="Liberation Mono" panose="02070409020205020404" pitchFamily="49" charset="0"/>
+              <a:cs typeface="Liberation Mono" panose="02070409020205020404" pitchFamily="49" charset="0"/>
+            </a:endParaRPr>
+          </a:p>
+          <a:p>
+            <a:r>
+              <a:rPr lang="en-US" sz="2400" b="0" strike="noStrike" spc="-1" dirty="0">
+                <a:latin typeface="Liberation Mono" panose="02070409020205020404" pitchFamily="49" charset="0"/>
+                <a:cs typeface="Liberation Mono" panose="02070409020205020404" pitchFamily="49" charset="0"/>
+              </a:rPr>
+              <a:t> print(“hello, “+a)​</a:t>
+            </a:r>
           </a:p>
         </p:txBody>
       </p:sp>
-      <p:pic>
-        <p:nvPicPr>
-          <p:cNvPr id="5" name="Picture 4">
-            <a:extLst>
-              <a:ext uri="{FF2B5EF4-FFF2-40B4-BE49-F238E27FC236}">
-                <a16:creationId xmlns:a16="http://schemas.microsoft.com/office/drawing/2014/main" id="{D808AED3-807A-4729-BE20-0B00B2D84053}"/>
-              </a:ext>
-            </a:extLst>
-          </p:cNvPr>
-          <p:cNvPicPr>
-            <a:picLocks noChangeAspect="1"/>
-          </p:cNvPicPr>
-          <p:nvPr/>
-        </p:nvPicPr>
-        <p:blipFill>
-          <a:blip r:embed="rId2"/>
-          <a:stretch>
-            <a:fillRect/>
-          </a:stretch>
-        </p:blipFill>
-        <p:spPr>
-          <a:xfrm>
-            <a:off x="5843127" y="1866442"/>
-            <a:ext cx="6601746" cy="6554115"/>
-          </a:xfrm>
-          <a:prstGeom prst="rect">
-            <a:avLst/>
-          </a:prstGeom>
-        </p:spPr>
-      </p:pic>
     </p:spTree>
-    <p:extLst>
-      <p:ext uri="{BB962C8B-B14F-4D97-AF65-F5344CB8AC3E}">
-        <p14:creationId xmlns:p14="http://schemas.microsoft.com/office/powerpoint/2010/main" val="3074774600"/>
-      </p:ext>
-    </p:extLst>
   </p:cSld>
   <p:clrMapOvr>
     <a:masterClrMapping/>
   </p:clrMapOvr>
+  <p:timing>
+    <p:tnLst>
+      <p:par>
+        <p:cTn id="1" dur="indefinite" restart="never" nodeType="tmRoot">
+          <p:childTnLst>
+            <p:seq>
+              <p:cTn id="2" dur="indefinite" nodeType="mainSeq"/>
+              <p:prevCondLst>
+                <p:cond evt="onPrev" delay="0">
+                  <p:tgtEl>
+                    <p:sldTgt/>
+                  </p:tgtEl>
+                </p:cond>
+              </p:prevCondLst>
+              <p:nextCondLst>
+                <p:cond evt="onNext" delay="0">
+                  <p:tgtEl>
+                    <p:sldTgt/>
+                  </p:tgtEl>
+                </p:cond>
+              </p:nextCondLst>
+            </p:seq>
+          </p:childTnLst>
+        </p:cTn>
+      </p:par>
+    </p:tnLst>
+  </p:timing>
 </p:sld>
 </file>
 
@@ -14188,16 +15277,39 @@
           <a:chExt cx="0" cy="0"/>
         </a:xfrm>
       </p:grpSpPr>
+      <p:pic>
+        <p:nvPicPr>
+          <p:cNvPr id="271" name="Picture 2"/>
+          <p:cNvPicPr/>
+          <p:nvPr/>
+        </p:nvPicPr>
+        <p:blipFill>
+          <a:blip r:embed="rId2"/>
+          <a:stretch/>
+        </p:blipFill>
+        <p:spPr>
+          <a:xfrm>
+            <a:off x="15002786" y="-5422772"/>
+            <a:ext cx="13394880" cy="14333040"/>
+          </a:xfrm>
+          <a:prstGeom prst="rect">
+            <a:avLst/>
+          </a:prstGeom>
+          <a:ln>
+            <a:noFill/>
+          </a:ln>
+        </p:spPr>
+      </p:pic>
       <p:sp>
         <p:nvSpPr>
-          <p:cNvPr id="268" name="CustomShape 1"/>
+          <p:cNvPr id="272" name="CustomShape 1"/>
           <p:cNvSpPr/>
           <p:nvPr/>
         </p:nvSpPr>
         <p:spPr>
           <a:xfrm>
-            <a:off x="1137600" y="1112040"/>
-            <a:ext cx="10749600" cy="991080"/>
+            <a:off x="1097280" y="365760"/>
+            <a:ext cx="10562040" cy="1676880"/>
           </a:xfrm>
           <a:prstGeom prst="rect">
             <a:avLst/>
@@ -14225,22 +15337,19 @@
           <a:p>
             <a:pPr>
               <a:lnSpc>
-                <a:spcPts val="7801"/>
+                <a:spcPts val="13201"/>
               </a:lnSpc>
             </a:pPr>
             <a:r>
-              <a:rPr lang="en-US" sz="6500" b="0" strike="noStrike" spc="-1">
+              <a:rPr lang="en-US" sz="8000" b="0" strike="noStrike" spc="-1">
                 <a:solidFill>
                   <a:srgbClr val="FFFFFF"/>
                 </a:solidFill>
                 <a:latin typeface="PantonW01-Bold"/>
               </a:rPr>
-              <a:t>The for loop​</a:t>
-            </a:r>
-            <a:endParaRPr lang="en-US" sz="6500" b="0" strike="noStrike" spc="-1">
-              <a:solidFill>
-                <a:srgbClr val="FFFFFF"/>
-              </a:solidFill>
+              <a:t>Exercises​</a:t>
+            </a:r>
+            <a:endParaRPr lang="en-US" sz="8000" b="0" strike="noStrike" spc="-1">
               <a:latin typeface="Arial"/>
             </a:endParaRPr>
           </a:p>
@@ -14248,25 +15357,21 @@
       </p:sp>
       <p:sp>
         <p:nvSpPr>
-          <p:cNvPr id="269" name="CustomShape 2"/>
+          <p:cNvPr id="273" name="CustomShape 2"/>
           <p:cNvSpPr/>
           <p:nvPr/>
         </p:nvSpPr>
         <p:spPr>
           <a:xfrm>
-            <a:off x="1645920" y="2555280"/>
-            <a:ext cx="12710160" cy="6040080"/>
-          </a:xfrm>
-          <a:prstGeom prst="rect">
-            <a:avLst/>
-          </a:prstGeom>
-          <a:solidFill>
-            <a:srgbClr val="FFFFFF"/>
-          </a:solidFill>
+            <a:off x="11247120" y="8961120"/>
+            <a:ext cx="6712920" cy="989640"/>
+          </a:xfrm>
+          <a:prstGeom prst="rect">
+            <a:avLst/>
+          </a:prstGeom>
+          <a:noFill/>
           <a:ln>
-            <a:solidFill>
-              <a:srgbClr val="3465A4"/>
-            </a:solidFill>
+            <a:noFill/>
           </a:ln>
         </p:spPr>
         <p:style>
@@ -14281,17 +15386,101 @@
           </a:effectRef>
           <a:fontRef idx="minor"/>
         </p:style>
+        <p:txBody>
+          <a:bodyPr lIns="0" tIns="0" rIns="0" bIns="0"/>
+          <a:lstStyle/>
+          <a:p>
+            <a:pPr algn="r">
+              <a:lnSpc>
+                <a:spcPts val="3898"/>
+              </a:lnSpc>
+            </a:pPr>
+            <a:r>
+              <a:rPr lang="en-US" sz="3000" b="0" strike="noStrike" spc="-1" dirty="0">
+                <a:solidFill>
+                  <a:srgbClr val="FFFFFF"/>
+                </a:solidFill>
+                <a:latin typeface="PantonW01-SemiBold"/>
+              </a:rPr>
+              <a:t>Feel free to send in any questions to workshops@makerbox.la</a:t>
+            </a:r>
+            <a:endParaRPr lang="en-US" sz="3000" b="0" strike="noStrike" spc="-1" dirty="0">
+              <a:latin typeface="Arial"/>
+            </a:endParaRPr>
+          </a:p>
+        </p:txBody>
+      </p:sp>
+      <p:pic>
+        <p:nvPicPr>
+          <p:cNvPr id="274" name="Picture 5"/>
+          <p:cNvPicPr/>
+          <p:nvPr/>
+        </p:nvPicPr>
+        <p:blipFill>
+          <a:blip r:embed="rId3"/>
+          <a:stretch/>
+        </p:blipFill>
+        <p:spPr>
+          <a:xfrm rot="2700000">
+            <a:off x="-9266040" y="4588560"/>
+            <a:ext cx="11796840" cy="7815240"/>
+          </a:xfrm>
+          <a:prstGeom prst="rect">
+            <a:avLst/>
+          </a:prstGeom>
+          <a:ln>
+            <a:noFill/>
+          </a:ln>
+        </p:spPr>
+      </p:pic>
+      <p:sp>
+        <p:nvSpPr>
+          <p:cNvPr id="275" name="TextShape 3"/>
+          <p:cNvSpPr txBox="1"/>
+          <p:nvPr/>
+        </p:nvSpPr>
+        <p:spPr>
+          <a:xfrm>
+            <a:off x="2420640" y="2844000"/>
+            <a:ext cx="13133888" cy="521640"/>
+          </a:xfrm>
+          <a:prstGeom prst="rect">
+            <a:avLst/>
+          </a:prstGeom>
+          <a:noFill/>
+          <a:ln>
+            <a:noFill/>
+          </a:ln>
+        </p:spPr>
+        <p:txBody>
+          <a:bodyPr lIns="90000" tIns="45000" rIns="90000" bIns="45000"/>
+          <a:lstStyle/>
+          <a:p>
+            <a:r>
+              <a:rPr lang="en-US" sz="2800" b="0" strike="noStrike" spc="-1" dirty="0">
+                <a:solidFill>
+                  <a:srgbClr val="FFFFFF"/>
+                </a:solidFill>
+                <a:latin typeface="PantonW01-Regular"/>
+              </a:rPr>
+              <a:t>Takes an integer from the user, prints all odd numbers smaller than this number</a:t>
+            </a:r>
+            <a:endParaRPr lang="en-US" sz="2800" b="0" strike="noStrike" spc="-1" dirty="0">
+              <a:latin typeface="Arial"/>
+            </a:endParaRPr>
+          </a:p>
+        </p:txBody>
       </p:sp>
       <p:sp>
         <p:nvSpPr>
-          <p:cNvPr id="270" name="TextShape 3"/>
+          <p:cNvPr id="276" name="TextShape 4"/>
           <p:cNvSpPr txBox="1"/>
           <p:nvPr/>
         </p:nvSpPr>
         <p:spPr>
           <a:xfrm>
-            <a:off x="1937160" y="2926080"/>
-            <a:ext cx="12236040" cy="5877720"/>
+            <a:off x="2420640" y="3480120"/>
+            <a:ext cx="10262160" cy="486720"/>
           </a:xfrm>
           <a:prstGeom prst="rect">
             <a:avLst/>
@@ -14306,62 +15495,684 @@
           <a:lstStyle/>
           <a:p>
             <a:r>
-              <a:rPr lang="en-US" sz="2400" b="0" strike="noStrike" spc="-1">
-                <a:latin typeface="Courier New"/>
-              </a:rPr>
-              <a:t>for i in range(0,10):​</a:t>
-            </a:r>
-          </a:p>
-          <a:p>
-            <a:endParaRPr lang="en-US" sz="2400" b="0" strike="noStrike" spc="-1">
-              <a:latin typeface="Courier New"/>
+              <a:rPr lang="en-US" sz="2800" b="0" strike="noStrike" spc="-1" dirty="0">
+                <a:solidFill>
+                  <a:srgbClr val="FFFFFF"/>
+                </a:solidFill>
+                <a:latin typeface="PantonW01-Regular" panose="01000000000000000000" pitchFamily="50" charset="0"/>
+              </a:rPr>
+              <a:t>Takes 10 integers from the user, counts the number of odd ones​</a:t>
+            </a:r>
+            <a:endParaRPr lang="en-US" sz="2800" b="0" strike="noStrike" spc="-1" dirty="0">
+              <a:latin typeface="PantonW01-Regular" panose="01000000000000000000" pitchFamily="50" charset="0"/>
             </a:endParaRPr>
           </a:p>
-          <a:p>
-            <a:r>
-              <a:rPr lang="en-US" sz="2400" b="0" strike="noStrike" spc="-1">
-                <a:latin typeface="Courier New"/>
-              </a:rPr>
-              <a:t> print(i)​</a:t>
-            </a:r>
-          </a:p>
-          <a:p>
-            <a:endParaRPr lang="en-US" sz="2400" b="0" strike="noStrike" spc="-1">
-              <a:latin typeface="Courier New"/>
+        </p:txBody>
+      </p:sp>
+      <p:sp>
+        <p:nvSpPr>
+          <p:cNvPr id="277" name="TextShape 5"/>
+          <p:cNvSpPr txBox="1"/>
+          <p:nvPr/>
+        </p:nvSpPr>
+        <p:spPr>
+          <a:xfrm>
+            <a:off x="2421000" y="4050360"/>
+            <a:ext cx="8643240" cy="910440"/>
+          </a:xfrm>
+          <a:prstGeom prst="rect">
+            <a:avLst/>
+          </a:prstGeom>
+          <a:noFill/>
+          <a:ln>
+            <a:noFill/>
+          </a:ln>
+        </p:spPr>
+        <p:txBody>
+          <a:bodyPr lIns="90000" tIns="45000" rIns="90000" bIns="45000"/>
+          <a:lstStyle/>
+          <a:p>
+            <a:r>
+              <a:rPr lang="en-US" sz="2800" b="0" strike="noStrike" spc="-1" dirty="0">
+                <a:solidFill>
+                  <a:srgbClr val="FFFFFF"/>
+                </a:solidFill>
+                <a:latin typeface="PantonW01-Regular" panose="01000000000000000000" pitchFamily="50" charset="0"/>
+              </a:rPr>
+              <a:t>Prints all integers from 0 to 10 except 3 and 6</a:t>
+            </a:r>
+            <a:endParaRPr lang="en-US" sz="2800" b="0" strike="noStrike" spc="-1" dirty="0">
+              <a:latin typeface="PantonW01-Regular" panose="01000000000000000000" pitchFamily="50" charset="0"/>
             </a:endParaRPr>
           </a:p>
-          <a:p>
-            <a:r>
-              <a:rPr lang="en-US" sz="2400" b="0" strike="noStrike" spc="-1">
-                <a:latin typeface="Courier New"/>
-              </a:rPr>
-              <a:t>​</a:t>
-            </a:r>
-          </a:p>
-          <a:p>
-            <a:endParaRPr lang="en-US" sz="2400" b="0" strike="noStrike" spc="-1">
-              <a:latin typeface="Courier New"/>
+        </p:txBody>
+      </p:sp>
+      <p:pic>
+        <p:nvPicPr>
+          <p:cNvPr id="278" name="Picture 13"/>
+          <p:cNvPicPr/>
+          <p:nvPr/>
+        </p:nvPicPr>
+        <p:blipFill>
+          <a:blip r:embed="rId4">
+            <a:biLevel thresh="25000"/>
+          </a:blip>
+          <a:srcRect l="17321" t="8728" r="2549" b="13503"/>
+          <a:stretch/>
+        </p:blipFill>
+        <p:spPr>
+          <a:xfrm>
+            <a:off x="2037600" y="2902680"/>
+            <a:ext cx="291600" cy="308160"/>
+          </a:xfrm>
+          <a:prstGeom prst="rect">
+            <a:avLst/>
+          </a:prstGeom>
+          <a:ln>
+            <a:noFill/>
+          </a:ln>
+        </p:spPr>
+      </p:pic>
+      <p:pic>
+        <p:nvPicPr>
+          <p:cNvPr id="279" name="Picture 13"/>
+          <p:cNvPicPr/>
+          <p:nvPr/>
+        </p:nvPicPr>
+        <p:blipFill>
+          <a:blip r:embed="rId4">
+            <a:biLevel thresh="25000"/>
+          </a:blip>
+          <a:srcRect l="17321" t="8728" r="2549" b="13503"/>
+          <a:stretch/>
+        </p:blipFill>
+        <p:spPr>
+          <a:xfrm>
+            <a:off x="2037600" y="3576600"/>
+            <a:ext cx="291600" cy="308160"/>
+          </a:xfrm>
+          <a:prstGeom prst="rect">
+            <a:avLst/>
+          </a:prstGeom>
+          <a:ln>
+            <a:noFill/>
+          </a:ln>
+        </p:spPr>
+      </p:pic>
+      <p:pic>
+        <p:nvPicPr>
+          <p:cNvPr id="280" name="Picture 13"/>
+          <p:cNvPicPr/>
+          <p:nvPr/>
+        </p:nvPicPr>
+        <p:blipFill>
+          <a:blip r:embed="rId4">
+            <a:biLevel thresh="25000"/>
+          </a:blip>
+          <a:srcRect l="17321" t="8728" r="2549" b="13503"/>
+          <a:stretch/>
+        </p:blipFill>
+        <p:spPr>
+          <a:xfrm>
+            <a:off x="2037600" y="4141800"/>
+            <a:ext cx="291600" cy="308160"/>
+          </a:xfrm>
+          <a:prstGeom prst="rect">
+            <a:avLst/>
+          </a:prstGeom>
+          <a:ln>
+            <a:noFill/>
+          </a:ln>
+        </p:spPr>
+      </p:pic>
+      <p:sp>
+        <p:nvSpPr>
+          <p:cNvPr id="281" name="TextShape 6"/>
+          <p:cNvSpPr txBox="1"/>
+          <p:nvPr/>
+        </p:nvSpPr>
+        <p:spPr>
+          <a:xfrm>
+            <a:off x="2421000" y="4626720"/>
+            <a:ext cx="8643240" cy="910440"/>
+          </a:xfrm>
+          <a:prstGeom prst="rect">
+            <a:avLst/>
+          </a:prstGeom>
+          <a:noFill/>
+          <a:ln>
+            <a:noFill/>
+          </a:ln>
+        </p:spPr>
+        <p:txBody>
+          <a:bodyPr lIns="90000" tIns="45000" rIns="90000" bIns="45000"/>
+          <a:lstStyle/>
+          <a:p>
+            <a:r>
+              <a:rPr lang="en-US" sz="2800" b="0" strike="noStrike" spc="-1" dirty="0">
+                <a:solidFill>
+                  <a:srgbClr val="FFFFFF"/>
+                </a:solidFill>
+                <a:latin typeface="PantonW01-Regular" panose="01000000000000000000" pitchFamily="50" charset="0"/>
+              </a:rPr>
+              <a:t>Chooses a random integer:​</a:t>
+            </a:r>
+            <a:endParaRPr lang="en-US" sz="2800" b="0" strike="noStrike" spc="-1" dirty="0">
+              <a:latin typeface="PantonW01-Regular" panose="01000000000000000000" pitchFamily="50" charset="0"/>
             </a:endParaRPr>
           </a:p>
-          <a:p>
-            <a:r>
-              <a:rPr lang="en-US" sz="2400" b="0" strike="noStrike" spc="-1">
-                <a:latin typeface="Courier New"/>
-              </a:rPr>
-              <a:t>for a in [“world”, “Laos”, “Vientiane”]:​</a:t>
-            </a:r>
-          </a:p>
-          <a:p>
-            <a:endParaRPr lang="en-US" sz="2400" b="0" strike="noStrike" spc="-1">
-              <a:latin typeface="Courier New"/>
+        </p:txBody>
+      </p:sp>
+      <p:pic>
+        <p:nvPicPr>
+          <p:cNvPr id="282" name="Picture 13"/>
+          <p:cNvPicPr/>
+          <p:nvPr/>
+        </p:nvPicPr>
+        <p:blipFill>
+          <a:blip r:embed="rId4">
+            <a:biLevel thresh="25000"/>
+          </a:blip>
+          <a:srcRect l="17321" t="8728" r="2549" b="13503"/>
+          <a:stretch/>
+        </p:blipFill>
+        <p:spPr>
+          <a:xfrm>
+            <a:off x="2037600" y="4718160"/>
+            <a:ext cx="291600" cy="308160"/>
+          </a:xfrm>
+          <a:prstGeom prst="rect">
+            <a:avLst/>
+          </a:prstGeom>
+          <a:ln>
+            <a:noFill/>
+          </a:ln>
+        </p:spPr>
+      </p:pic>
+      <p:sp>
+        <p:nvSpPr>
+          <p:cNvPr id="283" name="TextShape 7"/>
+          <p:cNvSpPr txBox="1"/>
+          <p:nvPr/>
+        </p:nvSpPr>
+        <p:spPr>
+          <a:xfrm>
+            <a:off x="2421000" y="6967080"/>
+            <a:ext cx="8643240" cy="910440"/>
+          </a:xfrm>
+          <a:prstGeom prst="rect">
+            <a:avLst/>
+          </a:prstGeom>
+          <a:noFill/>
+          <a:ln>
+            <a:noFill/>
+          </a:ln>
+        </p:spPr>
+        <p:txBody>
+          <a:bodyPr lIns="90000" tIns="45000" rIns="90000" bIns="45000"/>
+          <a:lstStyle/>
+          <a:p>
+            <a:r>
+              <a:rPr lang="en-US" sz="2800" b="0" strike="noStrike" spc="-1" dirty="0">
+                <a:solidFill>
+                  <a:srgbClr val="FFFFFF"/>
+                </a:solidFill>
+                <a:latin typeface="PantonW01-Regular" panose="01000000000000000000" pitchFamily="50" charset="0"/>
+              </a:rPr>
+              <a:t>Prints the following pattern using 2 for loops:</a:t>
+            </a:r>
+            <a:endParaRPr lang="en-US" sz="2800" b="0" strike="noStrike" spc="-1" dirty="0">
+              <a:latin typeface="PantonW01-Regular" panose="01000000000000000000" pitchFamily="50" charset="0"/>
             </a:endParaRPr>
           </a:p>
-          <a:p>
-            <a:r>
-              <a:rPr lang="en-US" sz="2400" b="0" strike="noStrike" spc="-1">
-                <a:latin typeface="Courier New"/>
-              </a:rPr>
-              <a:t> print(“hello, “+a)​</a:t>
+        </p:txBody>
+      </p:sp>
+      <p:pic>
+        <p:nvPicPr>
+          <p:cNvPr id="284" name="Picture 13"/>
+          <p:cNvPicPr/>
+          <p:nvPr/>
+        </p:nvPicPr>
+        <p:blipFill>
+          <a:blip r:embed="rId4">
+            <a:biLevel thresh="25000"/>
+          </a:blip>
+          <a:srcRect l="17321" t="8728" r="2549" b="13503"/>
+          <a:stretch/>
+        </p:blipFill>
+        <p:spPr>
+          <a:xfrm>
+            <a:off x="2037600" y="7058520"/>
+            <a:ext cx="291600" cy="308160"/>
+          </a:xfrm>
+          <a:prstGeom prst="rect">
+            <a:avLst/>
+          </a:prstGeom>
+          <a:ln>
+            <a:noFill/>
+          </a:ln>
+        </p:spPr>
+      </p:pic>
+      <p:sp>
+        <p:nvSpPr>
+          <p:cNvPr id="285" name="TextShape 8"/>
+          <p:cNvSpPr txBox="1"/>
+          <p:nvPr/>
+        </p:nvSpPr>
+        <p:spPr>
+          <a:xfrm>
+            <a:off x="2925000" y="5383440"/>
+            <a:ext cx="8643240" cy="910440"/>
+          </a:xfrm>
+          <a:prstGeom prst="rect">
+            <a:avLst/>
+          </a:prstGeom>
+          <a:noFill/>
+          <a:ln>
+            <a:noFill/>
+          </a:ln>
+        </p:spPr>
+        <p:txBody>
+          <a:bodyPr lIns="90000" tIns="45000" rIns="90000" bIns="45000"/>
+          <a:lstStyle/>
+          <a:p>
+            <a:pPr>
+              <a:lnSpc>
+                <a:spcPts val="1440"/>
+              </a:lnSpc>
+            </a:pPr>
+            <a:r>
+              <a:rPr lang="en-US" sz="2800" b="0" strike="noStrike" spc="-1" dirty="0">
+                <a:solidFill>
+                  <a:srgbClr val="FFFFFF"/>
+                </a:solidFill>
+                <a:latin typeface="Liberation Mono" panose="02070409020205020404" pitchFamily="49" charset="0"/>
+                <a:cs typeface="Liberation Mono" panose="02070409020205020404" pitchFamily="49" charset="0"/>
+              </a:rPr>
+              <a:t>import random​</a:t>
+            </a:r>
+            <a:endParaRPr lang="en-US" sz="2800" b="0" strike="noStrike" spc="-1" dirty="0">
+              <a:latin typeface="Liberation Mono" panose="02070409020205020404" pitchFamily="49" charset="0"/>
+              <a:cs typeface="Liberation Mono" panose="02070409020205020404" pitchFamily="49" charset="0"/>
+            </a:endParaRPr>
+          </a:p>
+          <a:p>
+            <a:pPr>
+              <a:lnSpc>
+                <a:spcPts val="1440"/>
+              </a:lnSpc>
+            </a:pPr>
+            <a:endParaRPr lang="en-US" sz="2800" b="0" strike="noStrike" spc="-1" dirty="0">
+              <a:latin typeface="Liberation Mono" panose="02070409020205020404" pitchFamily="49" charset="0"/>
+              <a:cs typeface="Liberation Mono" panose="02070409020205020404" pitchFamily="49" charset="0"/>
+            </a:endParaRPr>
+          </a:p>
+          <a:p>
+            <a:pPr>
+              <a:lnSpc>
+                <a:spcPts val="1440"/>
+              </a:lnSpc>
+            </a:pPr>
+            <a:r>
+              <a:rPr lang="en-US" sz="2800" b="0" strike="noStrike" spc="-1" dirty="0" err="1">
+                <a:solidFill>
+                  <a:srgbClr val="FFFFFF"/>
+                </a:solidFill>
+                <a:latin typeface="Liberation Mono" panose="02070409020205020404" pitchFamily="49" charset="0"/>
+                <a:cs typeface="Liberation Mono" panose="02070409020205020404" pitchFamily="49" charset="0"/>
+              </a:rPr>
+              <a:t>Toguess</a:t>
+            </a:r>
+            <a:r>
+              <a:rPr lang="en-US" sz="2800" b="0" strike="noStrike" spc="-1" dirty="0">
+                <a:solidFill>
+                  <a:srgbClr val="FFFFFF"/>
+                </a:solidFill>
+                <a:latin typeface="Liberation Mono" panose="02070409020205020404" pitchFamily="49" charset="0"/>
+                <a:cs typeface="Liberation Mono" panose="02070409020205020404" pitchFamily="49" charset="0"/>
+              </a:rPr>
+              <a:t>= </a:t>
+            </a:r>
+            <a:r>
+              <a:rPr lang="en-US" sz="2800" b="0" strike="noStrike" spc="-1" dirty="0" err="1">
+                <a:solidFill>
+                  <a:srgbClr val="FFFFFF"/>
+                </a:solidFill>
+                <a:latin typeface="Liberation Mono" panose="02070409020205020404" pitchFamily="49" charset="0"/>
+                <a:cs typeface="Liberation Mono" panose="02070409020205020404" pitchFamily="49" charset="0"/>
+              </a:rPr>
+              <a:t>random.randint</a:t>
+            </a:r>
+            <a:r>
+              <a:rPr lang="en-US" sz="2800" b="0" strike="noStrike" spc="-1" dirty="0">
+                <a:solidFill>
+                  <a:srgbClr val="FFFFFF"/>
+                </a:solidFill>
+                <a:latin typeface="Liberation Mono" panose="02070409020205020404" pitchFamily="49" charset="0"/>
+                <a:cs typeface="Liberation Mono" panose="02070409020205020404" pitchFamily="49" charset="0"/>
+              </a:rPr>
+              <a:t>(0,10) </a:t>
+            </a:r>
+            <a:endParaRPr lang="en-US" sz="2800" b="0" strike="noStrike" spc="-1" dirty="0">
+              <a:latin typeface="Liberation Mono" panose="02070409020205020404" pitchFamily="49" charset="0"/>
+              <a:cs typeface="Liberation Mono" panose="02070409020205020404" pitchFamily="49" charset="0"/>
+            </a:endParaRPr>
+          </a:p>
+        </p:txBody>
+      </p:sp>
+      <p:pic>
+        <p:nvPicPr>
+          <p:cNvPr id="286" name="Picture 13"/>
+          <p:cNvPicPr/>
+          <p:nvPr/>
+        </p:nvPicPr>
+        <p:blipFill>
+          <a:blip r:embed="rId4">
+            <a:biLevel thresh="25000"/>
+          </a:blip>
+          <a:srcRect l="17321" t="8728" r="2549" b="13503"/>
+          <a:stretch/>
+        </p:blipFill>
+        <p:spPr>
+          <a:xfrm>
+            <a:off x="2541600" y="5258880"/>
+            <a:ext cx="291600" cy="308160"/>
+          </a:xfrm>
+          <a:prstGeom prst="rect">
+            <a:avLst/>
+          </a:prstGeom>
+          <a:ln>
+            <a:noFill/>
+          </a:ln>
+        </p:spPr>
+      </p:pic>
+      <p:sp>
+        <p:nvSpPr>
+          <p:cNvPr id="287" name="TextShape 9"/>
+          <p:cNvSpPr txBox="1"/>
+          <p:nvPr/>
+        </p:nvSpPr>
+        <p:spPr>
+          <a:xfrm>
+            <a:off x="2925000" y="6067080"/>
+            <a:ext cx="8643240" cy="910440"/>
+          </a:xfrm>
+          <a:prstGeom prst="rect">
+            <a:avLst/>
+          </a:prstGeom>
+          <a:noFill/>
+          <a:ln>
+            <a:noFill/>
+          </a:ln>
+        </p:spPr>
+        <p:txBody>
+          <a:bodyPr lIns="90000" tIns="45000" rIns="90000" bIns="45000"/>
+          <a:lstStyle/>
+          <a:p>
+            <a:r>
+              <a:rPr lang="en-US" sz="2800" b="0" strike="noStrike" spc="-1" dirty="0">
+                <a:solidFill>
+                  <a:srgbClr val="FFFFFF"/>
+                </a:solidFill>
+                <a:latin typeface="PantonW01-Regular" panose="01000000000000000000" pitchFamily="50" charset="0"/>
+              </a:rPr>
+              <a:t>And gives the user 3 tries to guess it​</a:t>
+            </a:r>
+            <a:endParaRPr lang="en-US" sz="2800" b="0" strike="noStrike" spc="-1" dirty="0">
+              <a:latin typeface="PantonW01-Regular" panose="01000000000000000000" pitchFamily="50" charset="0"/>
+            </a:endParaRPr>
+          </a:p>
+        </p:txBody>
+      </p:sp>
+      <p:pic>
+        <p:nvPicPr>
+          <p:cNvPr id="288" name="Picture 13"/>
+          <p:cNvPicPr/>
+          <p:nvPr/>
+        </p:nvPicPr>
+        <p:blipFill>
+          <a:blip r:embed="rId4">
+            <a:biLevel thresh="25000"/>
+          </a:blip>
+          <a:srcRect l="17321" t="8728" r="2549" b="13503"/>
+          <a:stretch/>
+        </p:blipFill>
+        <p:spPr>
+          <a:xfrm>
+            <a:off x="2541600" y="6158520"/>
+            <a:ext cx="291600" cy="308160"/>
+          </a:xfrm>
+          <a:prstGeom prst="rect">
+            <a:avLst/>
+          </a:prstGeom>
+          <a:ln>
+            <a:noFill/>
+          </a:ln>
+        </p:spPr>
+      </p:pic>
+      <p:sp>
+        <p:nvSpPr>
+          <p:cNvPr id="289" name="TextShape 10"/>
+          <p:cNvSpPr txBox="1"/>
+          <p:nvPr/>
+        </p:nvSpPr>
+        <p:spPr>
+          <a:xfrm>
+            <a:off x="2834640" y="7680960"/>
+            <a:ext cx="1737360" cy="1990440"/>
+          </a:xfrm>
+          <a:prstGeom prst="rect">
+            <a:avLst/>
+          </a:prstGeom>
+          <a:noFill/>
+          <a:ln>
+            <a:noFill/>
+          </a:ln>
+        </p:spPr>
+        <p:txBody>
+          <a:bodyPr lIns="90000" tIns="45000" rIns="90000" bIns="45000"/>
+          <a:lstStyle/>
+          <a:p>
+            <a:pPr>
+              <a:lnSpc>
+                <a:spcPts val="1151"/>
+              </a:lnSpc>
+            </a:pPr>
+            <a:r>
+              <a:rPr lang="en-US" sz="2400" b="0" strike="noStrike" spc="-1" dirty="0">
+                <a:solidFill>
+                  <a:srgbClr val="FFFFFF"/>
+                </a:solidFill>
+                <a:latin typeface="Liberation Mono" panose="02070409020205020404" pitchFamily="49" charset="0"/>
+                <a:cs typeface="Liberation Mono" panose="02070409020205020404" pitchFamily="49" charset="0"/>
+              </a:rPr>
+              <a:t>*​</a:t>
+            </a:r>
+          </a:p>
+          <a:p>
+            <a:pPr>
+              <a:lnSpc>
+                <a:spcPts val="1151"/>
+              </a:lnSpc>
+            </a:pPr>
+            <a:endParaRPr lang="en-US" sz="2400" b="0" strike="noStrike" spc="-1" dirty="0">
+              <a:solidFill>
+                <a:srgbClr val="FFFFFF"/>
+              </a:solidFill>
+              <a:latin typeface="Liberation Mono" panose="02070409020205020404" pitchFamily="49" charset="0"/>
+              <a:cs typeface="Liberation Mono" panose="02070409020205020404" pitchFamily="49" charset="0"/>
+            </a:endParaRPr>
+          </a:p>
+          <a:p>
+            <a:pPr>
+              <a:lnSpc>
+                <a:spcPts val="1151"/>
+              </a:lnSpc>
+            </a:pPr>
+            <a:r>
+              <a:rPr lang="en-US" sz="2400" b="0" strike="noStrike" spc="-1" dirty="0">
+                <a:solidFill>
+                  <a:srgbClr val="FFFFFF"/>
+                </a:solidFill>
+                <a:latin typeface="Liberation Mono" panose="02070409020205020404" pitchFamily="49" charset="0"/>
+                <a:cs typeface="Liberation Mono" panose="02070409020205020404" pitchFamily="49" charset="0"/>
+              </a:rPr>
+              <a:t>**​</a:t>
+            </a:r>
+          </a:p>
+          <a:p>
+            <a:pPr>
+              <a:lnSpc>
+                <a:spcPts val="1151"/>
+              </a:lnSpc>
+            </a:pPr>
+            <a:endParaRPr lang="en-US" sz="2400" b="0" strike="noStrike" spc="-1" dirty="0">
+              <a:solidFill>
+                <a:srgbClr val="FFFFFF"/>
+              </a:solidFill>
+              <a:latin typeface="Liberation Mono" panose="02070409020205020404" pitchFamily="49" charset="0"/>
+              <a:cs typeface="Liberation Mono" panose="02070409020205020404" pitchFamily="49" charset="0"/>
+            </a:endParaRPr>
+          </a:p>
+          <a:p>
+            <a:pPr>
+              <a:lnSpc>
+                <a:spcPts val="1151"/>
+              </a:lnSpc>
+            </a:pPr>
+            <a:r>
+              <a:rPr lang="en-US" sz="2400" b="0" strike="noStrike" spc="-1" dirty="0">
+                <a:solidFill>
+                  <a:srgbClr val="FFFFFF"/>
+                </a:solidFill>
+                <a:latin typeface="Liberation Mono" panose="02070409020205020404" pitchFamily="49" charset="0"/>
+                <a:cs typeface="Liberation Mono" panose="02070409020205020404" pitchFamily="49" charset="0"/>
+              </a:rPr>
+              <a:t>***​</a:t>
+            </a:r>
+          </a:p>
+          <a:p>
+            <a:pPr>
+              <a:lnSpc>
+                <a:spcPts val="1151"/>
+              </a:lnSpc>
+            </a:pPr>
+            <a:endParaRPr lang="en-US" sz="2400" b="0" strike="noStrike" spc="-1" dirty="0">
+              <a:solidFill>
+                <a:srgbClr val="FFFFFF"/>
+              </a:solidFill>
+              <a:latin typeface="Liberation Mono" panose="02070409020205020404" pitchFamily="49" charset="0"/>
+              <a:cs typeface="Liberation Mono" panose="02070409020205020404" pitchFamily="49" charset="0"/>
+            </a:endParaRPr>
+          </a:p>
+          <a:p>
+            <a:pPr>
+              <a:lnSpc>
+                <a:spcPts val="1151"/>
+              </a:lnSpc>
+            </a:pPr>
+            <a:r>
+              <a:rPr lang="en-US" sz="2400" b="0" strike="noStrike" spc="-1" dirty="0">
+                <a:solidFill>
+                  <a:srgbClr val="FFFFFF"/>
+                </a:solidFill>
+                <a:latin typeface="Liberation Mono" panose="02070409020205020404" pitchFamily="49" charset="0"/>
+                <a:cs typeface="Liberation Mono" panose="02070409020205020404" pitchFamily="49" charset="0"/>
+              </a:rPr>
+              <a:t>****​</a:t>
+            </a:r>
+          </a:p>
+          <a:p>
+            <a:pPr>
+              <a:lnSpc>
+                <a:spcPts val="1151"/>
+              </a:lnSpc>
+            </a:pPr>
+            <a:endParaRPr lang="en-US" sz="2400" b="0" strike="noStrike" spc="-1" dirty="0">
+              <a:solidFill>
+                <a:srgbClr val="FFFFFF"/>
+              </a:solidFill>
+              <a:latin typeface="Liberation Mono" panose="02070409020205020404" pitchFamily="49" charset="0"/>
+              <a:cs typeface="Liberation Mono" panose="02070409020205020404" pitchFamily="49" charset="0"/>
+            </a:endParaRPr>
+          </a:p>
+          <a:p>
+            <a:pPr>
+              <a:lnSpc>
+                <a:spcPts val="1151"/>
+              </a:lnSpc>
+            </a:pPr>
+            <a:r>
+              <a:rPr lang="en-US" sz="2400" b="0" strike="noStrike" spc="-1" dirty="0">
+                <a:solidFill>
+                  <a:srgbClr val="FFFFFF"/>
+                </a:solidFill>
+                <a:latin typeface="Liberation Mono" panose="02070409020205020404" pitchFamily="49" charset="0"/>
+                <a:cs typeface="Liberation Mono" panose="02070409020205020404" pitchFamily="49" charset="0"/>
+              </a:rPr>
+              <a:t>***​</a:t>
+            </a:r>
+          </a:p>
+          <a:p>
+            <a:pPr>
+              <a:lnSpc>
+                <a:spcPts val="1151"/>
+              </a:lnSpc>
+            </a:pPr>
+            <a:endParaRPr lang="en-US" sz="2400" b="0" strike="noStrike" spc="-1" dirty="0">
+              <a:solidFill>
+                <a:srgbClr val="FFFFFF"/>
+              </a:solidFill>
+              <a:latin typeface="Liberation Mono" panose="02070409020205020404" pitchFamily="49" charset="0"/>
+              <a:cs typeface="Liberation Mono" panose="02070409020205020404" pitchFamily="49" charset="0"/>
+            </a:endParaRPr>
+          </a:p>
+          <a:p>
+            <a:pPr>
+              <a:lnSpc>
+                <a:spcPts val="1151"/>
+              </a:lnSpc>
+            </a:pPr>
+            <a:r>
+              <a:rPr lang="en-US" sz="2400" b="0" strike="noStrike" spc="-1" dirty="0">
+                <a:solidFill>
+                  <a:srgbClr val="FFFFFF"/>
+                </a:solidFill>
+                <a:latin typeface="Liberation Mono" panose="02070409020205020404" pitchFamily="49" charset="0"/>
+                <a:cs typeface="Liberation Mono" panose="02070409020205020404" pitchFamily="49" charset="0"/>
+              </a:rPr>
+              <a:t>**​</a:t>
+            </a:r>
+          </a:p>
+          <a:p>
+            <a:pPr>
+              <a:lnSpc>
+                <a:spcPts val="1151"/>
+              </a:lnSpc>
+            </a:pPr>
+            <a:endParaRPr lang="en-US" sz="2400" b="0" strike="noStrike" spc="-1" dirty="0">
+              <a:solidFill>
+                <a:srgbClr val="FFFFFF"/>
+              </a:solidFill>
+              <a:latin typeface="Liberation Mono" panose="02070409020205020404" pitchFamily="49" charset="0"/>
+              <a:cs typeface="Liberation Mono" panose="02070409020205020404" pitchFamily="49" charset="0"/>
+            </a:endParaRPr>
+          </a:p>
+          <a:p>
+            <a:pPr>
+              <a:lnSpc>
+                <a:spcPts val="1151"/>
+              </a:lnSpc>
+            </a:pPr>
+            <a:r>
+              <a:rPr lang="en-US" sz="2400" b="0" strike="noStrike" spc="-1" dirty="0">
+                <a:solidFill>
+                  <a:srgbClr val="FFFFFF"/>
+                </a:solidFill>
+                <a:latin typeface="Liberation Mono" panose="02070409020205020404" pitchFamily="49" charset="0"/>
+                <a:cs typeface="Liberation Mono" panose="02070409020205020404" pitchFamily="49" charset="0"/>
+              </a:rPr>
+              <a:t>*​</a:t>
             </a:r>
           </a:p>
         </p:txBody>
@@ -14404,14 +16215,6 @@
 <file path=ppt/slides/slide25.xml><?xml version="1.0" encoding="utf-8"?>
 <p:sld xmlns:a="http://schemas.openxmlformats.org/drawingml/2006/main" xmlns:r="http://schemas.openxmlformats.org/officeDocument/2006/relationships" xmlns:p="http://schemas.openxmlformats.org/presentationml/2006/main">
   <p:cSld>
-    <p:bg>
-      <p:bgPr>
-        <a:solidFill>
-          <a:srgbClr val="0CBBA2"/>
-        </a:solidFill>
-        <a:effectLst/>
-      </p:bgPr>
-    </p:bg>
     <p:spTree>
       <p:nvGrpSpPr>
         <p:cNvPr id="1" name=""/>
@@ -14428,874 +16231,79 @@
       </p:grpSpPr>
       <p:pic>
         <p:nvPicPr>
-          <p:cNvPr id="271" name="Picture 2"/>
-          <p:cNvPicPr/>
+          <p:cNvPr id="5" name="Picture 4">
+            <a:extLst>
+              <a:ext uri="{FF2B5EF4-FFF2-40B4-BE49-F238E27FC236}">
+                <a16:creationId xmlns:a16="http://schemas.microsoft.com/office/drawing/2014/main" id="{D808AED3-807A-4729-BE20-0B00B2D84053}"/>
+              </a:ext>
+            </a:extLst>
+          </p:cNvPr>
+          <p:cNvPicPr>
+            <a:picLocks noChangeAspect="1"/>
+          </p:cNvPicPr>
           <p:nvPr/>
         </p:nvPicPr>
         <p:blipFill>
           <a:blip r:embed="rId2"/>
-          <a:stretch/>
+          <a:stretch>
+            <a:fillRect/>
+          </a:stretch>
         </p:blipFill>
         <p:spPr>
           <a:xfrm>
-            <a:off x="15317280" y="-5143320"/>
-            <a:ext cx="13394880" cy="14333040"/>
-          </a:xfrm>
-          <a:prstGeom prst="rect">
-            <a:avLst/>
-          </a:prstGeom>
-          <a:ln>
-            <a:noFill/>
-          </a:ln>
+            <a:off x="5843127" y="1866442"/>
+            <a:ext cx="6601746" cy="6554115"/>
+          </a:xfrm>
+          <a:prstGeom prst="rect">
+            <a:avLst/>
+          </a:prstGeom>
         </p:spPr>
       </p:pic>
       <p:sp>
         <p:nvSpPr>
-          <p:cNvPr id="272" name="CustomShape 1"/>
-          <p:cNvSpPr/>
-          <p:nvPr/>
+          <p:cNvPr id="6" name="Title 5">
+            <a:extLst>
+              <a:ext uri="{FF2B5EF4-FFF2-40B4-BE49-F238E27FC236}">
+                <a16:creationId xmlns:a16="http://schemas.microsoft.com/office/drawing/2014/main" id="{5343AB71-38BC-4339-B6E4-9CD18900C7CA}"/>
+              </a:ext>
+            </a:extLst>
+          </p:cNvPr>
+          <p:cNvSpPr>
+            <a:spLocks noGrp="1"/>
+          </p:cNvSpPr>
+          <p:nvPr>
+            <p:ph type="title"/>
+          </p:nvPr>
         </p:nvSpPr>
         <p:spPr>
           <a:xfrm>
-            <a:off x="1097280" y="365760"/>
-            <a:ext cx="10562040" cy="1676880"/>
-          </a:xfrm>
-          <a:prstGeom prst="rect">
-            <a:avLst/>
-          </a:prstGeom>
-          <a:noFill/>
-          <a:ln>
-            <a:noFill/>
-          </a:ln>
-        </p:spPr>
-        <p:style>
-          <a:lnRef idx="0">
-            <a:scrgbClr r="0" g="0" b="0"/>
-          </a:lnRef>
-          <a:fillRef idx="0">
-            <a:scrgbClr r="0" g="0" b="0"/>
-          </a:fillRef>
-          <a:effectRef idx="0">
-            <a:scrgbClr r="0" g="0" b="0"/>
-          </a:effectRef>
-          <a:fontRef idx="minor"/>
-        </p:style>
+            <a:off x="914400" y="148882"/>
+            <a:ext cx="16458840" cy="1717560"/>
+          </a:xfrm>
+        </p:spPr>
         <p:txBody>
-          <a:bodyPr lIns="0" tIns="0" rIns="0" bIns="0"/>
+          <a:bodyPr/>
           <a:lstStyle/>
           <a:p>
-            <a:pPr>
-              <a:lnSpc>
-                <a:spcPts val="13201"/>
-              </a:lnSpc>
-            </a:pPr>
-            <a:r>
-              <a:rPr lang="en-US" sz="8000" b="0" strike="noStrike" spc="-1">
-                <a:solidFill>
-                  <a:srgbClr val="FFFFFF"/>
-                </a:solidFill>
-                <a:latin typeface="PantonW01-Bold"/>
-              </a:rPr>
-              <a:t>Exercises​</a:t>
-            </a:r>
-            <a:endParaRPr lang="en-US" sz="8000" b="0" strike="noStrike" spc="-1">
-              <a:latin typeface="Arial"/>
-            </a:endParaRPr>
-          </a:p>
-        </p:txBody>
-      </p:sp>
-      <p:sp>
-        <p:nvSpPr>
-          <p:cNvPr id="273" name="CustomShape 2"/>
-          <p:cNvSpPr/>
-          <p:nvPr/>
-        </p:nvSpPr>
-        <p:spPr>
-          <a:xfrm>
-            <a:off x="11247120" y="8961120"/>
-            <a:ext cx="6712920" cy="989640"/>
-          </a:xfrm>
-          <a:prstGeom prst="rect">
-            <a:avLst/>
-          </a:prstGeom>
-          <a:noFill/>
-          <a:ln>
-            <a:noFill/>
-          </a:ln>
-        </p:spPr>
-        <p:style>
-          <a:lnRef idx="0">
-            <a:scrgbClr r="0" g="0" b="0"/>
-          </a:lnRef>
-          <a:fillRef idx="0">
-            <a:scrgbClr r="0" g="0" b="0"/>
-          </a:fillRef>
-          <a:effectRef idx="0">
-            <a:scrgbClr r="0" g="0" b="0"/>
-          </a:effectRef>
-          <a:fontRef idx="minor"/>
-        </p:style>
-        <p:txBody>
-          <a:bodyPr lIns="0" tIns="0" rIns="0" bIns="0"/>
-          <a:lstStyle/>
-          <a:p>
-            <a:pPr algn="r">
-              <a:lnSpc>
-                <a:spcPts val="3898"/>
-              </a:lnSpc>
-            </a:pPr>
-            <a:r>
-              <a:rPr lang="en-US" sz="3000" b="0" strike="noStrike" spc="-1">
-                <a:solidFill>
-                  <a:srgbClr val="FFFFFF"/>
-                </a:solidFill>
-                <a:latin typeface="PantonW01-SemiBold"/>
-              </a:rPr>
-              <a:t>Feel free to send in any questions to workshop@makerbox.la</a:t>
-            </a:r>
-            <a:endParaRPr lang="en-US" sz="3000" b="0" strike="noStrike" spc="-1">
-              <a:latin typeface="Arial"/>
-            </a:endParaRPr>
-          </a:p>
-        </p:txBody>
-      </p:sp>
-      <p:pic>
-        <p:nvPicPr>
-          <p:cNvPr id="274" name="Picture 5"/>
-          <p:cNvPicPr/>
-          <p:nvPr/>
-        </p:nvPicPr>
-        <p:blipFill>
-          <a:blip r:embed="rId3"/>
-          <a:stretch/>
-        </p:blipFill>
-        <p:spPr>
-          <a:xfrm rot="2700000">
-            <a:off x="-9266040" y="4588560"/>
-            <a:ext cx="11796840" cy="7815240"/>
-          </a:xfrm>
-          <a:prstGeom prst="rect">
-            <a:avLst/>
-          </a:prstGeom>
-          <a:ln>
-            <a:noFill/>
-          </a:ln>
-        </p:spPr>
-      </p:pic>
-      <p:sp>
-        <p:nvSpPr>
-          <p:cNvPr id="275" name="TextShape 3"/>
-          <p:cNvSpPr txBox="1"/>
-          <p:nvPr/>
-        </p:nvSpPr>
-        <p:spPr>
-          <a:xfrm>
-            <a:off x="2420640" y="2844000"/>
-            <a:ext cx="12205080" cy="521640"/>
-          </a:xfrm>
-          <a:prstGeom prst="rect">
-            <a:avLst/>
-          </a:prstGeom>
-          <a:noFill/>
-          <a:ln>
-            <a:noFill/>
-          </a:ln>
-        </p:spPr>
-        <p:txBody>
-          <a:bodyPr lIns="90000" tIns="45000" rIns="90000" bIns="45000"/>
-          <a:lstStyle/>
-          <a:p>
-            <a:r>
-              <a:rPr lang="en-US" sz="2800" b="0" strike="noStrike" spc="-1">
-                <a:solidFill>
-                  <a:srgbClr val="FFFFFF"/>
-                </a:solidFill>
-                <a:latin typeface="PantonW01-Regular"/>
-              </a:rPr>
-              <a:t>Takes an integer from the user, prints all odd numbers smaller than this number</a:t>
-            </a:r>
-            <a:endParaRPr lang="en-US" sz="2800" b="0" strike="noStrike" spc="-1">
-              <a:latin typeface="Arial"/>
-            </a:endParaRPr>
-          </a:p>
-        </p:txBody>
-      </p:sp>
-      <p:sp>
-        <p:nvSpPr>
-          <p:cNvPr id="276" name="TextShape 4"/>
-          <p:cNvSpPr txBox="1"/>
-          <p:nvPr/>
-        </p:nvSpPr>
-        <p:spPr>
-          <a:xfrm>
-            <a:off x="2420640" y="3480120"/>
-            <a:ext cx="10262160" cy="486720"/>
-          </a:xfrm>
-          <a:prstGeom prst="rect">
-            <a:avLst/>
-          </a:prstGeom>
-          <a:noFill/>
-          <a:ln>
-            <a:noFill/>
-          </a:ln>
-        </p:spPr>
-        <p:txBody>
-          <a:bodyPr lIns="90000" tIns="45000" rIns="90000" bIns="45000"/>
-          <a:lstStyle/>
-          <a:p>
-            <a:r>
-              <a:rPr lang="en-US" sz="2800" b="0" strike="noStrike" spc="-1">
-                <a:solidFill>
-                  <a:srgbClr val="FFFFFF"/>
-                </a:solidFill>
-                <a:latin typeface="Arial"/>
-              </a:rPr>
-              <a:t>Takes 10 integers from the user, counts the number of odd ones​</a:t>
-            </a:r>
-            <a:endParaRPr lang="en-US" sz="2800" b="0" strike="noStrike" spc="-1">
-              <a:latin typeface="Arial"/>
-            </a:endParaRPr>
-          </a:p>
-        </p:txBody>
-      </p:sp>
-      <p:sp>
-        <p:nvSpPr>
-          <p:cNvPr id="277" name="TextShape 5"/>
-          <p:cNvSpPr txBox="1"/>
-          <p:nvPr/>
-        </p:nvSpPr>
-        <p:spPr>
-          <a:xfrm>
-            <a:off x="2421000" y="4050360"/>
-            <a:ext cx="8643240" cy="910440"/>
-          </a:xfrm>
-          <a:prstGeom prst="rect">
-            <a:avLst/>
-          </a:prstGeom>
-          <a:noFill/>
-          <a:ln>
-            <a:noFill/>
-          </a:ln>
-        </p:spPr>
-        <p:txBody>
-          <a:bodyPr lIns="90000" tIns="45000" rIns="90000" bIns="45000"/>
-          <a:lstStyle/>
-          <a:p>
-            <a:r>
-              <a:rPr lang="en-US" sz="2800" b="0" strike="noStrike" spc="-1">
-                <a:solidFill>
-                  <a:srgbClr val="FFFFFF"/>
-                </a:solidFill>
-                <a:latin typeface="Arial"/>
-              </a:rPr>
-              <a:t>Prints all integers from 0 to 10 except 3 and 6</a:t>
-            </a:r>
-            <a:endParaRPr lang="en-US" sz="2800" b="0" strike="noStrike" spc="-1">
-              <a:latin typeface="Arial"/>
-            </a:endParaRPr>
-          </a:p>
-        </p:txBody>
-      </p:sp>
-      <p:pic>
-        <p:nvPicPr>
-          <p:cNvPr id="278" name="Picture 13"/>
-          <p:cNvPicPr/>
-          <p:nvPr/>
-        </p:nvPicPr>
-        <p:blipFill>
-          <a:blip r:embed="rId4"/>
-          <a:srcRect l="17321" t="8728" r="2549" b="13503"/>
-          <a:stretch/>
-        </p:blipFill>
-        <p:spPr>
-          <a:xfrm>
-            <a:off x="2037600" y="2902680"/>
-            <a:ext cx="291600" cy="308160"/>
-          </a:xfrm>
-          <a:prstGeom prst="rect">
-            <a:avLst/>
-          </a:prstGeom>
-          <a:ln>
-            <a:noFill/>
-          </a:ln>
-        </p:spPr>
-      </p:pic>
-      <p:pic>
-        <p:nvPicPr>
-          <p:cNvPr id="279" name="Picture 13"/>
-          <p:cNvPicPr/>
-          <p:nvPr/>
-        </p:nvPicPr>
-        <p:blipFill>
-          <a:blip r:embed="rId4"/>
-          <a:srcRect l="17321" t="8728" r="2549" b="13503"/>
-          <a:stretch/>
-        </p:blipFill>
-        <p:spPr>
-          <a:xfrm>
-            <a:off x="2037600" y="3576600"/>
-            <a:ext cx="291600" cy="308160"/>
-          </a:xfrm>
-          <a:prstGeom prst="rect">
-            <a:avLst/>
-          </a:prstGeom>
-          <a:ln>
-            <a:noFill/>
-          </a:ln>
-        </p:spPr>
-      </p:pic>
-      <p:pic>
-        <p:nvPicPr>
-          <p:cNvPr id="280" name="Picture 13"/>
-          <p:cNvPicPr/>
-          <p:nvPr/>
-        </p:nvPicPr>
-        <p:blipFill>
-          <a:blip r:embed="rId4"/>
-          <a:srcRect l="17321" t="8728" r="2549" b="13503"/>
-          <a:stretch/>
-        </p:blipFill>
-        <p:spPr>
-          <a:xfrm>
-            <a:off x="2037600" y="4141800"/>
-            <a:ext cx="291600" cy="308160"/>
-          </a:xfrm>
-          <a:prstGeom prst="rect">
-            <a:avLst/>
-          </a:prstGeom>
-          <a:ln>
-            <a:noFill/>
-          </a:ln>
-        </p:spPr>
-      </p:pic>
-      <p:sp>
-        <p:nvSpPr>
-          <p:cNvPr id="281" name="TextShape 6"/>
-          <p:cNvSpPr txBox="1"/>
-          <p:nvPr/>
-        </p:nvSpPr>
-        <p:spPr>
-          <a:xfrm>
-            <a:off x="2421000" y="4626720"/>
-            <a:ext cx="8643240" cy="910440"/>
-          </a:xfrm>
-          <a:prstGeom prst="rect">
-            <a:avLst/>
-          </a:prstGeom>
-          <a:noFill/>
-          <a:ln>
-            <a:noFill/>
-          </a:ln>
-        </p:spPr>
-        <p:txBody>
-          <a:bodyPr lIns="90000" tIns="45000" rIns="90000" bIns="45000"/>
-          <a:lstStyle/>
-          <a:p>
-            <a:r>
-              <a:rPr lang="en-US" sz="2800" b="0" strike="noStrike" spc="-1">
-                <a:solidFill>
-                  <a:srgbClr val="FFFFFF"/>
-                </a:solidFill>
-                <a:latin typeface="Arial"/>
-              </a:rPr>
-              <a:t>Chooses a random integer:​</a:t>
-            </a:r>
-            <a:endParaRPr lang="en-US" sz="2800" b="0" strike="noStrike" spc="-1">
-              <a:latin typeface="Arial"/>
-            </a:endParaRPr>
-          </a:p>
-        </p:txBody>
-      </p:sp>
-      <p:pic>
-        <p:nvPicPr>
-          <p:cNvPr id="282" name="Picture 13"/>
-          <p:cNvPicPr/>
-          <p:nvPr/>
-        </p:nvPicPr>
-        <p:blipFill>
-          <a:blip r:embed="rId4"/>
-          <a:srcRect l="17321" t="8728" r="2549" b="13503"/>
-          <a:stretch/>
-        </p:blipFill>
-        <p:spPr>
-          <a:xfrm>
-            <a:off x="2037600" y="4718160"/>
-            <a:ext cx="291600" cy="308160"/>
-          </a:xfrm>
-          <a:prstGeom prst="rect">
-            <a:avLst/>
-          </a:prstGeom>
-          <a:ln>
-            <a:noFill/>
-          </a:ln>
-        </p:spPr>
-      </p:pic>
-      <p:sp>
-        <p:nvSpPr>
-          <p:cNvPr id="283" name="TextShape 7"/>
-          <p:cNvSpPr txBox="1"/>
-          <p:nvPr/>
-        </p:nvSpPr>
-        <p:spPr>
-          <a:xfrm>
-            <a:off x="2421000" y="6967080"/>
-            <a:ext cx="8643240" cy="910440"/>
-          </a:xfrm>
-          <a:prstGeom prst="rect">
-            <a:avLst/>
-          </a:prstGeom>
-          <a:noFill/>
-          <a:ln>
-            <a:noFill/>
-          </a:ln>
-        </p:spPr>
-        <p:txBody>
-          <a:bodyPr lIns="90000" tIns="45000" rIns="90000" bIns="45000"/>
-          <a:lstStyle/>
-          <a:p>
-            <a:r>
-              <a:rPr lang="en-US" sz="2800" b="0" strike="noStrike" spc="-1">
-                <a:solidFill>
-                  <a:srgbClr val="FFFFFF"/>
-                </a:solidFill>
-                <a:latin typeface="Arial"/>
-              </a:rPr>
-              <a:t>Prints the following pattern using 2 for loops:</a:t>
-            </a:r>
-            <a:endParaRPr lang="en-US" sz="2800" b="0" strike="noStrike" spc="-1">
-              <a:latin typeface="Arial"/>
-            </a:endParaRPr>
-          </a:p>
-        </p:txBody>
-      </p:sp>
-      <p:pic>
-        <p:nvPicPr>
-          <p:cNvPr id="284" name="Picture 13"/>
-          <p:cNvPicPr/>
-          <p:nvPr/>
-        </p:nvPicPr>
-        <p:blipFill>
-          <a:blip r:embed="rId4"/>
-          <a:srcRect l="17321" t="8728" r="2549" b="13503"/>
-          <a:stretch/>
-        </p:blipFill>
-        <p:spPr>
-          <a:xfrm>
-            <a:off x="2037600" y="7058520"/>
-            <a:ext cx="291600" cy="308160"/>
-          </a:xfrm>
-          <a:prstGeom prst="rect">
-            <a:avLst/>
-          </a:prstGeom>
-          <a:ln>
-            <a:noFill/>
-          </a:ln>
-        </p:spPr>
-      </p:pic>
-      <p:sp>
-        <p:nvSpPr>
-          <p:cNvPr id="285" name="TextShape 8"/>
-          <p:cNvSpPr txBox="1"/>
-          <p:nvPr/>
-        </p:nvSpPr>
-        <p:spPr>
-          <a:xfrm>
-            <a:off x="2925000" y="5383440"/>
-            <a:ext cx="8643240" cy="910440"/>
-          </a:xfrm>
-          <a:prstGeom prst="rect">
-            <a:avLst/>
-          </a:prstGeom>
-          <a:noFill/>
-          <a:ln>
-            <a:noFill/>
-          </a:ln>
-        </p:spPr>
-        <p:txBody>
-          <a:bodyPr lIns="90000" tIns="45000" rIns="90000" bIns="45000"/>
-          <a:lstStyle/>
-          <a:p>
-            <a:pPr>
-              <a:lnSpc>
-                <a:spcPts val="1440"/>
-              </a:lnSpc>
-            </a:pPr>
-            <a:r>
-              <a:rPr lang="en-US" sz="2800" b="0" strike="noStrike" spc="-1">
-                <a:solidFill>
-                  <a:srgbClr val="FFFFFF"/>
-                </a:solidFill>
-                <a:latin typeface="Courier New"/>
-              </a:rPr>
-              <a:t>import random​</a:t>
-            </a:r>
-            <a:endParaRPr lang="en-US" sz="2800" b="0" strike="noStrike" spc="-1">
-              <a:latin typeface="Courier New"/>
-            </a:endParaRPr>
-          </a:p>
-          <a:p>
-            <a:pPr>
-              <a:lnSpc>
-                <a:spcPts val="1440"/>
-              </a:lnSpc>
-            </a:pPr>
-            <a:endParaRPr lang="en-US" sz="2800" b="0" strike="noStrike" spc="-1">
-              <a:latin typeface="Courier New"/>
-            </a:endParaRPr>
-          </a:p>
-          <a:p>
-            <a:pPr>
-              <a:lnSpc>
-                <a:spcPts val="1440"/>
-              </a:lnSpc>
-            </a:pPr>
-            <a:r>
-              <a:rPr lang="en-US" sz="2800" b="0" strike="noStrike" spc="-1">
-                <a:solidFill>
-                  <a:srgbClr val="FFFFFF"/>
-                </a:solidFill>
-                <a:latin typeface="Courier New"/>
-              </a:rPr>
-              <a:t>Toguess= random.randint(0,10) </a:t>
-            </a:r>
-            <a:endParaRPr lang="en-US" sz="2800" b="0" strike="noStrike" spc="-1">
-              <a:latin typeface="Courier New"/>
-            </a:endParaRPr>
-          </a:p>
-        </p:txBody>
-      </p:sp>
-      <p:pic>
-        <p:nvPicPr>
-          <p:cNvPr id="286" name="Picture 13"/>
-          <p:cNvPicPr/>
-          <p:nvPr/>
-        </p:nvPicPr>
-        <p:blipFill>
-          <a:blip r:embed="rId4"/>
-          <a:srcRect l="17321" t="8728" r="2549" b="13503"/>
-          <a:stretch/>
-        </p:blipFill>
-        <p:spPr>
-          <a:xfrm>
-            <a:off x="2541600" y="5258880"/>
-            <a:ext cx="291600" cy="308160"/>
-          </a:xfrm>
-          <a:prstGeom prst="rect">
-            <a:avLst/>
-          </a:prstGeom>
-          <a:ln>
-            <a:noFill/>
-          </a:ln>
-        </p:spPr>
-      </p:pic>
-      <p:sp>
-        <p:nvSpPr>
-          <p:cNvPr id="287" name="TextShape 9"/>
-          <p:cNvSpPr txBox="1"/>
-          <p:nvPr/>
-        </p:nvSpPr>
-        <p:spPr>
-          <a:xfrm>
-            <a:off x="2925000" y="6067080"/>
-            <a:ext cx="8643240" cy="910440"/>
-          </a:xfrm>
-          <a:prstGeom prst="rect">
-            <a:avLst/>
-          </a:prstGeom>
-          <a:noFill/>
-          <a:ln>
-            <a:noFill/>
-          </a:ln>
-        </p:spPr>
-        <p:txBody>
-          <a:bodyPr lIns="90000" tIns="45000" rIns="90000" bIns="45000"/>
-          <a:lstStyle/>
-          <a:p>
-            <a:r>
-              <a:rPr lang="en-US" sz="2800" b="0" strike="noStrike" spc="-1">
-                <a:solidFill>
-                  <a:srgbClr val="FFFFFF"/>
-                </a:solidFill>
-                <a:latin typeface="Arial"/>
-              </a:rPr>
-              <a:t>And gives the user 3 tries to guess it​</a:t>
-            </a:r>
-            <a:endParaRPr lang="en-US" sz="2800" b="0" strike="noStrike" spc="-1">
-              <a:latin typeface="Arial"/>
-            </a:endParaRPr>
-          </a:p>
-        </p:txBody>
-      </p:sp>
-      <p:pic>
-        <p:nvPicPr>
-          <p:cNvPr id="288" name="Picture 13"/>
-          <p:cNvPicPr/>
-          <p:nvPr/>
-        </p:nvPicPr>
-        <p:blipFill>
-          <a:blip r:embed="rId4"/>
-          <a:srcRect l="17321" t="8728" r="2549" b="13503"/>
-          <a:stretch/>
-        </p:blipFill>
-        <p:spPr>
-          <a:xfrm>
-            <a:off x="2541600" y="6158520"/>
-            <a:ext cx="291600" cy="308160"/>
-          </a:xfrm>
-          <a:prstGeom prst="rect">
-            <a:avLst/>
-          </a:prstGeom>
-          <a:ln>
-            <a:noFill/>
-          </a:ln>
-        </p:spPr>
-      </p:pic>
-      <p:sp>
-        <p:nvSpPr>
-          <p:cNvPr id="289" name="TextShape 10"/>
-          <p:cNvSpPr txBox="1"/>
-          <p:nvPr/>
-        </p:nvSpPr>
-        <p:spPr>
-          <a:xfrm>
-            <a:off x="2834640" y="7680960"/>
-            <a:ext cx="1737360" cy="1990440"/>
-          </a:xfrm>
-          <a:prstGeom prst="rect">
-            <a:avLst/>
-          </a:prstGeom>
-          <a:noFill/>
-          <a:ln>
-            <a:noFill/>
-          </a:ln>
-        </p:spPr>
-        <p:txBody>
-          <a:bodyPr lIns="90000" tIns="45000" rIns="90000" bIns="45000"/>
-          <a:lstStyle/>
-          <a:p>
-            <a:pPr>
-              <a:lnSpc>
-                <a:spcPts val="1151"/>
-              </a:lnSpc>
-            </a:pPr>
-            <a:r>
-              <a:rPr lang="en-US" sz="2400" b="0" strike="noStrike" spc="-1">
-                <a:solidFill>
-                  <a:srgbClr val="FFFFFF"/>
-                </a:solidFill>
-                <a:latin typeface="Courier New"/>
-              </a:rPr>
-              <a:t>*​</a:t>
-            </a:r>
-          </a:p>
-          <a:p>
-            <a:pPr>
-              <a:lnSpc>
-                <a:spcPts val="1151"/>
-              </a:lnSpc>
-            </a:pPr>
-            <a:endParaRPr lang="en-US" sz="2400" b="0" strike="noStrike" spc="-1">
-              <a:solidFill>
-                <a:srgbClr val="FFFFFF"/>
-              </a:solidFill>
-              <a:latin typeface="Courier New"/>
-            </a:endParaRPr>
-          </a:p>
-          <a:p>
-            <a:pPr>
-              <a:lnSpc>
-                <a:spcPts val="1151"/>
-              </a:lnSpc>
-            </a:pPr>
-            <a:r>
-              <a:rPr lang="en-US" sz="2400" b="0" strike="noStrike" spc="-1">
-                <a:solidFill>
-                  <a:srgbClr val="FFFFFF"/>
-                </a:solidFill>
-                <a:latin typeface="Courier New"/>
-              </a:rPr>
-              <a:t>**​</a:t>
-            </a:r>
-          </a:p>
-          <a:p>
-            <a:pPr>
-              <a:lnSpc>
-                <a:spcPts val="1151"/>
-              </a:lnSpc>
-            </a:pPr>
-            <a:endParaRPr lang="en-US" sz="2400" b="0" strike="noStrike" spc="-1">
-              <a:solidFill>
-                <a:srgbClr val="FFFFFF"/>
-              </a:solidFill>
-              <a:latin typeface="Courier New"/>
-            </a:endParaRPr>
-          </a:p>
-          <a:p>
-            <a:pPr>
-              <a:lnSpc>
-                <a:spcPts val="1151"/>
-              </a:lnSpc>
-            </a:pPr>
-            <a:r>
-              <a:rPr lang="en-US" sz="2400" b="0" strike="noStrike" spc="-1">
-                <a:solidFill>
-                  <a:srgbClr val="FFFFFF"/>
-                </a:solidFill>
-                <a:latin typeface="Courier New"/>
-              </a:rPr>
-              <a:t>***​</a:t>
-            </a:r>
-          </a:p>
-          <a:p>
-            <a:pPr>
-              <a:lnSpc>
-                <a:spcPts val="1151"/>
-              </a:lnSpc>
-            </a:pPr>
-            <a:endParaRPr lang="en-US" sz="2400" b="0" strike="noStrike" spc="-1">
-              <a:solidFill>
-                <a:srgbClr val="FFFFFF"/>
-              </a:solidFill>
-              <a:latin typeface="Courier New"/>
-            </a:endParaRPr>
-          </a:p>
-          <a:p>
-            <a:pPr>
-              <a:lnSpc>
-                <a:spcPts val="1151"/>
-              </a:lnSpc>
-            </a:pPr>
-            <a:r>
-              <a:rPr lang="en-US" sz="2400" b="0" strike="noStrike" spc="-1">
-                <a:solidFill>
-                  <a:srgbClr val="FFFFFF"/>
-                </a:solidFill>
-                <a:latin typeface="Courier New"/>
-              </a:rPr>
-              <a:t>****​</a:t>
-            </a:r>
-          </a:p>
-          <a:p>
-            <a:pPr>
-              <a:lnSpc>
-                <a:spcPts val="1151"/>
-              </a:lnSpc>
-            </a:pPr>
-            <a:endParaRPr lang="en-US" sz="2400" b="0" strike="noStrike" spc="-1">
-              <a:solidFill>
-                <a:srgbClr val="FFFFFF"/>
-              </a:solidFill>
-              <a:latin typeface="Courier New"/>
-            </a:endParaRPr>
-          </a:p>
-          <a:p>
-            <a:pPr>
-              <a:lnSpc>
-                <a:spcPts val="1151"/>
-              </a:lnSpc>
-            </a:pPr>
-            <a:r>
-              <a:rPr lang="en-US" sz="2400" b="0" strike="noStrike" spc="-1">
-                <a:solidFill>
-                  <a:srgbClr val="FFFFFF"/>
-                </a:solidFill>
-                <a:latin typeface="Courier New"/>
-              </a:rPr>
-              <a:t>***​</a:t>
-            </a:r>
-          </a:p>
-          <a:p>
-            <a:pPr>
-              <a:lnSpc>
-                <a:spcPts val="1151"/>
-              </a:lnSpc>
-            </a:pPr>
-            <a:endParaRPr lang="en-US" sz="2400" b="0" strike="noStrike" spc="-1">
-              <a:solidFill>
-                <a:srgbClr val="FFFFFF"/>
-              </a:solidFill>
-              <a:latin typeface="Courier New"/>
-            </a:endParaRPr>
-          </a:p>
-          <a:p>
-            <a:pPr>
-              <a:lnSpc>
-                <a:spcPts val="1151"/>
-              </a:lnSpc>
-            </a:pPr>
-            <a:r>
-              <a:rPr lang="en-US" sz="2400" b="0" strike="noStrike" spc="-1">
-                <a:solidFill>
-                  <a:srgbClr val="FFFFFF"/>
-                </a:solidFill>
-                <a:latin typeface="Courier New"/>
-              </a:rPr>
-              <a:t>**​</a:t>
-            </a:r>
-          </a:p>
-          <a:p>
-            <a:pPr>
-              <a:lnSpc>
-                <a:spcPts val="1151"/>
-              </a:lnSpc>
-            </a:pPr>
-            <a:endParaRPr lang="en-US" sz="2400" b="0" strike="noStrike" spc="-1">
-              <a:solidFill>
-                <a:srgbClr val="FFFFFF"/>
-              </a:solidFill>
-              <a:latin typeface="Courier New"/>
-            </a:endParaRPr>
-          </a:p>
-          <a:p>
-            <a:pPr>
-              <a:lnSpc>
-                <a:spcPts val="1151"/>
-              </a:lnSpc>
-            </a:pPr>
-            <a:r>
-              <a:rPr lang="en-US" sz="2400" b="0" strike="noStrike" spc="-1">
-                <a:solidFill>
-                  <a:srgbClr val="FFFFFF"/>
-                </a:solidFill>
-                <a:latin typeface="Courier New"/>
-              </a:rPr>
-              <a:t>*​</a:t>
+            <a:r>
+              <a:rPr lang="en-US" dirty="0">
+                <a:latin typeface="PantonW01-Black" panose="01000000000000000000" pitchFamily="50" charset="0"/>
+              </a:rPr>
+              <a:t>Feedback Questionnaire</a:t>
             </a:r>
           </a:p>
         </p:txBody>
       </p:sp>
     </p:spTree>
+    <p:extLst>
+      <p:ext uri="{BB962C8B-B14F-4D97-AF65-F5344CB8AC3E}">
+        <p14:creationId xmlns:p14="http://schemas.microsoft.com/office/powerpoint/2010/main" val="3074774600"/>
+      </p:ext>
+    </p:extLst>
   </p:cSld>
   <p:clrMapOvr>
     <a:masterClrMapping/>
   </p:clrMapOvr>
-  <p:timing>
-    <p:tnLst>
-      <p:par>
-        <p:cTn id="1" dur="indefinite" restart="never" nodeType="tmRoot">
-          <p:childTnLst>
-            <p:seq>
-              <p:cTn id="2" dur="indefinite" nodeType="mainSeq"/>
-              <p:prevCondLst>
-                <p:cond evt="onPrev" delay="0">
-                  <p:tgtEl>
-                    <p:sldTgt/>
-                  </p:tgtEl>
-                </p:cond>
-              </p:prevCondLst>
-              <p:nextCondLst>
-                <p:cond evt="onNext" delay="0">
-                  <p:tgtEl>
-                    <p:sldTgt/>
-                  </p:tgtEl>
-                </p:cond>
-              </p:nextCondLst>
-            </p:seq>
-          </p:childTnLst>
-        </p:cTn>
-      </p:par>
-    </p:tnLst>
-  </p:timing>
 </p:sld>
 </file>
 
@@ -15323,7 +16331,7 @@
           <p:nvPr/>
         </p:nvPicPr>
         <p:blipFill>
-          <a:blip r:embed="rId2"/>
+          <a:blip r:embed="rId3"/>
           <a:stretch/>
         </p:blipFill>
         <p:spPr>
@@ -15401,12 +16409,12 @@
           <p:nvPr/>
         </p:nvPicPr>
         <p:blipFill>
-          <a:blip r:embed="rId3"/>
+          <a:blip r:embed="rId4"/>
           <a:stretch/>
         </p:blipFill>
         <p:spPr>
           <a:xfrm rot="19422000">
-            <a:off x="14135400" y="6221520"/>
+            <a:off x="14485597" y="6247793"/>
             <a:ext cx="6981840" cy="4569840"/>
           </a:xfrm>
           <a:prstGeom prst="rect">
@@ -15426,9 +16434,9 @@
         <p:grpSpPr>
           <a:xfrm>
             <a:off x="9207360" y="1817280"/>
-            <a:ext cx="8698680" cy="7681320"/>
+            <a:ext cx="8698680" cy="7389092"/>
             <a:chOff x="9207360" y="1817280"/>
-            <a:chExt cx="8698680" cy="7681320"/>
+            <a:chExt cx="8698680" cy="7389092"/>
           </a:xfrm>
         </p:grpSpPr>
         <p:sp>
@@ -15677,8 +16685,8 @@
           </p:nvSpPr>
           <p:spPr>
             <a:xfrm>
-              <a:off x="9223560" y="5675400"/>
-              <a:ext cx="7784280" cy="1829160"/>
+              <a:off x="9207360" y="5675400"/>
+              <a:ext cx="7800480" cy="1829160"/>
             </a:xfrm>
             <a:prstGeom prst="rect">
               <a:avLst/>
@@ -15710,7 +16718,7 @@
                 </a:lnSpc>
               </a:pPr>
               <a:r>
-                <a:rPr lang="en-US" sz="2400" b="0" strike="noStrike" spc="-1">
+                <a:rPr lang="en-US" sz="2400" b="0" strike="noStrike" spc="-1" dirty="0">
                   <a:solidFill>
                     <a:srgbClr val="000000"/>
                   </a:solidFill>
@@ -15719,7 +16727,7 @@
                 <a:t>Python is an </a:t>
               </a:r>
               <a:r>
-                <a:rPr lang="en-US" sz="2400" b="1" strike="noStrike" spc="-1">
+                <a:rPr lang="en-US" sz="2400" b="1" strike="noStrike" spc="-1" dirty="0">
                   <a:solidFill>
                     <a:srgbClr val="000000"/>
                   </a:solidFill>
@@ -15728,7 +16736,7 @@
                 <a:t>interpreted</a:t>
               </a:r>
               <a:r>
-                <a:rPr lang="en-US" sz="2400" b="0" strike="noStrike" spc="-1">
+                <a:rPr lang="en-US" sz="2400" b="0" strike="noStrike" spc="-1" dirty="0">
                   <a:solidFill>
                     <a:srgbClr val="000000"/>
                   </a:solidFill>
@@ -15736,7 +16744,7 @@
                 </a:rPr>
                 <a:t> language​</a:t>
               </a:r>
-              <a:endParaRPr lang="en-US" sz="2400" b="0" strike="noStrike" spc="-1">
+              <a:endParaRPr lang="en-US" sz="2400" b="0" strike="noStrike" spc="-1" dirty="0">
                 <a:latin typeface="Arial"/>
               </a:endParaRPr>
             </a:p>
@@ -15747,7 +16755,7 @@
                 </a:lnSpc>
               </a:pPr>
               <a:r>
-                <a:rPr lang="en-US" sz="2400" b="0" strike="noStrike" spc="-1">
+                <a:rPr lang="en-US" sz="2400" b="0" strike="noStrike" spc="-1" dirty="0">
                   <a:solidFill>
                     <a:srgbClr val="000000"/>
                   </a:solidFill>
@@ -15756,15 +16764,15 @@
                 <a:t>	</a:t>
               </a:r>
               <a:r>
-                <a:rPr lang="en-US" sz="2000" b="0" strike="noStrike" spc="-1">
+                <a:rPr lang="en-US" sz="2000" b="0" strike="noStrike" spc="-1" dirty="0">
                   <a:solidFill>
                     <a:srgbClr val="000000"/>
                   </a:solidFill>
                   <a:latin typeface="PantonW01-Regular"/>
                 </a:rPr>
-                <a:t>You can edit your code like a normal document and run it in python 	without additional steps​</a:t>
+                <a:t>You can edit your code like a normal document and run it in 	python 	without additional steps​</a:t>
               </a:r>
-              <a:endParaRPr lang="en-US" sz="2000" b="0" strike="noStrike" spc="-1">
+              <a:endParaRPr lang="en-US" sz="2000" b="0" strike="noStrike" spc="-1" dirty="0">
                 <a:latin typeface="Arial"/>
               </a:endParaRPr>
             </a:p>
@@ -15775,7 +16783,7 @@
                 </a:lnSpc>
               </a:pPr>
               <a:r>
-                <a:rPr lang="en-US" sz="2000" b="0" strike="noStrike" spc="-1">
+                <a:rPr lang="en-US" sz="2000" b="0" strike="noStrike" spc="-1" dirty="0">
                   <a:solidFill>
                     <a:srgbClr val="000000"/>
                   </a:solidFill>
@@ -15783,7 +16791,7 @@
                 </a:rPr>
                 <a:t>	Or even run interactively in a console</a:t>
               </a:r>
-              <a:endParaRPr lang="en-US" sz="2000" b="0" strike="noStrike" spc="-1">
+              <a:endParaRPr lang="en-US" sz="2000" b="0" strike="noStrike" spc="-1" dirty="0">
                 <a:latin typeface="Arial"/>
               </a:endParaRPr>
             </a:p>
@@ -15797,7 +16805,7 @@
           </p:nvSpPr>
           <p:spPr>
             <a:xfrm>
-              <a:off x="9207360" y="8126640"/>
+              <a:off x="9207360" y="7834412"/>
               <a:ext cx="8698680" cy="1371960"/>
             </a:xfrm>
             <a:prstGeom prst="rect">
@@ -15830,7 +16838,7 @@
                 </a:lnSpc>
               </a:pPr>
               <a:r>
-                <a:rPr lang="en-US" sz="2400" b="0" strike="noStrike" spc="-1">
+                <a:rPr lang="en-US" sz="2400" b="0" strike="noStrike" spc="-1" dirty="0">
                   <a:solidFill>
                     <a:srgbClr val="000000"/>
                   </a:solidFill>
@@ -15839,7 +16847,7 @@
                 <a:t>Other languages like C++ are </a:t>
               </a:r>
               <a:r>
-                <a:rPr lang="en-US" sz="2400" b="1" strike="noStrike" spc="-1">
+                <a:rPr lang="en-US" sz="2400" b="1" strike="noStrike" spc="-1" dirty="0">
                   <a:solidFill>
                     <a:srgbClr val="000000"/>
                   </a:solidFill>
@@ -15847,7 +16855,7 @@
                 </a:rPr>
                 <a:t>compiled​</a:t>
               </a:r>
-              <a:endParaRPr lang="en-US" sz="2400" b="0" strike="noStrike" spc="-1">
+              <a:endParaRPr lang="en-US" sz="2400" b="0" strike="noStrike" spc="-1" dirty="0">
                 <a:latin typeface="Arial"/>
               </a:endParaRPr>
             </a:p>
@@ -15858,7 +16866,7 @@
                 </a:lnSpc>
               </a:pPr>
               <a:r>
-                <a:rPr lang="en-US" sz="2400" b="0" strike="noStrike" spc="-1">
+                <a:rPr lang="en-US" sz="2400" b="0" strike="noStrike" spc="-1" dirty="0">
                   <a:solidFill>
                     <a:srgbClr val="000000"/>
                   </a:solidFill>
@@ -15867,7 +16875,7 @@
                 <a:t>	</a:t>
               </a:r>
               <a:r>
-                <a:rPr lang="en-US" sz="2000" b="0" strike="noStrike" spc="-1">
+                <a:rPr lang="en-US" sz="2000" b="0" strike="noStrike" spc="-1" dirty="0">
                   <a:solidFill>
                     <a:srgbClr val="000000"/>
                   </a:solidFill>
@@ -15876,7 +16884,7 @@
                 <a:t>They need to be translated into machine code by a </a:t>
               </a:r>
               <a:r>
-                <a:rPr lang="en-US" sz="2000" b="1" strike="noStrike" spc="-1">
+                <a:rPr lang="en-US" sz="2000" b="1" strike="noStrike" spc="-1" dirty="0">
                   <a:solidFill>
                     <a:srgbClr val="000000"/>
                   </a:solidFill>
@@ -15885,7 +16893,7 @@
                 <a:t>compiler</a:t>
               </a:r>
               <a:r>
-                <a:rPr lang="en-US" sz="2400" b="0" strike="noStrike" spc="-1">
+                <a:rPr lang="en-US" sz="2400" b="0" strike="noStrike" spc="-1" dirty="0">
                   <a:solidFill>
                     <a:srgbClr val="000000"/>
                   </a:solidFill>
@@ -15893,7 +16901,7 @@
                 </a:rPr>
                 <a:t>​</a:t>
               </a:r>
-              <a:endParaRPr lang="en-US" sz="2400" b="0" strike="noStrike" spc="-1">
+              <a:endParaRPr lang="en-US" sz="2400" b="0" strike="noStrike" spc="-1" dirty="0">
                 <a:latin typeface="Arial"/>
               </a:endParaRPr>
             </a:p>
@@ -15904,7 +16912,7 @@
                 </a:lnSpc>
               </a:pPr>
               <a:r>
-                <a:rPr lang="en-US" sz="2000" b="0" strike="noStrike" spc="-1">
+                <a:rPr lang="en-US" sz="2000" b="0" strike="noStrike" spc="-1" dirty="0">
                   <a:solidFill>
                     <a:srgbClr val="000000"/>
                   </a:solidFill>
@@ -15912,7 +16920,7 @@
                 </a:rPr>
                 <a:t>	They are faster, but a bit more tricky to use</a:t>
               </a:r>
-              <a:endParaRPr lang="en-US" sz="2000" b="0" strike="noStrike" spc="-1">
+              <a:endParaRPr lang="en-US" sz="2000" b="0" strike="noStrike" spc="-1" dirty="0">
                 <a:latin typeface="Arial"/>
               </a:endParaRPr>
             </a:p>
@@ -15926,13 +16934,13 @@
           <p:nvPr/>
         </p:nvPicPr>
         <p:blipFill>
-          <a:blip r:embed="rId4"/>
+          <a:blip r:embed="rId5"/>
           <a:srcRect l="17321" t="8728" r="2549" b="13503"/>
           <a:stretch/>
         </p:blipFill>
         <p:spPr>
           <a:xfrm>
-            <a:off x="8496360" y="1874880"/>
+            <a:off x="8496360" y="1826240"/>
             <a:ext cx="464760" cy="491040"/>
           </a:xfrm>
           <a:prstGeom prst="rect">
@@ -15950,13 +16958,13 @@
           <p:nvPr/>
         </p:nvPicPr>
         <p:blipFill>
-          <a:blip r:embed="rId4"/>
+          <a:blip r:embed="rId5"/>
           <a:srcRect l="17321" t="8728" r="2549" b="13503"/>
           <a:stretch/>
         </p:blipFill>
         <p:spPr>
           <a:xfrm>
-            <a:off x="8504280" y="2697840"/>
+            <a:off x="8504280" y="2678384"/>
             <a:ext cx="464760" cy="491040"/>
           </a:xfrm>
           <a:prstGeom prst="rect">
@@ -15974,7 +16982,7 @@
           <p:nvPr/>
         </p:nvPicPr>
         <p:blipFill>
-          <a:blip r:embed="rId4"/>
+          <a:blip r:embed="rId5"/>
           <a:srcRect l="17321" t="8728" r="2549" b="13503"/>
           <a:stretch/>
         </p:blipFill>
@@ -15998,13 +17006,13 @@
           <p:nvPr/>
         </p:nvPicPr>
         <p:blipFill>
-          <a:blip r:embed="rId4"/>
+          <a:blip r:embed="rId5"/>
           <a:srcRect l="17321" t="8728" r="2549" b="13503"/>
           <a:stretch/>
         </p:blipFill>
         <p:spPr>
           <a:xfrm>
-            <a:off x="8505000" y="4618080"/>
+            <a:off x="8505000" y="4598624"/>
             <a:ext cx="464760" cy="491040"/>
           </a:xfrm>
           <a:prstGeom prst="rect">
@@ -16022,13 +17030,13 @@
           <p:nvPr/>
         </p:nvPicPr>
         <p:blipFill>
-          <a:blip r:embed="rId4"/>
+          <a:blip r:embed="rId5"/>
           <a:srcRect l="17321" t="8728" r="2549" b="13503"/>
           <a:stretch/>
         </p:blipFill>
         <p:spPr>
           <a:xfrm>
-            <a:off x="8496360" y="5715360"/>
+            <a:off x="8496360" y="5695904"/>
             <a:ext cx="464760" cy="491040"/>
           </a:xfrm>
           <a:prstGeom prst="rect">
@@ -16046,13 +17054,13 @@
           <p:nvPr/>
         </p:nvPicPr>
         <p:blipFill>
-          <a:blip r:embed="rId4"/>
+          <a:blip r:embed="rId5"/>
           <a:srcRect l="17321" t="8728" r="2549" b="13503"/>
           <a:stretch/>
         </p:blipFill>
         <p:spPr>
           <a:xfrm>
-            <a:off x="8505720" y="8184240"/>
+            <a:off x="8505720" y="7814593"/>
             <a:ext cx="464760" cy="491040"/>
           </a:xfrm>
           <a:prstGeom prst="rect">
@@ -16070,13 +17078,13 @@
           <p:nvPr/>
         </p:nvPicPr>
         <p:blipFill>
-          <a:blip r:embed="rId4"/>
+          <a:blip r:embed="rId5"/>
           <a:srcRect l="17321" t="8728" r="2549" b="13503"/>
           <a:stretch/>
         </p:blipFill>
         <p:spPr>
           <a:xfrm>
-            <a:off x="9218160" y="6264000"/>
+            <a:off x="9646181" y="6264000"/>
             <a:ext cx="291600" cy="308160"/>
           </a:xfrm>
           <a:prstGeom prst="rect">
@@ -16094,13 +17102,13 @@
           <p:nvPr/>
         </p:nvPicPr>
         <p:blipFill>
-          <a:blip r:embed="rId4"/>
+          <a:blip r:embed="rId5"/>
           <a:srcRect l="17321" t="8728" r="2549" b="13503"/>
           <a:stretch/>
         </p:blipFill>
         <p:spPr>
           <a:xfrm>
-            <a:off x="9223560" y="7196400"/>
+            <a:off x="9651581" y="7196400"/>
             <a:ext cx="291600" cy="308160"/>
           </a:xfrm>
           <a:prstGeom prst="rect">
@@ -16118,13 +17126,13 @@
           <p:nvPr/>
         </p:nvPicPr>
         <p:blipFill>
-          <a:blip r:embed="rId4"/>
+          <a:blip r:embed="rId5"/>
           <a:srcRect l="17321" t="8728" r="2549" b="13503"/>
           <a:stretch/>
         </p:blipFill>
         <p:spPr>
           <a:xfrm>
-            <a:off x="9218160" y="8766720"/>
+            <a:off x="9646181" y="8397073"/>
             <a:ext cx="291600" cy="308160"/>
           </a:xfrm>
           <a:prstGeom prst="rect">
@@ -16142,13 +17150,13 @@
           <p:nvPr/>
         </p:nvPicPr>
         <p:blipFill>
-          <a:blip r:embed="rId4"/>
+          <a:blip r:embed="rId5"/>
           <a:srcRect l="17321" t="8728" r="2549" b="13503"/>
           <a:stretch/>
         </p:blipFill>
         <p:spPr>
           <a:xfrm>
-            <a:off x="9218160" y="9190440"/>
+            <a:off x="9646181" y="8820793"/>
             <a:ext cx="291600" cy="308160"/>
           </a:xfrm>
           <a:prstGeom prst="rect">
@@ -16166,7 +17174,7 @@
           <p:nvPr/>
         </p:nvPicPr>
         <p:blipFill>
-          <a:blip r:embed="rId5"/>
+          <a:blip r:embed="rId6"/>
           <a:stretch/>
         </p:blipFill>
         <p:spPr>
@@ -16189,7 +17197,7 @@
           <p:nvPr/>
         </p:nvPicPr>
         <p:blipFill>
-          <a:blip r:embed="rId6"/>
+          <a:blip r:embed="rId7"/>
           <a:stretch/>
         </p:blipFill>
         <p:spPr>
@@ -16436,7 +17444,7 @@
         <p:spPr>
           <a:xfrm>
             <a:off x="1188720" y="3652560"/>
-            <a:ext cx="5972040" cy="834120"/>
+            <a:ext cx="7313254" cy="834120"/>
           </a:xfrm>
           <a:prstGeom prst="rect">
             <a:avLst/>
@@ -16451,7 +17459,7 @@
           <a:lstStyle/>
           <a:p>
             <a:r>
-              <a:rPr lang="en-US" sz="2400" b="0" strike="noStrike" spc="-1">
+              <a:rPr lang="en-US" sz="2400" b="0" strike="noStrike" spc="-1" dirty="0">
                 <a:solidFill>
                   <a:srgbClr val="FFFFFF"/>
                 </a:solidFill>
@@ -16459,7 +17467,7 @@
               </a:rPr>
               <a:t>It exists while the program is running, can be changed by the program</a:t>
             </a:r>
-            <a:endParaRPr lang="en-US" sz="2400" b="0" strike="noStrike" spc="-1">
+            <a:endParaRPr lang="en-US" sz="2400" b="0" strike="noStrike" spc="-1" dirty="0">
               <a:latin typeface="Arial"/>
             </a:endParaRPr>
           </a:p>
@@ -16474,7 +17482,7 @@
         <p:spPr>
           <a:xfrm>
             <a:off x="1620720" y="4629600"/>
-            <a:ext cx="5420160" cy="834120"/>
+            <a:ext cx="6959076" cy="834120"/>
           </a:xfrm>
           <a:prstGeom prst="rect">
             <a:avLst/>
@@ -16489,7 +17497,7 @@
           <a:lstStyle/>
           <a:p>
             <a:r>
-              <a:rPr lang="en-US" sz="2400" b="0" strike="noStrike" spc="-1">
+              <a:rPr lang="en-US" sz="2400" b="0" strike="noStrike" spc="-1" dirty="0">
                 <a:solidFill>
                   <a:srgbClr val="FFFFFF"/>
                 </a:solidFill>
@@ -16497,7 +17505,7 @@
               </a:rPr>
               <a:t>You can write code to change that value depending on events</a:t>
             </a:r>
-            <a:endParaRPr lang="en-US" sz="2400" b="0" strike="noStrike" spc="-1">
+            <a:endParaRPr lang="en-US" sz="2400" b="0" strike="noStrike" spc="-1" dirty="0">
               <a:latin typeface="Arial"/>
             </a:endParaRPr>
           </a:p>
@@ -16549,8 +17557,8 @@
         </p:nvSpPr>
         <p:spPr>
           <a:xfrm>
-            <a:off x="1189080" y="6126480"/>
-            <a:ext cx="3903840" cy="462240"/>
+            <a:off x="1189079" y="6126480"/>
+            <a:ext cx="5299269" cy="462240"/>
           </a:xfrm>
           <a:prstGeom prst="rect">
             <a:avLst/>
@@ -16565,7 +17573,7 @@
           <a:lstStyle/>
           <a:p>
             <a:r>
-              <a:rPr lang="en-US" sz="2400" b="0" strike="noStrike" spc="-1">
+              <a:rPr lang="en-US" sz="2400" b="0" strike="noStrike" spc="-1" dirty="0">
                 <a:solidFill>
                   <a:srgbClr val="FFFFFF"/>
                 </a:solidFill>
@@ -16573,7 +17581,7 @@
               </a:rPr>
               <a:t>We have variables in real life:​</a:t>
             </a:r>
-            <a:endParaRPr lang="en-US" sz="2400" b="0" strike="noStrike" spc="-1">
+            <a:endParaRPr lang="en-US" sz="2400" b="0" strike="noStrike" spc="-1" dirty="0">
               <a:latin typeface="Arial"/>
             </a:endParaRPr>
           </a:p>
@@ -17010,7 +18018,7 @@
               </a:lnSpc>
             </a:pPr>
             <a:r>
-              <a:rPr lang="en-US" sz="3000" b="0" strike="noStrike" spc="-1">
+              <a:rPr lang="en-US" sz="3000" b="0" strike="noStrike" spc="-1" dirty="0">
                 <a:solidFill>
                   <a:srgbClr val="000000"/>
                 </a:solidFill>
@@ -17019,16 +18027,18 @@
               <a:t>This is done with the assignation operator </a:t>
             </a:r>
             <a:r>
-              <a:rPr lang="en-US" sz="3000" b="0" strike="noStrike" spc="-1">
+              <a:rPr lang="en-US" sz="3000" b="0" strike="noStrike" spc="-1" dirty="0">
                 <a:solidFill>
                   <a:srgbClr val="000000"/>
                 </a:solidFill>
-                <a:latin typeface="Cascadia Code"/>
+                <a:latin typeface="Liberation Mono" panose="02070409020205020404" pitchFamily="49" charset="0"/>
+                <a:cs typeface="Liberation Mono" panose="02070409020205020404" pitchFamily="49" charset="0"/>
               </a:rPr>
               <a:t>“=”</a:t>
             </a:r>
-            <a:endParaRPr lang="en-US" sz="3000" b="0" strike="noStrike" spc="-1">
-              <a:latin typeface="Arial"/>
+            <a:endParaRPr lang="en-US" sz="3000" b="0" strike="noStrike" spc="-1" dirty="0">
+              <a:latin typeface="Liberation Mono" panose="02070409020205020404" pitchFamily="49" charset="0"/>
+              <a:cs typeface="Liberation Mono" panose="02070409020205020404" pitchFamily="49" charset="0"/>
             </a:endParaRPr>
           </a:p>
         </p:txBody>
@@ -17074,16 +18084,28 @@
               </a:lnSpc>
             </a:pPr>
             <a:r>
-              <a:rPr lang="en-US" sz="3000" b="0" strike="noStrike" spc="-1">
+              <a:rPr lang="en-US" sz="3000" b="0" strike="noStrike" spc="-1" dirty="0" err="1">
                 <a:solidFill>
                   <a:srgbClr val="000000"/>
                 </a:solidFill>
-                <a:latin typeface="Cascadia Code"/>
-              </a:rPr>
-              <a:t>i = 8</a:t>
-            </a:r>
-            <a:endParaRPr lang="en-US" sz="3000" b="0" strike="noStrike" spc="-1">
-              <a:latin typeface="Cascadia Code"/>
+                <a:latin typeface="Liberation Mono" panose="02070409020205020404" pitchFamily="49" charset="0"/>
+                <a:cs typeface="Liberation Mono" panose="02070409020205020404" pitchFamily="49" charset="0"/>
+              </a:rPr>
+              <a:t>i</a:t>
+            </a:r>
+            <a:r>
+              <a:rPr lang="en-US" sz="3000" b="0" strike="noStrike" spc="-1" dirty="0">
+                <a:solidFill>
+                  <a:srgbClr val="000000"/>
+                </a:solidFill>
+                <a:latin typeface="Liberation Mono" panose="02070409020205020404" pitchFamily="49" charset="0"/>
+                <a:cs typeface="Liberation Mono" panose="02070409020205020404" pitchFamily="49" charset="0"/>
+              </a:rPr>
+              <a:t> = 8</a:t>
+            </a:r>
+            <a:endParaRPr lang="en-US" sz="3000" b="0" strike="noStrike" spc="-1" dirty="0">
+              <a:latin typeface="Liberation Mono" panose="02070409020205020404" pitchFamily="49" charset="0"/>
+              <a:cs typeface="Liberation Mono" panose="02070409020205020404" pitchFamily="49" charset="0"/>
             </a:endParaRPr>
           </a:p>
           <a:p>
@@ -17093,16 +18115,28 @@
               </a:lnSpc>
             </a:pPr>
             <a:r>
-              <a:rPr lang="en-US" sz="3000" b="0" strike="noStrike" spc="-1">
+              <a:rPr lang="en-US" sz="3000" b="0" strike="noStrike" spc="-1" dirty="0" err="1">
                 <a:solidFill>
                   <a:srgbClr val="000000"/>
                 </a:solidFill>
-                <a:latin typeface="Cascadia Code"/>
-              </a:rPr>
-              <a:t>i ← 8</a:t>
-            </a:r>
-            <a:endParaRPr lang="en-US" sz="3000" b="0" strike="noStrike" spc="-1">
-              <a:latin typeface="Cascadia Code"/>
+                <a:latin typeface="Liberation Mono" panose="02070409020205020404" pitchFamily="49" charset="0"/>
+                <a:cs typeface="Liberation Mono" panose="02070409020205020404" pitchFamily="49" charset="0"/>
+              </a:rPr>
+              <a:t>i</a:t>
+            </a:r>
+            <a:r>
+              <a:rPr lang="en-US" sz="3000" b="0" strike="noStrike" spc="-1" dirty="0">
+                <a:solidFill>
+                  <a:srgbClr val="000000"/>
+                </a:solidFill>
+                <a:latin typeface="Liberation Mono" panose="02070409020205020404" pitchFamily="49" charset="0"/>
+                <a:cs typeface="Liberation Mono" panose="02070409020205020404" pitchFamily="49" charset="0"/>
+              </a:rPr>
+              <a:t> ← 8</a:t>
+            </a:r>
+            <a:endParaRPr lang="en-US" sz="3000" b="0" strike="noStrike" spc="-1" dirty="0">
+              <a:latin typeface="Liberation Mono" panose="02070409020205020404" pitchFamily="49" charset="0"/>
+              <a:cs typeface="Liberation Mono" panose="02070409020205020404" pitchFamily="49" charset="0"/>
             </a:endParaRPr>
           </a:p>
         </p:txBody>
@@ -17175,7 +18209,7 @@
         </p:blipFill>
         <p:spPr>
           <a:xfrm>
-            <a:off x="4280400" y="4646880"/>
+            <a:off x="4280400" y="4617696"/>
             <a:ext cx="291600" cy="308160"/>
           </a:xfrm>
           <a:prstGeom prst="rect">
@@ -17199,7 +18233,7 @@
         </p:blipFill>
         <p:spPr>
           <a:xfrm>
-            <a:off x="4280400" y="5286960"/>
+            <a:off x="4280400" y="5257776"/>
             <a:ext cx="291600" cy="308160"/>
           </a:xfrm>
           <a:prstGeom prst="rect">
@@ -17223,7 +18257,7 @@
         </p:blipFill>
         <p:spPr>
           <a:xfrm>
-            <a:off x="4280400" y="6932880"/>
+            <a:off x="4280400" y="6903696"/>
             <a:ext cx="291600" cy="308160"/>
           </a:xfrm>
           <a:prstGeom prst="rect">
@@ -17298,7 +18332,7 @@
         </p:blipFill>
         <p:spPr>
           <a:xfrm rot="4558200">
-            <a:off x="11341800" y="-4839480"/>
+            <a:off x="11458532" y="-5071877"/>
             <a:ext cx="8218800" cy="8719920"/>
           </a:xfrm>
           <a:prstGeom prst="rect">
@@ -17538,16 +18572,18 @@
               </a:lnSpc>
             </a:pPr>
             <a:r>
-              <a:rPr lang="en-US" sz="3000" b="0" strike="noStrike" spc="-1">
+              <a:rPr lang="en-US" sz="3000" b="0" strike="noStrike" spc="-1" dirty="0">
                 <a:solidFill>
                   <a:srgbClr val="000000"/>
                 </a:solidFill>
-                <a:latin typeface="Cascadia Code"/>
+                <a:latin typeface="Liberation Mono" panose="02070409020205020404" pitchFamily="49" charset="0"/>
+                <a:cs typeface="Liberation Mono" panose="02070409020205020404" pitchFamily="49" charset="0"/>
               </a:rPr>
               <a:t>2</a:t>
             </a:r>
-            <a:endParaRPr lang="en-US" sz="3000" b="0" strike="noStrike" spc="-1">
-              <a:latin typeface="Courier New"/>
+            <a:endParaRPr lang="en-US" sz="3000" b="0" strike="noStrike" spc="-1" dirty="0">
+              <a:latin typeface="Liberation Mono" panose="02070409020205020404" pitchFamily="49" charset="0"/>
+              <a:cs typeface="Liberation Mono" panose="02070409020205020404" pitchFamily="49" charset="0"/>
             </a:endParaRPr>
           </a:p>
           <a:p>
@@ -17557,16 +18593,18 @@
               </a:lnSpc>
             </a:pPr>
             <a:r>
-              <a:rPr lang="en-US" sz="3000" b="0" strike="noStrike" spc="-1">
+              <a:rPr lang="en-US" sz="3000" b="0" strike="noStrike" spc="-1" dirty="0">
                 <a:solidFill>
                   <a:srgbClr val="000000"/>
                 </a:solidFill>
-                <a:latin typeface="Cascadia Code"/>
+                <a:latin typeface="Liberation Mono" panose="02070409020205020404" pitchFamily="49" charset="0"/>
+                <a:cs typeface="Liberation Mono" panose="02070409020205020404" pitchFamily="49" charset="0"/>
               </a:rPr>
               <a:t>“hello”</a:t>
             </a:r>
-            <a:endParaRPr lang="en-US" sz="3000" b="0" strike="noStrike" spc="-1">
-              <a:latin typeface="Courier New"/>
+            <a:endParaRPr lang="en-US" sz="3000" b="0" strike="noStrike" spc="-1" dirty="0">
+              <a:latin typeface="Liberation Mono" panose="02070409020205020404" pitchFamily="49" charset="0"/>
+              <a:cs typeface="Liberation Mono" panose="02070409020205020404" pitchFamily="49" charset="0"/>
             </a:endParaRPr>
           </a:p>
           <a:p>
@@ -17576,16 +18614,18 @@
               </a:lnSpc>
             </a:pPr>
             <a:r>
-              <a:rPr lang="en-US" sz="3000" b="0" strike="noStrike" spc="-1">
+              <a:rPr lang="en-US" sz="3000" b="0" strike="noStrike" spc="-1" dirty="0">
                 <a:solidFill>
                   <a:srgbClr val="000000"/>
                 </a:solidFill>
-                <a:latin typeface="Cascadia Code"/>
+                <a:latin typeface="Liberation Mono" panose="02070409020205020404" pitchFamily="49" charset="0"/>
+                <a:cs typeface="Liberation Mono" panose="02070409020205020404" pitchFamily="49" charset="0"/>
               </a:rPr>
               <a:t>3.5</a:t>
             </a:r>
-            <a:endParaRPr lang="en-US" sz="3000" b="0" strike="noStrike" spc="-1">
-              <a:latin typeface="Courier New"/>
+            <a:endParaRPr lang="en-US" sz="3000" b="0" strike="noStrike" spc="-1" dirty="0">
+              <a:latin typeface="Liberation Mono" panose="02070409020205020404" pitchFamily="49" charset="0"/>
+              <a:cs typeface="Liberation Mono" panose="02070409020205020404" pitchFamily="49" charset="0"/>
             </a:endParaRPr>
           </a:p>
           <a:p>
@@ -17595,16 +18635,18 @@
               </a:lnSpc>
             </a:pPr>
             <a:r>
-              <a:rPr lang="en-US" sz="3000" b="0" strike="noStrike" spc="-1">
+              <a:rPr lang="en-US" sz="3000" b="0" strike="noStrike" spc="-1" dirty="0">
                 <a:solidFill>
                   <a:srgbClr val="000000"/>
                 </a:solidFill>
-                <a:latin typeface="Cascadia Code"/>
+                <a:latin typeface="Liberation Mono" panose="02070409020205020404" pitchFamily="49" charset="0"/>
+                <a:cs typeface="Liberation Mono" panose="02070409020205020404" pitchFamily="49" charset="0"/>
               </a:rPr>
               <a:t>False</a:t>
             </a:r>
-            <a:endParaRPr lang="en-US" sz="3000" b="0" strike="noStrike" spc="-1">
-              <a:latin typeface="Courier New"/>
+            <a:endParaRPr lang="en-US" sz="3000" b="0" strike="noStrike" spc="-1" dirty="0">
+              <a:latin typeface="Liberation Mono" panose="02070409020205020404" pitchFamily="49" charset="0"/>
+              <a:cs typeface="Liberation Mono" panose="02070409020205020404" pitchFamily="49" charset="0"/>
             </a:endParaRPr>
           </a:p>
         </p:txBody>
@@ -17677,7 +18719,7 @@
         </p:blipFill>
         <p:spPr>
           <a:xfrm>
-            <a:off x="3200400" y="2812320"/>
+            <a:off x="3200400" y="2783136"/>
             <a:ext cx="291600" cy="308160"/>
           </a:xfrm>
           <a:prstGeom prst="rect">
@@ -17701,7 +18743,7 @@
         </p:blipFill>
         <p:spPr>
           <a:xfrm>
-            <a:off x="3200400" y="3669120"/>
+            <a:off x="3200400" y="3639936"/>
             <a:ext cx="291600" cy="308160"/>
           </a:xfrm>
           <a:prstGeom prst="rect">
@@ -17725,7 +18767,7 @@
         </p:blipFill>
         <p:spPr>
           <a:xfrm>
-            <a:off x="3200400" y="5006880"/>
+            <a:off x="3200400" y="4977696"/>
             <a:ext cx="291600" cy="308160"/>
           </a:xfrm>
           <a:prstGeom prst="rect">
@@ -17777,24 +18819,63 @@
               </a:lnSpc>
             </a:pPr>
             <a:r>
-              <a:rPr lang="en-US" sz="3000" b="0" strike="noStrike" spc="-1">
+              <a:rPr lang="en-US" sz="3000" b="0" strike="noStrike" spc="-1" dirty="0" err="1">
                 <a:solidFill>
                   <a:srgbClr val="000000"/>
                 </a:solidFill>
                 <a:latin typeface="PantonW01-Regular"/>
               </a:rPr>
-              <a:t>Visualise the type of your variable with </a:t>
-            </a:r>
-            <a:r>
-              <a:rPr lang="en-US" sz="3000" b="0" strike="noStrike" spc="-1">
+              <a:t>Visualise</a:t>
+            </a:r>
+            <a:r>
+              <a:rPr lang="en-US" sz="3000" b="0" strike="noStrike" spc="-1" dirty="0">
+                <a:solidFill>
+                  <a:srgbClr val="000000"/>
+                </a:solidFill>
+                <a:latin typeface="PantonW01-Regular"/>
+              </a:rPr>
+              <a:t> the type of your variable with </a:t>
+            </a:r>
+            <a:r>
+              <a:rPr lang="en-US" sz="3000" b="0" strike="noStrike" spc="-1" dirty="0">
+                <a:solidFill>
+                  <a:srgbClr val="000000"/>
+                </a:solidFill>
+                <a:latin typeface="Liberation Mono" panose="02070409020205020404" pitchFamily="49" charset="0"/>
+                <a:cs typeface="Liberation Mono" panose="02070409020205020404" pitchFamily="49" charset="0"/>
+              </a:rPr>
+              <a:t>type(</a:t>
+            </a:r>
+            <a:r>
+              <a:rPr lang="en-US" sz="3000" b="0" strike="noStrike" spc="-1" dirty="0" err="1">
+                <a:solidFill>
+                  <a:srgbClr val="000000"/>
+                </a:solidFill>
+                <a:latin typeface="Liberation Mono" panose="02070409020205020404" pitchFamily="49" charset="0"/>
+                <a:cs typeface="Liberation Mono" panose="02070409020205020404" pitchFamily="49" charset="0"/>
+              </a:rPr>
+              <a:t>i</a:t>
+            </a:r>
+            <a:r>
+              <a:rPr lang="en-US" sz="3000" b="0" strike="noStrike" spc="-1" dirty="0">
+                <a:solidFill>
+                  <a:srgbClr val="000000"/>
+                </a:solidFill>
+                <a:latin typeface="Liberation Mono" panose="02070409020205020404" pitchFamily="49" charset="0"/>
+                <a:cs typeface="Liberation Mono" panose="02070409020205020404" pitchFamily="49" charset="0"/>
+              </a:rPr>
+              <a:t>)</a:t>
+            </a:r>
+            <a:r>
+              <a:rPr lang="en-US" sz="3000" b="0" strike="noStrike" spc="-1" dirty="0">
                 <a:solidFill>
                   <a:srgbClr val="000000"/>
                 </a:solidFill>
                 <a:latin typeface="Cascadia Code"/>
               </a:rPr>
-              <a:t>type(i)​</a:t>
-            </a:r>
-            <a:endParaRPr lang="en-US" sz="3000" b="0" strike="noStrike" spc="-1">
+              <a:t>​</a:t>
+            </a:r>
+            <a:endParaRPr lang="en-US" sz="3000" b="0" strike="noStrike" spc="-1" dirty="0">
               <a:latin typeface="Arial"/>
             </a:endParaRPr>
           </a:p>
@@ -17868,7 +18949,7 @@
         </p:blipFill>
         <p:spPr>
           <a:xfrm>
-            <a:off x="3184560" y="5857200"/>
+            <a:off x="3184560" y="5828016"/>
             <a:ext cx="291600" cy="308160"/>
           </a:xfrm>
           <a:prstGeom prst="rect">
@@ -17892,7 +18973,7 @@
         </p:blipFill>
         <p:spPr>
           <a:xfrm>
-            <a:off x="3184560" y="6764400"/>
+            <a:off x="3184560" y="6735216"/>
             <a:ext cx="291600" cy="308160"/>
           </a:xfrm>
           <a:prstGeom prst="rect">
@@ -18060,7 +19141,13 @@
         <p:nvGraphicFramePr>
           <p:cNvPr id="133" name="Table 2"/>
           <p:cNvGraphicFramePr/>
-          <p:nvPr/>
+          <p:nvPr>
+            <p:extLst>
+              <p:ext uri="{D42A27DB-BD31-4B8C-83A1-F6EECF244321}">
+                <p14:modId xmlns:p14="http://schemas.microsoft.com/office/powerpoint/2010/main" val="1810544227"/>
+              </p:ext>
+            </p:extLst>
+          </p:nvPr>
         </p:nvGraphicFramePr>
         <p:xfrm>
           <a:off x="3567600" y="3606480"/>
@@ -18250,8 +19337,9 @@
                         </a:lnSpc>
                       </a:pPr>
                       <a:r>
-                        <a:rPr lang="en-US" sz="2000" b="0" strike="noStrike" spc="-1">
-                          <a:latin typeface="Cascadia Code"/>
+                        <a:rPr lang="en-US" sz="2000" b="1" strike="noStrike" spc="-1" dirty="0">
+                          <a:latin typeface="Liberation Mono" panose="02070409020205020404" pitchFamily="49" charset="0"/>
+                          <a:cs typeface="Liberation Mono" panose="02070409020205020404" pitchFamily="49" charset="0"/>
                         </a:rPr>
                         <a:t>int​</a:t>
                       </a:r>
@@ -18389,8 +19477,9 @@
                         </a:lnSpc>
                       </a:pPr>
                       <a:r>
-                        <a:rPr lang="en-US" sz="2000" b="0" strike="noStrike" spc="-1">
-                          <a:latin typeface="Cascadia Code"/>
+                        <a:rPr lang="en-US" sz="2000" b="1" strike="noStrike" spc="-1">
+                          <a:latin typeface="Liberation Mono" panose="02070409020205020404" pitchFamily="49" charset="0"/>
+                          <a:cs typeface="Liberation Mono" panose="02070409020205020404" pitchFamily="49" charset="0"/>
                         </a:rPr>
                         <a:t>str</a:t>
                       </a:r>
@@ -18528,8 +19617,9 @@
                         </a:lnSpc>
                       </a:pPr>
                       <a:r>
-                        <a:rPr lang="en-US" sz="2000" b="0" strike="noStrike" spc="-1">
-                          <a:latin typeface="Cascadia Code"/>
+                        <a:rPr lang="en-US" sz="2000" b="1" strike="noStrike" spc="-1" dirty="0">
+                          <a:latin typeface="Liberation Mono" panose="02070409020205020404" pitchFamily="49" charset="0"/>
+                          <a:cs typeface="Liberation Mono" panose="02070409020205020404" pitchFamily="49" charset="0"/>
                         </a:rPr>
                         <a:t>float</a:t>
                       </a:r>
@@ -18667,8 +19757,9 @@
                         </a:lnSpc>
                       </a:pPr>
                       <a:r>
-                        <a:rPr lang="en-US" sz="2000" b="0" strike="noStrike" spc="-1">
-                          <a:latin typeface="Cascadia Code"/>
+                        <a:rPr lang="en-US" sz="2000" b="1" strike="noStrike" spc="-1" dirty="0">
+                          <a:latin typeface="Liberation Mono" panose="02070409020205020404" pitchFamily="49" charset="0"/>
+                          <a:cs typeface="Liberation Mono" panose="02070409020205020404" pitchFamily="49" charset="0"/>
                         </a:rPr>
                         <a:t>bool</a:t>
                       </a:r>
@@ -18755,7 +19846,7 @@
                         </a:lnSpc>
                       </a:pPr>
                       <a:r>
-                        <a:rPr lang="en-US" sz="2000" b="0" strike="noStrike" spc="-1">
+                        <a:rPr lang="en-US" sz="2000" b="0" strike="noStrike" spc="-1" dirty="0">
                           <a:latin typeface="PantonW01-Regular"/>
                         </a:rPr>
                         <a:t>can only be either True or False​</a:t>
@@ -18992,7 +20083,7 @@
               </a:lnSpc>
             </a:pPr>
             <a:r>
-              <a:rPr lang="en-US" sz="3000" b="0" strike="noStrike" spc="-1">
+              <a:rPr lang="en-US" sz="3000" b="0" strike="noStrike" spc="-1" dirty="0">
                 <a:solidFill>
                   <a:srgbClr val="000000"/>
                 </a:solidFill>
@@ -19001,16 +20092,18 @@
               <a:t>Try adding two integers together with </a:t>
             </a:r>
             <a:r>
-              <a:rPr lang="en-US" sz="3000" b="0" strike="noStrike" spc="-1">
+              <a:rPr lang="en-US" sz="3000" b="0" strike="noStrike" spc="-1" dirty="0">
                 <a:solidFill>
                   <a:srgbClr val="000000"/>
                 </a:solidFill>
-                <a:latin typeface="Cascadia Code"/>
+                <a:latin typeface="Liberation Mono" panose="02070409020205020404" pitchFamily="49" charset="0"/>
+                <a:cs typeface="Liberation Mono" panose="02070409020205020404" pitchFamily="49" charset="0"/>
               </a:rPr>
               <a:t>+</a:t>
             </a:r>
-            <a:endParaRPr lang="en-US" sz="3000" b="0" strike="noStrike" spc="-1">
-              <a:latin typeface="Arial"/>
+            <a:endParaRPr lang="en-US" sz="3000" b="0" strike="noStrike" spc="-1" dirty="0">
+              <a:latin typeface="Liberation Mono" panose="02070409020205020404" pitchFamily="49" charset="0"/>
+              <a:cs typeface="Liberation Mono" panose="02070409020205020404" pitchFamily="49" charset="0"/>
             </a:endParaRPr>
           </a:p>
         </p:txBody>
@@ -19056,7 +20149,7 @@
               </a:lnSpc>
             </a:pPr>
             <a:r>
-              <a:rPr lang="en-US" sz="3000" b="0" strike="noStrike" spc="-1">
+              <a:rPr lang="en-US" sz="3000" b="0" strike="noStrike" spc="-1" dirty="0">
                 <a:solidFill>
                   <a:srgbClr val="000000"/>
                 </a:solidFill>
@@ -19065,33 +20158,44 @@
               <a:t>Try adding a </a:t>
             </a:r>
             <a:r>
-              <a:rPr lang="en-US" sz="3000" b="0" strike="noStrike" spc="-1">
+              <a:rPr lang="en-US" sz="3000" b="0" strike="noStrike" spc="-1" dirty="0">
+                <a:solidFill>
+                  <a:srgbClr val="000000"/>
+                </a:solidFill>
+                <a:latin typeface="Liberation Mono" panose="02070409020205020404" pitchFamily="49" charset="0"/>
+                <a:cs typeface="Liberation Mono" panose="02070409020205020404" pitchFamily="49" charset="0"/>
+              </a:rPr>
+              <a:t>string</a:t>
+            </a:r>
+            <a:r>
+              <a:rPr lang="en-US" sz="3000" b="0" strike="noStrike" spc="-1" dirty="0">
+                <a:solidFill>
+                  <a:srgbClr val="000000"/>
+                </a:solidFill>
+                <a:latin typeface="PantonW01-Regular"/>
+              </a:rPr>
+              <a:t> with an </a:t>
+            </a:r>
+            <a:r>
+              <a:rPr lang="en-US" sz="3000" b="0" strike="noStrike" spc="-1" dirty="0">
+                <a:solidFill>
+                  <a:srgbClr val="000000"/>
+                </a:solidFill>
+                <a:latin typeface="Liberation Mono" panose="02070409020205020404" pitchFamily="49" charset="0"/>
+                <a:cs typeface="Liberation Mono" panose="02070409020205020404" pitchFamily="49" charset="0"/>
+              </a:rPr>
+              <a:t>integer</a:t>
+            </a:r>
+            <a:r>
+              <a:rPr lang="en-US" sz="3000" b="0" strike="noStrike" spc="-1" dirty="0">
                 <a:solidFill>
                   <a:srgbClr val="000000"/>
                 </a:solidFill>
                 <a:latin typeface="Cascadia Code"/>
               </a:rPr>
-              <a:t>string</a:t>
-            </a:r>
-            <a:r>
-              <a:rPr lang="en-US" sz="3000" b="0" strike="noStrike" spc="-1">
-                <a:solidFill>
-                  <a:srgbClr val="000000"/>
-                </a:solidFill>
-                <a:latin typeface="PantonW01-Regular"/>
-              </a:rPr>
-              <a:t> with an </a:t>
-            </a:r>
-            <a:r>
-              <a:rPr lang="en-US" sz="3000" b="0" strike="noStrike" spc="-1">
-                <a:solidFill>
-                  <a:srgbClr val="000000"/>
-                </a:solidFill>
-                <a:latin typeface="Cascadia Code"/>
-              </a:rPr>
-              <a:t>integer​</a:t>
-            </a:r>
-            <a:endParaRPr lang="en-US" sz="3000" b="0" strike="noStrike" spc="-1">
+              <a:t>​</a:t>
+            </a:r>
+            <a:endParaRPr lang="en-US" sz="3000" b="0" strike="noStrike" spc="-1" dirty="0">
               <a:latin typeface="Arial"/>
             </a:endParaRPr>
           </a:p>
@@ -19184,7 +20288,7 @@
         </p:blipFill>
         <p:spPr>
           <a:xfrm>
-            <a:off x="3731760" y="3637440"/>
+            <a:off x="3731760" y="3608256"/>
             <a:ext cx="291600" cy="308160"/>
           </a:xfrm>
           <a:prstGeom prst="rect">
@@ -19208,7 +20312,7 @@
         </p:blipFill>
         <p:spPr>
           <a:xfrm>
-            <a:off x="3731760" y="4494240"/>
+            <a:off x="3731760" y="4465056"/>
             <a:ext cx="291600" cy="308160"/>
           </a:xfrm>
           <a:prstGeom prst="rect">
@@ -19232,7 +20336,7 @@
         </p:blipFill>
         <p:spPr>
           <a:xfrm>
-            <a:off x="3731760" y="5377320"/>
+            <a:off x="3731760" y="5348136"/>
             <a:ext cx="291600" cy="308160"/>
           </a:xfrm>
           <a:prstGeom prst="rect">
@@ -19297,12 +20401,14 @@
                 <a:solidFill>
                   <a:srgbClr val="000000"/>
                 </a:solidFill>
-                <a:latin typeface="Cascadia Code"/>
+                <a:latin typeface="Liberation Mono" panose="02070409020205020404" pitchFamily="49" charset="0"/>
+                <a:cs typeface="Liberation Mono" panose="02070409020205020404" pitchFamily="49" charset="0"/>
               </a:rPr>
               <a:t>str()</a:t>
             </a:r>
             <a:endParaRPr lang="en-US" sz="3000" b="0" strike="noStrike" spc="-1" dirty="0">
-              <a:latin typeface="Arial"/>
+              <a:latin typeface="Liberation Mono" panose="02070409020205020404" pitchFamily="49" charset="0"/>
+              <a:cs typeface="Liberation Mono" panose="02070409020205020404" pitchFamily="49" charset="0"/>
             </a:endParaRPr>
           </a:p>
           <a:p>
@@ -19325,7 +20431,8 @@
                 <a:solidFill>
                   <a:srgbClr val="000000"/>
                 </a:solidFill>
-                <a:latin typeface="Cascadia Code"/>
+                <a:latin typeface="Liberation Mono" panose="02070409020205020404" pitchFamily="49" charset="0"/>
+                <a:cs typeface="Liberation Mono" panose="02070409020205020404" pitchFamily="49" charset="0"/>
               </a:rPr>
               <a:t>int()</a:t>
             </a:r>
@@ -19357,7 +20464,7 @@
         </p:blipFill>
         <p:spPr>
           <a:xfrm>
-            <a:off x="3715920" y="6621840"/>
+            <a:off x="3745104" y="6592656"/>
             <a:ext cx="291600" cy="308160"/>
           </a:xfrm>
           <a:prstGeom prst="rect">
@@ -19646,16 +20753,18 @@
               </a:lnSpc>
             </a:pPr>
             <a:r>
-              <a:rPr lang="en-US" sz="3000" b="0" strike="noStrike" spc="-1">
+              <a:rPr lang="en-US" sz="3000" b="0" strike="noStrike" spc="-1" dirty="0">
                 <a:solidFill>
                   <a:srgbClr val="000000"/>
                 </a:solidFill>
-                <a:latin typeface="Cascadia Code"/>
+                <a:latin typeface="Liberation Mono" panose="02070409020205020404" pitchFamily="49" charset="0"/>
+                <a:cs typeface="Liberation Mono" panose="02070409020205020404" pitchFamily="49" charset="0"/>
               </a:rPr>
               <a:t>a += 1</a:t>
             </a:r>
-            <a:endParaRPr lang="en-US" sz="3000" b="0" strike="noStrike" spc="-1">
-              <a:latin typeface="Cascadia Code"/>
+            <a:endParaRPr lang="en-US" sz="3000" b="0" strike="noStrike" spc="-1" dirty="0">
+              <a:latin typeface="Liberation Mono" panose="02070409020205020404" pitchFamily="49" charset="0"/>
+              <a:cs typeface="Liberation Mono" panose="02070409020205020404" pitchFamily="49" charset="0"/>
             </a:endParaRPr>
           </a:p>
         </p:txBody>
@@ -19701,16 +20810,18 @@
               </a:lnSpc>
             </a:pPr>
             <a:r>
-              <a:rPr lang="en-US" sz="3000" b="0" strike="noStrike" spc="-1">
+              <a:rPr lang="en-US" sz="3000" b="0" strike="noStrike" spc="-1" dirty="0">
                 <a:solidFill>
                   <a:srgbClr val="000000"/>
                 </a:solidFill>
-                <a:latin typeface="Cascadia Code"/>
+                <a:latin typeface="Liberation Mono" panose="02070409020205020404" pitchFamily="49" charset="0"/>
+                <a:cs typeface="Liberation Mono" panose="02070409020205020404" pitchFamily="49" charset="0"/>
               </a:rPr>
               <a:t>b -= 3</a:t>
             </a:r>
-            <a:endParaRPr lang="en-US" sz="3000" b="0" strike="noStrike" spc="-1">
-              <a:latin typeface="Cascadia Code"/>
+            <a:endParaRPr lang="en-US" sz="3000" b="0" strike="noStrike" spc="-1" dirty="0">
+              <a:latin typeface="Liberation Mono" panose="02070409020205020404" pitchFamily="49" charset="0"/>
+              <a:cs typeface="Liberation Mono" panose="02070409020205020404" pitchFamily="49" charset="0"/>
             </a:endParaRPr>
           </a:p>
         </p:txBody>
@@ -19728,7 +20839,7 @@
         </p:blipFill>
         <p:spPr>
           <a:xfrm>
-            <a:off x="3617280" y="4740480"/>
+            <a:off x="3617280" y="4711296"/>
             <a:ext cx="291600" cy="308160"/>
           </a:xfrm>
           <a:prstGeom prst="rect">
@@ -19752,7 +20863,7 @@
         </p:blipFill>
         <p:spPr>
           <a:xfrm>
-            <a:off x="3617280" y="5597280"/>
+            <a:off x="3617280" y="5568096"/>
             <a:ext cx="291600" cy="308160"/>
           </a:xfrm>
           <a:prstGeom prst="rect">
@@ -19776,7 +20887,7 @@
         </p:blipFill>
         <p:spPr>
           <a:xfrm>
-            <a:off x="3617280" y="6480360"/>
+            <a:off x="3617280" y="6451176"/>
             <a:ext cx="291600" cy="308160"/>
           </a:xfrm>
           <a:prstGeom prst="rect">
@@ -20045,4 +21156,299 @@
   <a:objectDefaults/>
   <a:extraClrSchemeLst/>
 </a:theme>
+</file>
+
+<file path=ppt/theme/theme2.xml><?xml version="1.0" encoding="utf-8"?>
+<a:theme xmlns:a="http://schemas.openxmlformats.org/drawingml/2006/main" name="Office Theme">
+  <a:themeElements>
+    <a:clrScheme name="Office">
+      <a:dk1>
+        <a:sysClr val="windowText" lastClr="000000"/>
+      </a:dk1>
+      <a:lt1>
+        <a:sysClr val="window" lastClr="FFFFFF"/>
+      </a:lt1>
+      <a:dk2>
+        <a:srgbClr val="44546A"/>
+      </a:dk2>
+      <a:lt2>
+        <a:srgbClr val="E7E6E6"/>
+      </a:lt2>
+      <a:accent1>
+        <a:srgbClr val="4472C4"/>
+      </a:accent1>
+      <a:accent2>
+        <a:srgbClr val="ED7D31"/>
+      </a:accent2>
+      <a:accent3>
+        <a:srgbClr val="A5A5A5"/>
+      </a:accent3>
+      <a:accent4>
+        <a:srgbClr val="FFC000"/>
+      </a:accent4>
+      <a:accent5>
+        <a:srgbClr val="5B9BD5"/>
+      </a:accent5>
+      <a:accent6>
+        <a:srgbClr val="70AD47"/>
+      </a:accent6>
+      <a:hlink>
+        <a:srgbClr val="0563C1"/>
+      </a:hlink>
+      <a:folHlink>
+        <a:srgbClr val="954F72"/>
+      </a:folHlink>
+    </a:clrScheme>
+    <a:fontScheme name="Office">
+      <a:majorFont>
+        <a:latin typeface="Calibri Light" panose="020F0302020204030204"/>
+        <a:ea typeface=""/>
+        <a:cs typeface=""/>
+        <a:font script="Jpan" typeface="游ゴシック Light"/>
+        <a:font script="Hang" typeface="맑은 고딕"/>
+        <a:font script="Hans" typeface="等线 Light"/>
+        <a:font script="Hant" typeface="新細明體"/>
+        <a:font script="Arab" typeface="Times New Roman"/>
+        <a:font script="Hebr" typeface="Times New Roman"/>
+        <a:font script="Thai" typeface="Angsana New"/>
+        <a:font script="Ethi" typeface="Nyala"/>
+        <a:font script="Beng" typeface="Vrinda"/>
+        <a:font script="Gujr" typeface="Shruti"/>
+        <a:font script="Khmr" typeface="MoolBoran"/>
+        <a:font script="Knda" typeface="Tunga"/>
+        <a:font script="Guru" typeface="Raavi"/>
+        <a:font script="Cans" typeface="Euphemia"/>
+        <a:font script="Cher" typeface="Plantagenet Cherokee"/>
+        <a:font script="Yiii" typeface="Microsoft Yi Baiti"/>
+        <a:font script="Tibt" typeface="Microsoft Himalaya"/>
+        <a:font script="Thaa" typeface="MV Boli"/>
+        <a:font script="Deva" typeface="Mangal"/>
+        <a:font script="Telu" typeface="Gautami"/>
+        <a:font script="Taml" typeface="Latha"/>
+        <a:font script="Syrc" typeface="Estrangelo Edessa"/>
+        <a:font script="Orya" typeface="Kalinga"/>
+        <a:font script="Mlym" typeface="Kartika"/>
+        <a:font script="Laoo" typeface="DokChampa"/>
+        <a:font script="Sinh" typeface="Iskoola Pota"/>
+        <a:font script="Mong" typeface="Mongolian Baiti"/>
+        <a:font script="Viet" typeface="Times New Roman"/>
+        <a:font script="Uigh" typeface="Microsoft Uighur"/>
+        <a:font script="Geor" typeface="Sylfaen"/>
+        <a:font script="Armn" typeface="Arial"/>
+        <a:font script="Bugi" typeface="Leelawadee UI"/>
+        <a:font script="Bopo" typeface="Microsoft JhengHei"/>
+        <a:font script="Java" typeface="Javanese Text"/>
+        <a:font script="Lisu" typeface="Segoe UI"/>
+        <a:font script="Mymr" typeface="Myanmar Text"/>
+        <a:font script="Nkoo" typeface="Ebrima"/>
+        <a:font script="Olck" typeface="Nirmala UI"/>
+        <a:font script="Osma" typeface="Ebrima"/>
+        <a:font script="Phag" typeface="Phagspa"/>
+        <a:font script="Syrn" typeface="Estrangelo Edessa"/>
+        <a:font script="Syrj" typeface="Estrangelo Edessa"/>
+        <a:font script="Syre" typeface="Estrangelo Edessa"/>
+        <a:font script="Sora" typeface="Nirmala UI"/>
+        <a:font script="Tale" typeface="Microsoft Tai Le"/>
+        <a:font script="Talu" typeface="Microsoft New Tai Lue"/>
+        <a:font script="Tfng" typeface="Ebrima"/>
+      </a:majorFont>
+      <a:minorFont>
+        <a:latin typeface="Calibri" panose="020F0502020204030204"/>
+        <a:ea typeface=""/>
+        <a:cs typeface=""/>
+        <a:font script="Jpan" typeface="游ゴシック"/>
+        <a:font script="Hang" typeface="맑은 고딕"/>
+        <a:font script="Hans" typeface="等线"/>
+        <a:font script="Hant" typeface="新細明體"/>
+        <a:font script="Arab" typeface="Arial"/>
+        <a:font script="Hebr" typeface="Arial"/>
+        <a:font script="Thai" typeface="Cordia New"/>
+        <a:font script="Ethi" typeface="Nyala"/>
+        <a:font script="Beng" typeface="Vrinda"/>
+        <a:font script="Gujr" typeface="Shruti"/>
+        <a:font script="Khmr" typeface="DaunPenh"/>
+        <a:font script="Knda" typeface="Tunga"/>
+        <a:font script="Guru" typeface="Raavi"/>
+        <a:font script="Cans" typeface="Euphemia"/>
+        <a:font script="Cher" typeface="Plantagenet Cherokee"/>
+        <a:font script="Yiii" typeface="Microsoft Yi Baiti"/>
+        <a:font script="Tibt" typeface="Microsoft Himalaya"/>
+        <a:font script="Thaa" typeface="MV Boli"/>
+        <a:font script="Deva" typeface="Mangal"/>
+        <a:font script="Telu" typeface="Gautami"/>
+        <a:font script="Taml" typeface="Latha"/>
+        <a:font script="Syrc" typeface="Estrangelo Edessa"/>
+        <a:font script="Orya" typeface="Kalinga"/>
+        <a:font script="Mlym" typeface="Kartika"/>
+        <a:font script="Laoo" typeface="DokChampa"/>
+        <a:font script="Sinh" typeface="Iskoola Pota"/>
+        <a:font script="Mong" typeface="Mongolian Baiti"/>
+        <a:font script="Viet" typeface="Arial"/>
+        <a:font script="Uigh" typeface="Microsoft Uighur"/>
+        <a:font script="Geor" typeface="Sylfaen"/>
+        <a:font script="Armn" typeface="Arial"/>
+        <a:font script="Bugi" typeface="Leelawadee UI"/>
+        <a:font script="Bopo" typeface="Microsoft JhengHei"/>
+        <a:font script="Java" typeface="Javanese Text"/>
+        <a:font script="Lisu" typeface="Segoe UI"/>
+        <a:font script="Mymr" typeface="Myanmar Text"/>
+        <a:font script="Nkoo" typeface="Ebrima"/>
+        <a:font script="Olck" typeface="Nirmala UI"/>
+        <a:font script="Osma" typeface="Ebrima"/>
+        <a:font script="Phag" typeface="Phagspa"/>
+        <a:font script="Syrn" typeface="Estrangelo Edessa"/>
+        <a:font script="Syrj" typeface="Estrangelo Edessa"/>
+        <a:font script="Syre" typeface="Estrangelo Edessa"/>
+        <a:font script="Sora" typeface="Nirmala UI"/>
+        <a:font script="Tale" typeface="Microsoft Tai Le"/>
+        <a:font script="Talu" typeface="Microsoft New Tai Lue"/>
+        <a:font script="Tfng" typeface="Ebrima"/>
+      </a:minorFont>
+    </a:fontScheme>
+    <a:fmtScheme name="Office">
+      <a:fillStyleLst>
+        <a:solidFill>
+          <a:schemeClr val="phClr"/>
+        </a:solidFill>
+        <a:gradFill rotWithShape="1">
+          <a:gsLst>
+            <a:gs pos="0">
+              <a:schemeClr val="phClr">
+                <a:lumMod val="110000"/>
+                <a:satMod val="105000"/>
+                <a:tint val="67000"/>
+              </a:schemeClr>
+            </a:gs>
+            <a:gs pos="50000">
+              <a:schemeClr val="phClr">
+                <a:lumMod val="105000"/>
+                <a:satMod val="103000"/>
+                <a:tint val="73000"/>
+              </a:schemeClr>
+            </a:gs>
+            <a:gs pos="100000">
+              <a:schemeClr val="phClr">
+                <a:lumMod val="105000"/>
+                <a:satMod val="109000"/>
+                <a:tint val="81000"/>
+              </a:schemeClr>
+            </a:gs>
+          </a:gsLst>
+          <a:lin ang="5400000" scaled="0"/>
+        </a:gradFill>
+        <a:gradFill rotWithShape="1">
+          <a:gsLst>
+            <a:gs pos="0">
+              <a:schemeClr val="phClr">
+                <a:satMod val="103000"/>
+                <a:lumMod val="102000"/>
+                <a:tint val="94000"/>
+              </a:schemeClr>
+            </a:gs>
+            <a:gs pos="50000">
+              <a:schemeClr val="phClr">
+                <a:satMod val="110000"/>
+                <a:lumMod val="100000"/>
+                <a:shade val="100000"/>
+              </a:schemeClr>
+            </a:gs>
+            <a:gs pos="100000">
+              <a:schemeClr val="phClr">
+                <a:lumMod val="99000"/>
+                <a:satMod val="120000"/>
+                <a:shade val="78000"/>
+              </a:schemeClr>
+            </a:gs>
+          </a:gsLst>
+          <a:lin ang="5400000" scaled="0"/>
+        </a:gradFill>
+      </a:fillStyleLst>
+      <a:lnStyleLst>
+        <a:ln w="6350" cap="flat" cmpd="sng" algn="ctr">
+          <a:solidFill>
+            <a:schemeClr val="phClr"/>
+          </a:solidFill>
+          <a:prstDash val="solid"/>
+          <a:miter lim="800000"/>
+        </a:ln>
+        <a:ln w="12700" cap="flat" cmpd="sng" algn="ctr">
+          <a:solidFill>
+            <a:schemeClr val="phClr"/>
+          </a:solidFill>
+          <a:prstDash val="solid"/>
+          <a:miter lim="800000"/>
+        </a:ln>
+        <a:ln w="19050" cap="flat" cmpd="sng" algn="ctr">
+          <a:solidFill>
+            <a:schemeClr val="phClr"/>
+          </a:solidFill>
+          <a:prstDash val="solid"/>
+          <a:miter lim="800000"/>
+        </a:ln>
+      </a:lnStyleLst>
+      <a:effectStyleLst>
+        <a:effectStyle>
+          <a:effectLst/>
+        </a:effectStyle>
+        <a:effectStyle>
+          <a:effectLst/>
+        </a:effectStyle>
+        <a:effectStyle>
+          <a:effectLst>
+            <a:outerShdw blurRad="57150" dist="19050" dir="5400000" algn="ctr" rotWithShape="0">
+              <a:srgbClr val="000000">
+                <a:alpha val="63000"/>
+              </a:srgbClr>
+            </a:outerShdw>
+          </a:effectLst>
+        </a:effectStyle>
+      </a:effectStyleLst>
+      <a:bgFillStyleLst>
+        <a:solidFill>
+          <a:schemeClr val="phClr"/>
+        </a:solidFill>
+        <a:solidFill>
+          <a:schemeClr val="phClr">
+            <a:tint val="95000"/>
+            <a:satMod val="170000"/>
+          </a:schemeClr>
+        </a:solidFill>
+        <a:gradFill rotWithShape="1">
+          <a:gsLst>
+            <a:gs pos="0">
+              <a:schemeClr val="phClr">
+                <a:tint val="93000"/>
+                <a:satMod val="150000"/>
+                <a:shade val="98000"/>
+                <a:lumMod val="102000"/>
+              </a:schemeClr>
+            </a:gs>
+            <a:gs pos="50000">
+              <a:schemeClr val="phClr">
+                <a:tint val="98000"/>
+                <a:satMod val="130000"/>
+                <a:shade val="90000"/>
+                <a:lumMod val="103000"/>
+              </a:schemeClr>
+            </a:gs>
+            <a:gs pos="100000">
+              <a:schemeClr val="phClr">
+                <a:shade val="63000"/>
+                <a:satMod val="120000"/>
+              </a:schemeClr>
+            </a:gs>
+          </a:gsLst>
+          <a:lin ang="5400000" scaled="0"/>
+        </a:gradFill>
+      </a:bgFillStyleLst>
+    </a:fmtScheme>
+  </a:themeElements>
+  <a:objectDefaults/>
+  <a:extraClrSchemeLst/>
+  <a:extLst>
+    <a:ext uri="{05A4C25C-085E-4340-85A3-A5531E510DB2}">
+      <thm15:themeFamily xmlns:thm15="http://schemas.microsoft.com/office/thememl/2012/main" name="Office Theme" id="{62F939B6-93AF-4DB8-9C6B-D6C7DFDC589F}" vid="{4A3C46E8-61CC-4603-A589-7422A47A8E4A}"/>
+    </a:ext>
+  </a:extLst>
+</a:theme>
 </file>